--- a/Presentations/Bassolino_Report_Marzo2024_v2.pptx
+++ b/Presentations/Bassolino_Report_Marzo2024_v2.pptx
@@ -5,10 +5,10 @@
     <p:sldMasterId id="2147483648" r:id="rId4"/>
   </p:sldMasterIdLst>
   <p:notesMasterIdLst>
-    <p:notesMasterId r:id="rId23"/>
+    <p:notesMasterId r:id="rId21"/>
   </p:notesMasterIdLst>
   <p:handoutMasterIdLst>
-    <p:handoutMasterId r:id="rId24"/>
+    <p:handoutMasterId r:id="rId22"/>
   </p:handoutMasterIdLst>
   <p:sldIdLst>
     <p:sldId id="325" r:id="rId5"/>
@@ -20,15 +20,13 @@
     <p:sldId id="449" r:id="rId11"/>
     <p:sldId id="447" r:id="rId12"/>
     <p:sldId id="450" r:id="rId13"/>
-    <p:sldId id="458" r:id="rId14"/>
-    <p:sldId id="459" r:id="rId15"/>
-    <p:sldId id="451" r:id="rId16"/>
-    <p:sldId id="454" r:id="rId17"/>
-    <p:sldId id="455" r:id="rId18"/>
-    <p:sldId id="456" r:id="rId19"/>
-    <p:sldId id="457" r:id="rId20"/>
-    <p:sldId id="442" r:id="rId21"/>
-    <p:sldId id="339" r:id="rId22"/>
+    <p:sldId id="451" r:id="rId14"/>
+    <p:sldId id="454" r:id="rId15"/>
+    <p:sldId id="455" r:id="rId16"/>
+    <p:sldId id="456" r:id="rId17"/>
+    <p:sldId id="457" r:id="rId18"/>
+    <p:sldId id="442" r:id="rId19"/>
+    <p:sldId id="339" r:id="rId20"/>
   </p:sldIdLst>
   <p:sldSz cx="12192000" cy="6858000"/>
   <p:notesSz cx="6858000" cy="9144000"/>
@@ -830,7 +828,7 @@
     </p:spTree>
     <p:extLst>
       <p:ext uri="{BB962C8B-B14F-4D97-AF65-F5344CB8AC3E}">
-        <p14:creationId xmlns:p14="http://schemas.microsoft.com/office/powerpoint/2010/main" val="3653424708"/>
+        <p14:creationId xmlns:p14="http://schemas.microsoft.com/office/powerpoint/2010/main" val="9676157"/>
       </p:ext>
     </p:extLst>
   </p:cSld>
@@ -891,7 +889,7 @@
     </p:spTree>
     <p:extLst>
       <p:ext uri="{BB962C8B-B14F-4D97-AF65-F5344CB8AC3E}">
-        <p14:creationId xmlns:p14="http://schemas.microsoft.com/office/powerpoint/2010/main" val="2636450226"/>
+        <p14:creationId xmlns:p14="http://schemas.microsoft.com/office/powerpoint/2010/main" val="2303239644"/>
       </p:ext>
     </p:extLst>
   </p:cSld>
@@ -952,7 +950,7 @@
     </p:spTree>
     <p:extLst>
       <p:ext uri="{BB962C8B-B14F-4D97-AF65-F5344CB8AC3E}">
-        <p14:creationId xmlns:p14="http://schemas.microsoft.com/office/powerpoint/2010/main" val="9676157"/>
+        <p14:creationId xmlns:p14="http://schemas.microsoft.com/office/powerpoint/2010/main" val="20303720"/>
       </p:ext>
     </p:extLst>
   </p:cSld>
@@ -1013,7 +1011,7 @@
     </p:spTree>
     <p:extLst>
       <p:ext uri="{BB962C8B-B14F-4D97-AF65-F5344CB8AC3E}">
-        <p14:creationId xmlns:p14="http://schemas.microsoft.com/office/powerpoint/2010/main" val="2303239644"/>
+        <p14:creationId xmlns:p14="http://schemas.microsoft.com/office/powerpoint/2010/main" val="4147628477"/>
       </p:ext>
     </p:extLst>
   </p:cSld>
@@ -1074,7 +1072,7 @@
     </p:spTree>
     <p:extLst>
       <p:ext uri="{BB962C8B-B14F-4D97-AF65-F5344CB8AC3E}">
-        <p14:creationId xmlns:p14="http://schemas.microsoft.com/office/powerpoint/2010/main" val="20303720"/>
+        <p14:creationId xmlns:p14="http://schemas.microsoft.com/office/powerpoint/2010/main" val="2941650173"/>
       </p:ext>
     </p:extLst>
   </p:cSld>
@@ -1135,7 +1133,7 @@
     </p:spTree>
     <p:extLst>
       <p:ext uri="{BB962C8B-B14F-4D97-AF65-F5344CB8AC3E}">
-        <p14:creationId xmlns:p14="http://schemas.microsoft.com/office/powerpoint/2010/main" val="4147628477"/>
+        <p14:creationId xmlns:p14="http://schemas.microsoft.com/office/powerpoint/2010/main" val="4096457206"/>
       </p:ext>
     </p:extLst>
   </p:cSld>
@@ -1146,128 +1144,6 @@
 </file>
 
 <file path=ppt/notesSlides/notesSlide16.xml><?xml version="1.0" encoding="utf-8"?>
-<p:notes xmlns:a="http://schemas.openxmlformats.org/drawingml/2006/main" xmlns:r="http://schemas.openxmlformats.org/officeDocument/2006/relationships" xmlns:p="http://schemas.openxmlformats.org/presentationml/2006/main">
-  <p:cSld>
-    <p:spTree>
-      <p:nvGrpSpPr>
-        <p:cNvPr id="1" name=""/>
-        <p:cNvGrpSpPr/>
-        <p:nvPr/>
-      </p:nvGrpSpPr>
-      <p:grpSpPr>
-        <a:xfrm>
-          <a:off x="0" y="0"/>
-          <a:ext cx="0" cy="0"/>
-          <a:chOff x="0" y="0"/>
-          <a:chExt cx="0" cy="0"/>
-        </a:xfrm>
-      </p:grpSpPr>
-      <p:sp>
-        <p:nvSpPr>
-          <p:cNvPr id="2" name="Segnaposto immagine diapositiva 1"/>
-          <p:cNvSpPr>
-            <a:spLocks noGrp="1" noRot="1" noChangeAspect="1"/>
-          </p:cNvSpPr>
-          <p:nvPr>
-            <p:ph type="sldImg"/>
-          </p:nvPr>
-        </p:nvSpPr>
-        <p:spPr/>
-      </p:sp>
-      <p:sp>
-        <p:nvSpPr>
-          <p:cNvPr id="3" name="Segnaposto note 2"/>
-          <p:cNvSpPr>
-            <a:spLocks noGrp="1"/>
-          </p:cNvSpPr>
-          <p:nvPr>
-            <p:ph type="body" idx="1"/>
-          </p:nvPr>
-        </p:nvSpPr>
-        <p:spPr/>
-        <p:txBody>
-          <a:bodyPr/>
-          <a:lstStyle/>
-          <a:p>
-            <a:endParaRPr lang="it-IT" dirty="0"/>
-          </a:p>
-        </p:txBody>
-      </p:sp>
-    </p:spTree>
-    <p:extLst>
-      <p:ext uri="{BB962C8B-B14F-4D97-AF65-F5344CB8AC3E}">
-        <p14:creationId xmlns:p14="http://schemas.microsoft.com/office/powerpoint/2010/main" val="2941650173"/>
-      </p:ext>
-    </p:extLst>
-  </p:cSld>
-  <p:clrMapOvr>
-    <a:masterClrMapping/>
-  </p:clrMapOvr>
-</p:notes>
-</file>
-
-<file path=ppt/notesSlides/notesSlide17.xml><?xml version="1.0" encoding="utf-8"?>
-<p:notes xmlns:a="http://schemas.openxmlformats.org/drawingml/2006/main" xmlns:r="http://schemas.openxmlformats.org/officeDocument/2006/relationships" xmlns:p="http://schemas.openxmlformats.org/presentationml/2006/main">
-  <p:cSld>
-    <p:spTree>
-      <p:nvGrpSpPr>
-        <p:cNvPr id="1" name=""/>
-        <p:cNvGrpSpPr/>
-        <p:nvPr/>
-      </p:nvGrpSpPr>
-      <p:grpSpPr>
-        <a:xfrm>
-          <a:off x="0" y="0"/>
-          <a:ext cx="0" cy="0"/>
-          <a:chOff x="0" y="0"/>
-          <a:chExt cx="0" cy="0"/>
-        </a:xfrm>
-      </p:grpSpPr>
-      <p:sp>
-        <p:nvSpPr>
-          <p:cNvPr id="2" name="Segnaposto immagine diapositiva 1"/>
-          <p:cNvSpPr>
-            <a:spLocks noGrp="1" noRot="1" noChangeAspect="1"/>
-          </p:cNvSpPr>
-          <p:nvPr>
-            <p:ph type="sldImg"/>
-          </p:nvPr>
-        </p:nvSpPr>
-        <p:spPr/>
-      </p:sp>
-      <p:sp>
-        <p:nvSpPr>
-          <p:cNvPr id="3" name="Segnaposto note 2"/>
-          <p:cNvSpPr>
-            <a:spLocks noGrp="1"/>
-          </p:cNvSpPr>
-          <p:nvPr>
-            <p:ph type="body" idx="1"/>
-          </p:nvPr>
-        </p:nvSpPr>
-        <p:spPr/>
-        <p:txBody>
-          <a:bodyPr/>
-          <a:lstStyle/>
-          <a:p>
-            <a:endParaRPr lang="it-IT" dirty="0"/>
-          </a:p>
-        </p:txBody>
-      </p:sp>
-    </p:spTree>
-    <p:extLst>
-      <p:ext uri="{BB962C8B-B14F-4D97-AF65-F5344CB8AC3E}">
-        <p14:creationId xmlns:p14="http://schemas.microsoft.com/office/powerpoint/2010/main" val="4096457206"/>
-      </p:ext>
-    </p:extLst>
-  </p:cSld>
-  <p:clrMapOvr>
-    <a:masterClrMapping/>
-  </p:clrMapOvr>
-</p:notes>
-</file>
-
-<file path=ppt/notesSlides/notesSlide18.xml><?xml version="1.0" encoding="utf-8"?>
 <p:notes xmlns:a="http://schemas.openxmlformats.org/drawingml/2006/main" xmlns:r="http://schemas.openxmlformats.org/officeDocument/2006/relationships" xmlns:p="http://schemas.openxmlformats.org/presentationml/2006/main">
   <p:cSld>
     <p:spTree>
@@ -13421,35 +13297,6 @@
           </a:p>
         </p:txBody>
       </p:sp>
-      <p:pic>
-        <p:nvPicPr>
-          <p:cNvPr id="12" name="Immagine 11">
-            <a:extLst>
-              <a:ext uri="{FF2B5EF4-FFF2-40B4-BE49-F238E27FC236}">
-                <a16:creationId xmlns:a16="http://schemas.microsoft.com/office/drawing/2014/main" id="{8CCCF590-C321-60FE-9306-B6C95AFB96A7}"/>
-              </a:ext>
-            </a:extLst>
-          </p:cNvPr>
-          <p:cNvPicPr>
-            <a:picLocks noChangeAspect="1"/>
-          </p:cNvPicPr>
-          <p:nvPr/>
-        </p:nvPicPr>
-        <p:blipFill rotWithShape="1">
-          <a:blip r:embed="rId4"/>
-          <a:srcRect l="10341" t="7888" r="28989"/>
-          <a:stretch/>
-        </p:blipFill>
-        <p:spPr>
-          <a:xfrm>
-            <a:off x="705625" y="1977836"/>
-            <a:ext cx="11426799" cy="4337181"/>
-          </a:xfrm>
-          <a:prstGeom prst="rect">
-            <a:avLst/>
-          </a:prstGeom>
-        </p:spPr>
-      </p:pic>
       <p:sp>
         <p:nvSpPr>
           <p:cNvPr id="9" name="Segnaposto testo 6">
@@ -13656,11 +13503,27 @@
             </a:pPr>
             <a:r>
               <a:rPr lang="it-IT" sz="1600" dirty="0"/>
-              <a:t>I tre grafici di cui sotto illustrano i valori delle tre metriche in base alle 50 immagini del test set.</a:t>
-            </a:r>
-          </a:p>
-          <a:p>
-            <a:pPr>
+              <a:t>I quattro </a:t>
+            </a:r>
+            <a:r>
+              <a:rPr lang="it-IT" sz="1600" dirty="0" err="1"/>
+              <a:t>scatterplot</a:t>
+            </a:r>
+            <a:r>
+              <a:rPr lang="it-IT" sz="1600" dirty="0"/>
+              <a:t> di cui sotto illustrano le relazioni tra il dice medio (calcolato sulle 20 immagini </a:t>
+            </a:r>
+            <a:r>
+              <a:rPr lang="it-IT" sz="1600" dirty="0" err="1"/>
+              <a:t>MonteCarlo</a:t>
+            </a:r>
+            <a:r>
+              <a:rPr lang="it-IT" sz="1600" dirty="0"/>
+              <a:t> in relazione alla maschera Ground Truth) con, rispettivamente:</a:t>
+            </a:r>
+          </a:p>
+          <a:p>
+            <a:pPr marL="285750" indent="-285750">
               <a:lnSpc>
                 <a:spcPct val="100000"/>
               </a:lnSpc>
@@ -13668,18 +13531,99 @@
                 <a:spcPts val="600"/>
               </a:spcBef>
               <a:buSzPct val="95000"/>
+              <a:buFont typeface="Arial" panose="020B0604020202020204" pitchFamily="34" charset="0"/>
+              <a:buChar char="•"/>
             </a:pPr>
             <a:r>
               <a:rPr lang="it-IT" sz="1600" dirty="0"/>
-              <a:t>Nella slide successiva, dopo una normalizzazione, i tre grafici sono stati plottati insieme, per verificare se ci possano essere tendenze da notare.</a:t>
-            </a:r>
-          </a:p>
-        </p:txBody>
-      </p:sp>
+              <a:t>Metrica basata sulla standard </a:t>
+            </a:r>
+            <a:r>
+              <a:rPr lang="it-IT" sz="1600" dirty="0" err="1"/>
+              <a:t>deviation</a:t>
+            </a:r>
+            <a:r>
+              <a:rPr lang="it-IT" sz="1600" dirty="0"/>
+              <a:t> </a:t>
+            </a:r>
+            <a:r>
+              <a:rPr lang="it-IT" sz="1600" dirty="0" err="1"/>
+              <a:t>std</a:t>
+            </a:r>
+            <a:r>
+              <a:rPr lang="it-IT" sz="1600" dirty="0"/>
+              <a:t> (in blu)</a:t>
+            </a:r>
+          </a:p>
+          <a:p>
+            <a:pPr marL="285750" indent="-285750">
+              <a:lnSpc>
+                <a:spcPct val="100000"/>
+              </a:lnSpc>
+              <a:spcBef>
+                <a:spcPts val="600"/>
+              </a:spcBef>
+              <a:buSzPct val="95000"/>
+              <a:buFont typeface="Arial" panose="020B0604020202020204" pitchFamily="34" charset="0"/>
+              <a:buChar char="•"/>
+            </a:pPr>
+            <a:r>
+              <a:rPr lang="it-IT" sz="1600" dirty="0"/>
+              <a:t>Metrica basata sull’entropia (in arancione)</a:t>
+            </a:r>
+          </a:p>
+          <a:p>
+            <a:pPr marL="285750" indent="-285750">
+              <a:lnSpc>
+                <a:spcPct val="100000"/>
+              </a:lnSpc>
+              <a:spcBef>
+                <a:spcPts val="600"/>
+              </a:spcBef>
+              <a:buSzPct val="95000"/>
+              <a:buFont typeface="Arial" panose="020B0604020202020204" pitchFamily="34" charset="0"/>
+              <a:buChar char="•"/>
+            </a:pPr>
+            <a:r>
+              <a:rPr lang="it-IT" sz="1600" dirty="0"/>
+              <a:t>Metrica basata sulla matrice dei dice (in verde)</a:t>
+            </a:r>
+          </a:p>
+        </p:txBody>
+      </p:sp>
+      <p:pic>
+        <p:nvPicPr>
+          <p:cNvPr id="3" name="Immagine 2" descr="Immagine che contiene testo, diagramma, linea, schermata&#10;&#10;Descrizione generata automaticamente">
+            <a:extLst>
+              <a:ext uri="{FF2B5EF4-FFF2-40B4-BE49-F238E27FC236}">
+                <a16:creationId xmlns:a16="http://schemas.microsoft.com/office/drawing/2014/main" id="{FF5F8FD5-AA2D-221D-6C39-066F0627CEB3}"/>
+              </a:ext>
+            </a:extLst>
+          </p:cNvPr>
+          <p:cNvPicPr>
+            <a:picLocks noChangeAspect="1"/>
+          </p:cNvPicPr>
+          <p:nvPr/>
+        </p:nvPicPr>
+        <p:blipFill rotWithShape="1">
+          <a:blip r:embed="rId4"/>
+          <a:srcRect l="9977" r="9337" b="4545"/>
+          <a:stretch/>
+        </p:blipFill>
+        <p:spPr>
+          <a:xfrm>
+            <a:off x="65891" y="2488831"/>
+            <a:ext cx="12057042" cy="3565959"/>
+          </a:xfrm>
+          <a:prstGeom prst="rect">
+            <a:avLst/>
+          </a:prstGeom>
+        </p:spPr>
+      </p:pic>
     </p:spTree>
     <p:extLst>
       <p:ext uri="{BB962C8B-B14F-4D97-AF65-F5344CB8AC3E}">
-        <p14:creationId xmlns:p14="http://schemas.microsoft.com/office/powerpoint/2010/main" val="3722049686"/>
+        <p14:creationId xmlns:p14="http://schemas.microsoft.com/office/powerpoint/2010/main" val="2125551908"/>
       </p:ext>
     </p:extLst>
   </p:cSld>
@@ -13993,6 +13937,17 @@
               <a:rPr lang="it-IT" sz="2000" b="1" spc="0" dirty="0"/>
               <a:t>Analisi preliminare delle metriche</a:t>
             </a:r>
+          </a:p>
+          <a:p>
+            <a:pPr rtl="0"/>
+            <a:r>
+              <a:rPr lang="it-IT" sz="2000" b="1" spc="0" dirty="0"/>
+              <a:t>Metrica basata sulla </a:t>
+            </a:r>
+            <a:r>
+              <a:rPr lang="it-IT" sz="2000" b="1" spc="0" dirty="0" err="1"/>
+              <a:t>std</a:t>
+            </a:r>
             <a:endParaRPr lang="it-IT" sz="2000" spc="0" dirty="0"/>
           </a:p>
         </p:txBody>
@@ -14221,8 +14176,8 @@
         </p:nvSpPr>
         <p:spPr>
           <a:xfrm>
-            <a:off x="765202" y="914400"/>
-            <a:ext cx="6158112" cy="4337180"/>
+            <a:off x="765202" y="1244204"/>
+            <a:ext cx="6405530" cy="4007376"/>
           </a:xfrm>
           <a:prstGeom prst="rect">
             <a:avLst/>
@@ -14411,7 +14366,23 @@
             </a:pPr>
             <a:r>
               <a:rPr lang="it-IT" sz="1600" dirty="0"/>
-              <a:t>Le tre metriche sono state plottate insieme per capire il comportamento relativo alle 50 immagini di ognuna di esse.</a:t>
+              <a:t>Idealmente, i punti di questo </a:t>
+            </a:r>
+            <a:r>
+              <a:rPr lang="it-IT" sz="1600" dirty="0" err="1"/>
+              <a:t>scatterplot</a:t>
+            </a:r>
+            <a:r>
+              <a:rPr lang="it-IT" sz="1600" dirty="0"/>
+              <a:t> dovrebbero concentrarsi nell’angolo in basso a destra: il dice medio ideale è 1, la </a:t>
+            </a:r>
+            <a:r>
+              <a:rPr lang="it-IT" sz="1600" dirty="0" err="1"/>
+              <a:t>std</a:t>
+            </a:r>
+            <a:r>
+              <a:rPr lang="it-IT" sz="1600" dirty="0"/>
+              <a:t> ideale è 0.</a:t>
             </a:r>
           </a:p>
           <a:p>
@@ -14426,7 +14397,22 @@
             </a:pPr>
             <a:r>
               <a:rPr lang="it-IT" sz="1600" dirty="0"/>
-              <a:t>Le metriche derivanti da </a:t>
+              <a:t>A livello di dice, la rete sembrerebbe non avere prestazioni tendenti all’idealità (ce ne si può accorgere da un’analisi visiva analogica: ci sono immagini la cui segmentazione della rete non è per niente corretta), e questo spiega perché c’è diffusione sull’asse delle ascisse.</a:t>
+            </a:r>
+          </a:p>
+          <a:p>
+            <a:pPr>
+              <a:lnSpc>
+                <a:spcPct val="100000"/>
+              </a:lnSpc>
+              <a:spcBef>
+                <a:spcPts val="600"/>
+              </a:spcBef>
+              <a:buSzPct val="95000"/>
+            </a:pPr>
+            <a:r>
+              <a:rPr lang="it-IT" sz="1600" dirty="0"/>
+              <a:t>A livello di </a:t>
             </a:r>
             <a:r>
               <a:rPr lang="it-IT" sz="1600" dirty="0" err="1"/>
@@ -14434,25 +14420,32 @@
             </a:r>
             <a:r>
               <a:rPr lang="it-IT" sz="1600" dirty="0"/>
-              <a:t> e da </a:t>
-            </a:r>
-            <a:r>
-              <a:rPr lang="it-IT" sz="1600" dirty="0" err="1"/>
-              <a:t>entropy</a:t>
-            </a:r>
+              <a:t>, sembrerebbe poter esserci una tendenza ad avere valori più bassi quando i valori di dice aumentano: è il comportamento che ci si aspetterebbe, anche se ci sono dei picchi a valori di dice più alti; c’è comunque una grande variabilità, non sembra esserci una relazione lineare.</a:t>
+            </a:r>
+          </a:p>
+          <a:p>
+            <a:pPr>
+              <a:lnSpc>
+                <a:spcPct val="100000"/>
+              </a:lnSpc>
+              <a:spcBef>
+                <a:spcPts val="600"/>
+              </a:spcBef>
+              <a:buSzPct val="95000"/>
+            </a:pPr>
             <a:r>
               <a:rPr lang="it-IT" sz="1600" dirty="0"/>
-              <a:t> sembrerebbero avere comportamento paragonabile (alcune immagini hanno il picco in entrambe).</a:t>
+              <a:t>In ogni caso, il campione di 50 immagini potrebbe essere non abbastanza elevato per trarre conclusioni certe.</a:t>
             </a:r>
           </a:p>
         </p:txBody>
       </p:sp>
       <p:pic>
         <p:nvPicPr>
-          <p:cNvPr id="3" name="Immagine 2" descr="Immagine che contiene linea, diagramma, Diagramma&#10;&#10;Descrizione generata automaticamente">
-            <a:extLst>
-              <a:ext uri="{FF2B5EF4-FFF2-40B4-BE49-F238E27FC236}">
-                <a16:creationId xmlns:a16="http://schemas.microsoft.com/office/drawing/2014/main" id="{59D7CEC7-C398-C3CD-C64E-983311B71BDF}"/>
+          <p:cNvPr id="3" name="Immagine 2" descr="Immagine che contiene testo, diagramma, linea, schermata&#10;&#10;Descrizione generata automaticamente">
+            <a:extLst>
+              <a:ext uri="{FF2B5EF4-FFF2-40B4-BE49-F238E27FC236}">
+                <a16:creationId xmlns:a16="http://schemas.microsoft.com/office/drawing/2014/main" id="{30F0B0A1-B20D-BC4A-29CC-9EC30242A11A}"/>
               </a:ext>
             </a:extLst>
           </p:cNvPr>
@@ -14463,13 +14456,13 @@
         </p:nvPicPr>
         <p:blipFill rotWithShape="1">
           <a:blip r:embed="rId4"/>
-          <a:srcRect l="71359" t="7112" r="9336" b="4648"/>
+          <a:srcRect l="10344" t="7488" r="70144" b="5482"/>
           <a:stretch/>
         </p:blipFill>
         <p:spPr>
           <a:xfrm>
-            <a:off x="7039291" y="678653"/>
-            <a:ext cx="4981820" cy="5693135"/>
+            <a:off x="7292528" y="707366"/>
+            <a:ext cx="4772935" cy="5322080"/>
           </a:xfrm>
           <a:prstGeom prst="rect">
             <a:avLst/>
@@ -14479,7 +14472,7 @@
     </p:spTree>
     <p:extLst>
       <p:ext uri="{BB962C8B-B14F-4D97-AF65-F5344CB8AC3E}">
-        <p14:creationId xmlns:p14="http://schemas.microsoft.com/office/powerpoint/2010/main" val="1635191350"/>
+        <p14:creationId xmlns:p14="http://schemas.microsoft.com/office/powerpoint/2010/main" val="1451766389"/>
       </p:ext>
     </p:extLst>
   </p:cSld>
@@ -14793,6 +14786,13 @@
               <a:rPr lang="it-IT" sz="2000" b="1" spc="0" dirty="0"/>
               <a:t>Analisi preliminare delle metriche</a:t>
             </a:r>
+          </a:p>
+          <a:p>
+            <a:pPr rtl="0"/>
+            <a:r>
+              <a:rPr lang="it-IT" sz="2000" b="1" spc="0" dirty="0"/>
+              <a:t>Metrica basata sull’entropia</a:t>
+            </a:r>
             <a:endParaRPr lang="it-IT" sz="2000" spc="0" dirty="0"/>
           </a:p>
         </p:txBody>
@@ -15005,6 +15005,35 @@
           </a:p>
         </p:txBody>
       </p:sp>
+      <p:pic>
+        <p:nvPicPr>
+          <p:cNvPr id="12" name="Immagine 11">
+            <a:extLst>
+              <a:ext uri="{FF2B5EF4-FFF2-40B4-BE49-F238E27FC236}">
+                <a16:creationId xmlns:a16="http://schemas.microsoft.com/office/drawing/2014/main" id="{8CCCF590-C321-60FE-9306-B6C95AFB96A7}"/>
+              </a:ext>
+            </a:extLst>
+          </p:cNvPr>
+          <p:cNvPicPr>
+            <a:picLocks noChangeAspect="1"/>
+          </p:cNvPicPr>
+          <p:nvPr/>
+        </p:nvPicPr>
+        <p:blipFill rotWithShape="1">
+          <a:blip r:embed="rId4"/>
+          <a:srcRect l="26070" t="8384" r="50127"/>
+          <a:stretch/>
+        </p:blipFill>
+        <p:spPr>
+          <a:xfrm>
+            <a:off x="7252509" y="729849"/>
+            <a:ext cx="4880284" cy="5555684"/>
+          </a:xfrm>
+          <a:prstGeom prst="rect">
+            <a:avLst/>
+          </a:prstGeom>
+        </p:spPr>
+      </p:pic>
       <p:sp>
         <p:nvSpPr>
           <p:cNvPr id="9" name="Segnaposto testo 6">
@@ -15021,8 +15050,8 @@
         </p:nvSpPr>
         <p:spPr>
           <a:xfrm>
-            <a:off x="765201" y="914400"/>
-            <a:ext cx="11244876" cy="4337180"/>
+            <a:off x="765202" y="1244204"/>
+            <a:ext cx="6405530" cy="4007376"/>
           </a:xfrm>
           <a:prstGeom prst="rect">
             <a:avLst/>
@@ -15211,7 +15240,7 @@
             </a:pPr>
             <a:r>
               <a:rPr lang="it-IT" sz="1600" dirty="0"/>
-              <a:t>I quattro </a:t>
+              <a:t>Idealmente, i punti di questo </a:t>
             </a:r>
             <a:r>
               <a:rPr lang="it-IT" sz="1600" dirty="0" err="1"/>
@@ -15219,19 +15248,26 @@
             </a:r>
             <a:r>
               <a:rPr lang="it-IT" sz="1600" dirty="0"/>
-              <a:t> di cui sotto illustrano le relazioni tra il dice medio (calcolato sulle 20 immagini </a:t>
-            </a:r>
-            <a:r>
-              <a:rPr lang="it-IT" sz="1600" dirty="0" err="1"/>
-              <a:t>MonteCarlo</a:t>
-            </a:r>
+              <a:t> dovrebbero concentrarsi nell’angolo in basso a destra: il dice medio ideale è 1, l’entropia ideale è 0.</a:t>
+            </a:r>
+          </a:p>
+          <a:p>
+            <a:pPr>
+              <a:lnSpc>
+                <a:spcPct val="100000"/>
+              </a:lnSpc>
+              <a:spcBef>
+                <a:spcPts val="600"/>
+              </a:spcBef>
+              <a:buSzPct val="95000"/>
+            </a:pPr>
             <a:r>
               <a:rPr lang="it-IT" sz="1600" dirty="0"/>
-              <a:t> in relazione alla maschera Ground Truth) con, rispettivamente:</a:t>
-            </a:r>
-          </a:p>
-          <a:p>
-            <a:pPr marL="285750" indent="-285750">
+              <a:t>A livello di dice il discorso è lo stesso della slide precedente, e questo spiega perché c’è diffusione sull’asse delle ascisse.</a:t>
+            </a:r>
+          </a:p>
+          <a:p>
+            <a:pPr>
               <a:lnSpc>
                 <a:spcPct val="100000"/>
               </a:lnSpc>
@@ -15239,99 +15275,33 @@
                 <a:spcPts val="600"/>
               </a:spcBef>
               <a:buSzPct val="95000"/>
-              <a:buFont typeface="Arial" panose="020B0604020202020204" pitchFamily="34" charset="0"/>
-              <a:buChar char="•"/>
             </a:pPr>
             <a:r>
               <a:rPr lang="it-IT" sz="1600" dirty="0"/>
-              <a:t>Metrica basata sulla standard </a:t>
-            </a:r>
-            <a:r>
-              <a:rPr lang="it-IT" sz="1600" dirty="0" err="1"/>
-              <a:t>deviation</a:t>
-            </a:r>
+              <a:t>A livello di entropia, sembrerebbe poter esserci una tendenza ad avere valori più bassi quando i valori di dice aumentano (e sembrerebbe che questo comportamento sia più accentuato del comportamento della metrica precedente), con però dei picchi di entropia proprio dove il dice aumenta; c’è comunque una grande variabilità, non sembra esserci una relazione lineare.</a:t>
+            </a:r>
+          </a:p>
+          <a:p>
+            <a:pPr>
+              <a:lnSpc>
+                <a:spcPct val="100000"/>
+              </a:lnSpc>
+              <a:spcBef>
+                <a:spcPts val="600"/>
+              </a:spcBef>
+              <a:buSzPct val="95000"/>
+            </a:pPr>
             <a:r>
               <a:rPr lang="it-IT" sz="1600" dirty="0"/>
-              <a:t> </a:t>
-            </a:r>
-            <a:r>
-              <a:rPr lang="it-IT" sz="1600" dirty="0" err="1"/>
-              <a:t>std</a:t>
-            </a:r>
-            <a:r>
-              <a:rPr lang="it-IT" sz="1600" dirty="0"/>
-              <a:t> (in blu)</a:t>
-            </a:r>
-          </a:p>
-          <a:p>
-            <a:pPr marL="285750" indent="-285750">
-              <a:lnSpc>
-                <a:spcPct val="100000"/>
-              </a:lnSpc>
-              <a:spcBef>
-                <a:spcPts val="600"/>
-              </a:spcBef>
-              <a:buSzPct val="95000"/>
-              <a:buFont typeface="Arial" panose="020B0604020202020204" pitchFamily="34" charset="0"/>
-              <a:buChar char="•"/>
-            </a:pPr>
-            <a:r>
-              <a:rPr lang="it-IT" sz="1600" dirty="0"/>
-              <a:t>Metrica basata sull’entropia (in arancione)</a:t>
-            </a:r>
-          </a:p>
-          <a:p>
-            <a:pPr marL="285750" indent="-285750">
-              <a:lnSpc>
-                <a:spcPct val="100000"/>
-              </a:lnSpc>
-              <a:spcBef>
-                <a:spcPts val="600"/>
-              </a:spcBef>
-              <a:buSzPct val="95000"/>
-              <a:buFont typeface="Arial" panose="020B0604020202020204" pitchFamily="34" charset="0"/>
-              <a:buChar char="•"/>
-            </a:pPr>
-            <a:r>
-              <a:rPr lang="it-IT" sz="1600" dirty="0"/>
-              <a:t>Metrica basata sulla matrice dei dice (in verde)</a:t>
-            </a:r>
-          </a:p>
-        </p:txBody>
-      </p:sp>
-      <p:pic>
-        <p:nvPicPr>
-          <p:cNvPr id="3" name="Immagine 2" descr="Immagine che contiene testo, diagramma, linea, schermata&#10;&#10;Descrizione generata automaticamente">
-            <a:extLst>
-              <a:ext uri="{FF2B5EF4-FFF2-40B4-BE49-F238E27FC236}">
-                <a16:creationId xmlns:a16="http://schemas.microsoft.com/office/drawing/2014/main" id="{FF5F8FD5-AA2D-221D-6C39-066F0627CEB3}"/>
-              </a:ext>
-            </a:extLst>
-          </p:cNvPr>
-          <p:cNvPicPr>
-            <a:picLocks noChangeAspect="1"/>
-          </p:cNvPicPr>
-          <p:nvPr/>
-        </p:nvPicPr>
-        <p:blipFill rotWithShape="1">
-          <a:blip r:embed="rId4"/>
-          <a:srcRect l="9977" r="9337" b="4545"/>
-          <a:stretch/>
-        </p:blipFill>
-        <p:spPr>
-          <a:xfrm>
-            <a:off x="65891" y="2488831"/>
-            <a:ext cx="12057042" cy="3565959"/>
-          </a:xfrm>
-          <a:prstGeom prst="rect">
-            <a:avLst/>
-          </a:prstGeom>
-        </p:spPr>
-      </p:pic>
+              <a:t>In ogni caso, il campione di 50 immagini potrebbe essere non abbastanza elevato per trarre conclusioni certe.</a:t>
+            </a:r>
+          </a:p>
+        </p:txBody>
+      </p:sp>
     </p:spTree>
     <p:extLst>
       <p:ext uri="{BB962C8B-B14F-4D97-AF65-F5344CB8AC3E}">
-        <p14:creationId xmlns:p14="http://schemas.microsoft.com/office/powerpoint/2010/main" val="2125551908"/>
+        <p14:creationId xmlns:p14="http://schemas.microsoft.com/office/powerpoint/2010/main" val="2412441917"/>
       </p:ext>
     </p:extLst>
   </p:cSld>
@@ -15650,11 +15620,7 @@
             <a:pPr rtl="0"/>
             <a:r>
               <a:rPr lang="it-IT" sz="2000" b="1" spc="0" dirty="0"/>
-              <a:t>Metrica basata sulla </a:t>
-            </a:r>
-            <a:r>
-              <a:rPr lang="it-IT" sz="2000" b="1" spc="0" dirty="0" err="1"/>
-              <a:t>std</a:t>
+              <a:t>Metrica basata sulla matrice dei dice</a:t>
             </a:r>
             <a:endParaRPr lang="it-IT" sz="2000" spc="0" dirty="0"/>
           </a:p>
@@ -15868,6 +15834,35 @@
           </a:p>
         </p:txBody>
       </p:sp>
+      <p:pic>
+        <p:nvPicPr>
+          <p:cNvPr id="12" name="Immagine 11">
+            <a:extLst>
+              <a:ext uri="{FF2B5EF4-FFF2-40B4-BE49-F238E27FC236}">
+                <a16:creationId xmlns:a16="http://schemas.microsoft.com/office/drawing/2014/main" id="{8CCCF590-C321-60FE-9306-B6C95AFB96A7}"/>
+              </a:ext>
+            </a:extLst>
+          </p:cNvPr>
+          <p:cNvPicPr>
+            <a:picLocks noChangeAspect="1"/>
+          </p:cNvPicPr>
+          <p:nvPr/>
+        </p:nvPicPr>
+        <p:blipFill rotWithShape="1">
+          <a:blip r:embed="rId4"/>
+          <a:srcRect l="50177" t="7100" r="29884" b="6107"/>
+          <a:stretch/>
+        </p:blipFill>
+        <p:spPr>
+          <a:xfrm>
+            <a:off x="7636800" y="282834"/>
+            <a:ext cx="4325043" cy="6267256"/>
+          </a:xfrm>
+          <a:prstGeom prst="rect">
+            <a:avLst/>
+          </a:prstGeom>
+        </p:spPr>
+      </p:pic>
       <p:sp>
         <p:nvSpPr>
           <p:cNvPr id="9" name="Segnaposto testo 6">
@@ -16082,15 +16077,15 @@
             </a:r>
             <a:r>
               <a:rPr lang="it-IT" sz="1600" dirty="0"/>
-              <a:t> dovrebbero concentrarsi nell’angolo in basso a destra: il dice medio ideale è 1, la </a:t>
+              <a:t> dovrebbero concentrarsi nell’angolo in basso a destra: il dice medio ideale è 1, la standard </a:t>
             </a:r>
             <a:r>
               <a:rPr lang="it-IT" sz="1600" dirty="0" err="1"/>
-              <a:t>std</a:t>
+              <a:t>deviation</a:t>
             </a:r>
             <a:r>
               <a:rPr lang="it-IT" sz="1600" dirty="0"/>
-              <a:t> ideale è 0.</a:t>
+              <a:t> ideale dei dice della matrice dei dice è 0.</a:t>
             </a:r>
           </a:p>
           <a:p>
@@ -16105,7 +16100,7 @@
             </a:pPr>
             <a:r>
               <a:rPr lang="it-IT" sz="1600" dirty="0"/>
-              <a:t>A livello di dice, la rete sembrerebbe non avere prestazioni tendenti all’idealità (ce ne si può accorgere da un’analisi visiva analogica: ci sono immagini la cui segmentazione della rete non è per niente corretta), e questo spiega perché c’è diffusione sull’asse delle ascisse.</a:t>
+              <a:t>A livello di dice medio il discorso è lo stesso delle slide precedenti, e questo spiega perché c’è diffusione sull’asse delle ascisse.</a:t>
             </a:r>
           </a:p>
           <a:p>
@@ -16120,15 +16115,15 @@
             </a:pPr>
             <a:r>
               <a:rPr lang="it-IT" sz="1600" dirty="0"/>
-              <a:t>A livello di </a:t>
+              <a:t>A livello di standard </a:t>
             </a:r>
             <a:r>
               <a:rPr lang="it-IT" sz="1600" dirty="0" err="1"/>
-              <a:t>std</a:t>
+              <a:t>deviation</a:t>
             </a:r>
             <a:r>
               <a:rPr lang="it-IT" sz="1600" dirty="0"/>
-              <a:t>, sembrerebbe poter esserci una tendenza ad avere valori più bassi quando i valori di dice aumentano: è il comportamento che ci si aspetterebbe, anche se ci sono dei picchi a valori di dice più alti; c’è comunque una grande variabilità, non sembra esserci una relazione lineare.</a:t>
+              <a:t> dei dice, sembrerebbe poter esserci una tendenza ad avere valori più bassi quando i valori di dice aumentano: è il comportamento che ci si aspetterebbe, e sembrerebbe che questo comportamento sia più accentuato del comportamento delle metriche precedenti; in ogni caso, il campione di 50 immagini potrebbe essere non abbastanza elevato per trarre conclusioni certe.</a:t>
             </a:r>
           </a:p>
           <a:p>
@@ -16143,44 +16138,43 @@
             </a:pPr>
             <a:r>
               <a:rPr lang="it-IT" sz="1600" dirty="0"/>
-              <a:t>In ogni caso, il campione di 50 immagini potrebbe essere non abbastanza elevato per trarre conclusioni certe.</a:t>
-            </a:r>
-          </a:p>
-        </p:txBody>
-      </p:sp>
-      <p:pic>
-        <p:nvPicPr>
-          <p:cNvPr id="3" name="Immagine 2" descr="Immagine che contiene testo, diagramma, linea, schermata&#10;&#10;Descrizione generata automaticamente">
-            <a:extLst>
-              <a:ext uri="{FF2B5EF4-FFF2-40B4-BE49-F238E27FC236}">
-                <a16:creationId xmlns:a16="http://schemas.microsoft.com/office/drawing/2014/main" id="{30F0B0A1-B20D-BC4A-29CC-9EC30242A11A}"/>
-              </a:ext>
-            </a:extLst>
-          </p:cNvPr>
-          <p:cNvPicPr>
-            <a:picLocks noChangeAspect="1"/>
-          </p:cNvPicPr>
-          <p:nvPr/>
-        </p:nvPicPr>
-        <p:blipFill rotWithShape="1">
-          <a:blip r:embed="rId4"/>
-          <a:srcRect l="10344" t="7488" r="70144" b="5482"/>
-          <a:stretch/>
-        </p:blipFill>
-        <p:spPr>
-          <a:xfrm>
-            <a:off x="7292528" y="707366"/>
-            <a:ext cx="4772935" cy="5322080"/>
-          </a:xfrm>
-          <a:prstGeom prst="rect">
-            <a:avLst/>
-          </a:prstGeom>
-        </p:spPr>
-      </p:pic>
+              <a:t>È importante ricordare che la standard </a:t>
+            </a:r>
+            <a:r>
+              <a:rPr lang="it-IT" sz="1600" dirty="0" err="1"/>
+              <a:t>deviation</a:t>
+            </a:r>
+            <a:r>
+              <a:rPr lang="it-IT" sz="1600" dirty="0"/>
+              <a:t> della matrice dei dice è l’unica delle tre metriche a </a:t>
+            </a:r>
+            <a:r>
+              <a:rPr lang="it-IT" sz="1600" b="1" dirty="0"/>
+              <a:t>NON dipendere dal ground truth</a:t>
+            </a:r>
+            <a:r>
+              <a:rPr lang="it-IT" sz="1600" dirty="0"/>
+              <a:t>.</a:t>
+            </a:r>
+          </a:p>
+          <a:p>
+            <a:pPr>
+              <a:lnSpc>
+                <a:spcPct val="100000"/>
+              </a:lnSpc>
+              <a:spcBef>
+                <a:spcPts val="600"/>
+              </a:spcBef>
+              <a:buSzPct val="95000"/>
+            </a:pPr>
+            <a:endParaRPr lang="it-IT" sz="1600" dirty="0"/>
+          </a:p>
+        </p:txBody>
+      </p:sp>
     </p:spTree>
     <p:extLst>
       <p:ext uri="{BB962C8B-B14F-4D97-AF65-F5344CB8AC3E}">
-        <p14:creationId xmlns:p14="http://schemas.microsoft.com/office/powerpoint/2010/main" val="1451766389"/>
+        <p14:creationId xmlns:p14="http://schemas.microsoft.com/office/powerpoint/2010/main" val="373978098"/>
       </p:ext>
     </p:extLst>
   </p:cSld>
@@ -16494,13 +16488,6 @@
               <a:rPr lang="it-IT" sz="2000" b="1" spc="0" dirty="0"/>
               <a:t>Analisi preliminare delle metriche</a:t>
             </a:r>
-          </a:p>
-          <a:p>
-            <a:pPr rtl="0"/>
-            <a:r>
-              <a:rPr lang="it-IT" sz="2000" b="1" spc="0" dirty="0"/>
-              <a:t>Metrica basata sull’entropia</a:t>
-            </a:r>
             <a:endParaRPr lang="it-IT" sz="2000" spc="0" dirty="0"/>
           </a:p>
         </p:txBody>
@@ -16713,35 +16700,6 @@
           </a:p>
         </p:txBody>
       </p:sp>
-      <p:pic>
-        <p:nvPicPr>
-          <p:cNvPr id="12" name="Immagine 11">
-            <a:extLst>
-              <a:ext uri="{FF2B5EF4-FFF2-40B4-BE49-F238E27FC236}">
-                <a16:creationId xmlns:a16="http://schemas.microsoft.com/office/drawing/2014/main" id="{8CCCF590-C321-60FE-9306-B6C95AFB96A7}"/>
-              </a:ext>
-            </a:extLst>
-          </p:cNvPr>
-          <p:cNvPicPr>
-            <a:picLocks noChangeAspect="1"/>
-          </p:cNvPicPr>
-          <p:nvPr/>
-        </p:nvPicPr>
-        <p:blipFill rotWithShape="1">
-          <a:blip r:embed="rId4"/>
-          <a:srcRect l="26070" t="8384" r="50127"/>
-          <a:stretch/>
-        </p:blipFill>
-        <p:spPr>
-          <a:xfrm>
-            <a:off x="7252509" y="729849"/>
-            <a:ext cx="4880284" cy="5555684"/>
-          </a:xfrm>
-          <a:prstGeom prst="rect">
-            <a:avLst/>
-          </a:prstGeom>
-        </p:spPr>
-      </p:pic>
       <p:sp>
         <p:nvSpPr>
           <p:cNvPr id="9" name="Segnaposto testo 6">
@@ -16758,8 +16716,8 @@
         </p:nvSpPr>
         <p:spPr>
           <a:xfrm>
-            <a:off x="765202" y="1244204"/>
-            <a:ext cx="6405530" cy="4007376"/>
+            <a:off x="765201" y="914400"/>
+            <a:ext cx="11244876" cy="4337180"/>
           </a:xfrm>
           <a:prstGeom prst="rect">
             <a:avLst/>
@@ -16948,7 +16906,7 @@
             </a:pPr>
             <a:r>
               <a:rPr lang="it-IT" sz="1600" dirty="0"/>
-              <a:t>Idealmente, i punti di questo </a:t>
+              <a:t>I tre </a:t>
             </a:r>
             <a:r>
               <a:rPr lang="it-IT" sz="1600" dirty="0" err="1"/>
@@ -16956,7 +16914,7 @@
             </a:r>
             <a:r>
               <a:rPr lang="it-IT" sz="1600" dirty="0"/>
-              <a:t> dovrebbero concentrarsi nell’angolo in basso a destra: il dice medio ideale è 1, l’entropia ideale è 0.</a:t>
+              <a:t> di cui sotto illustrano le relazioni tra le metriche fin qui proposte.</a:t>
             </a:r>
           </a:p>
           <a:p>
@@ -16971,45 +16929,60 @@
             </a:pPr>
             <a:r>
               <a:rPr lang="it-IT" sz="1600" dirty="0"/>
-              <a:t>A livello di dice il discorso è lo stesso della slide precedente, e questo spiega perché c’è diffusione sull’asse delle ascisse.</a:t>
-            </a:r>
-          </a:p>
-          <a:p>
-            <a:pPr>
-              <a:lnSpc>
-                <a:spcPct val="100000"/>
-              </a:lnSpc>
-              <a:spcBef>
-                <a:spcPts val="600"/>
-              </a:spcBef>
-              <a:buSzPct val="95000"/>
-            </a:pPr>
+              <a:t>Sembrerebbe esserci una possibile correlazione tra </a:t>
+            </a:r>
+            <a:r>
+              <a:rPr lang="it-IT" sz="1600" dirty="0" err="1"/>
+              <a:t>std</a:t>
+            </a:r>
             <a:r>
               <a:rPr lang="it-IT" sz="1600" dirty="0"/>
-              <a:t>A livello di entropia, sembrerebbe poter esserci una tendenza ad avere valori più bassi quando i valori di dice aumentano (e sembrerebbe che questo comportamento sia più accentuato del comportamento della metrica precedente), con però dei picchi di entropia proprio dove il dice aumenta; c’è comunque una grande variabilità, non sembra esserci una relazione lineare.</a:t>
-            </a:r>
-          </a:p>
-          <a:p>
-            <a:pPr>
-              <a:lnSpc>
-                <a:spcPct val="100000"/>
-              </a:lnSpc>
-              <a:spcBef>
-                <a:spcPts val="600"/>
-              </a:spcBef>
-              <a:buSzPct val="95000"/>
-            </a:pPr>
+              <a:t> e entropia, mentre per la metrica basata sulla dice </a:t>
+            </a:r>
+            <a:r>
+              <a:rPr lang="it-IT" sz="1600" dirty="0" err="1"/>
+              <a:t>matrix</a:t>
+            </a:r>
             <a:r>
               <a:rPr lang="it-IT" sz="1600" dirty="0"/>
-              <a:t>In ogni caso, il campione di 50 immagini potrebbe essere non abbastanza elevato per trarre conclusioni certe.</a:t>
-            </a:r>
-          </a:p>
-        </p:txBody>
-      </p:sp>
+              <a:t> sembrerebbe essere meno correlata alle altre due.</a:t>
+            </a:r>
+          </a:p>
+        </p:txBody>
+      </p:sp>
+      <p:pic>
+        <p:nvPicPr>
+          <p:cNvPr id="3" name="Immagine 2" descr="Immagine che contiene testo, diagramma, linea, schermata&#10;&#10;Descrizione generata automaticamente">
+            <a:extLst>
+              <a:ext uri="{FF2B5EF4-FFF2-40B4-BE49-F238E27FC236}">
+                <a16:creationId xmlns:a16="http://schemas.microsoft.com/office/drawing/2014/main" id="{17895F46-7E08-091B-8668-EB5E04B127B9}"/>
+              </a:ext>
+            </a:extLst>
+          </p:cNvPr>
+          <p:cNvPicPr>
+            <a:picLocks noChangeAspect="1"/>
+          </p:cNvPicPr>
+          <p:nvPr/>
+        </p:nvPicPr>
+        <p:blipFill rotWithShape="1">
+          <a:blip r:embed="rId4"/>
+          <a:srcRect l="10068" r="8822"/>
+          <a:stretch/>
+        </p:blipFill>
+        <p:spPr>
+          <a:xfrm>
+            <a:off x="799203" y="1673525"/>
+            <a:ext cx="11329777" cy="5021052"/>
+          </a:xfrm>
+          <a:prstGeom prst="rect">
+            <a:avLst/>
+          </a:prstGeom>
+        </p:spPr>
+      </p:pic>
     </p:spTree>
     <p:extLst>
       <p:ext uri="{BB962C8B-B14F-4D97-AF65-F5344CB8AC3E}">
-        <p14:creationId xmlns:p14="http://schemas.microsoft.com/office/powerpoint/2010/main" val="2412441917"/>
+        <p14:creationId xmlns:p14="http://schemas.microsoft.com/office/powerpoint/2010/main" val="1149890765"/>
       </p:ext>
     </p:extLst>
   </p:cSld>
@@ -17020,6 +16993,1353 @@
 </file>
 
 <file path=ppt/slides/slide15.xml><?xml version="1.0" encoding="utf-8"?>
+<p:sld xmlns:a="http://schemas.openxmlformats.org/drawingml/2006/main" xmlns:r="http://schemas.openxmlformats.org/officeDocument/2006/relationships" xmlns:p="http://schemas.openxmlformats.org/presentationml/2006/main">
+  <p:cSld>
+    <p:spTree>
+      <p:nvGrpSpPr>
+        <p:cNvPr id="1" name=""/>
+        <p:cNvGrpSpPr/>
+        <p:nvPr/>
+      </p:nvGrpSpPr>
+      <p:grpSpPr>
+        <a:xfrm>
+          <a:off x="0" y="0"/>
+          <a:ext cx="0" cy="0"/>
+          <a:chOff x="0" y="0"/>
+          <a:chExt cx="0" cy="0"/>
+        </a:xfrm>
+      </p:grpSpPr>
+      <p:sp>
+        <p:nvSpPr>
+          <p:cNvPr id="19" name="Rettangolo 18">
+            <a:extLst>
+              <a:ext uri="{FF2B5EF4-FFF2-40B4-BE49-F238E27FC236}">
+                <a16:creationId xmlns:a16="http://schemas.microsoft.com/office/drawing/2014/main" id="{C2A42D7A-456D-B130-10D7-636ED349C8E8}"/>
+              </a:ext>
+            </a:extLst>
+          </p:cNvPr>
+          <p:cNvSpPr/>
+          <p:nvPr/>
+        </p:nvSpPr>
+        <p:spPr>
+          <a:xfrm>
+            <a:off x="1138334" y="3380597"/>
+            <a:ext cx="10465078" cy="289249"/>
+          </a:xfrm>
+          <a:prstGeom prst="rect">
+            <a:avLst/>
+          </a:prstGeom>
+          <a:ln>
+            <a:noFill/>
+          </a:ln>
+        </p:spPr>
+        <p:style>
+          <a:lnRef idx="2">
+            <a:schemeClr val="accent6"/>
+          </a:lnRef>
+          <a:fillRef idx="1">
+            <a:schemeClr val="lt1"/>
+          </a:fillRef>
+          <a:effectRef idx="0">
+            <a:schemeClr val="accent6"/>
+          </a:effectRef>
+          <a:fontRef idx="minor">
+            <a:schemeClr val="dk1"/>
+          </a:fontRef>
+        </p:style>
+        <p:txBody>
+          <a:bodyPr rtlCol="0" anchor="ctr"/>
+          <a:lstStyle/>
+          <a:p>
+            <a:pPr algn="ctr"/>
+            <a:endParaRPr lang="it-IT" sz="3200"/>
+          </a:p>
+        </p:txBody>
+      </p:sp>
+      <p:sp>
+        <p:nvSpPr>
+          <p:cNvPr id="5" name="Segnaposto piè di pagina 4">
+            <a:extLst>
+              <a:ext uri="{FF2B5EF4-FFF2-40B4-BE49-F238E27FC236}">
+                <a16:creationId xmlns:a16="http://schemas.microsoft.com/office/drawing/2014/main" id="{F0D8A8D9-0655-E1FF-7DED-F2EC492D6EE1}"/>
+              </a:ext>
+            </a:extLst>
+          </p:cNvPr>
+          <p:cNvSpPr>
+            <a:spLocks noGrp="1"/>
+          </p:cNvSpPr>
+          <p:nvPr>
+            <p:ph type="ftr" sz="quarter" idx="11"/>
+          </p:nvPr>
+        </p:nvSpPr>
+        <p:spPr/>
+        <p:txBody>
+          <a:bodyPr rtlCol="0"/>
+          <a:lstStyle>
+            <a:defPPr>
+              <a:defRPr lang="it-IT"/>
+            </a:defPPr>
+          </a:lstStyle>
+          <a:p>
+            <a:pPr rtl="0"/>
+            <a:r>
+              <a:rPr lang="it-IT" dirty="0"/>
+              <a:t>Explainability in deep learning</a:t>
+            </a:r>
+          </a:p>
+        </p:txBody>
+      </p:sp>
+      <p:sp>
+        <p:nvSpPr>
+          <p:cNvPr id="6" name="Segnaposto testo 5">
+            <a:extLst>
+              <a:ext uri="{FF2B5EF4-FFF2-40B4-BE49-F238E27FC236}">
+                <a16:creationId xmlns:a16="http://schemas.microsoft.com/office/drawing/2014/main" id="{8A56D8AC-E390-DBD3-E5E6-5C36EE1E422A}"/>
+              </a:ext>
+            </a:extLst>
+          </p:cNvPr>
+          <p:cNvSpPr>
+            <a:spLocks noGrp="1"/>
+          </p:cNvSpPr>
+          <p:nvPr>
+            <p:ph type="body" sz="quarter" idx="16"/>
+          </p:nvPr>
+        </p:nvSpPr>
+        <p:spPr>
+          <a:xfrm>
+            <a:off x="1563937" y="427374"/>
+            <a:ext cx="2233220" cy="289249"/>
+          </a:xfrm>
+        </p:spPr>
+        <p:txBody>
+          <a:bodyPr rtlCol="0"/>
+          <a:lstStyle>
+            <a:defPPr>
+              <a:defRPr lang="it-IT"/>
+            </a:defPPr>
+          </a:lstStyle>
+          <a:p>
+            <a:pPr algn="ctr" rtl="0"/>
+            <a:r>
+              <a:rPr lang="it-IT" sz="2000" b="1" spc="0" dirty="0"/>
+              <a:t>conclusione</a:t>
+            </a:r>
+          </a:p>
+        </p:txBody>
+      </p:sp>
+      <p:sp>
+        <p:nvSpPr>
+          <p:cNvPr id="7" name="Segnaposto testo 6">
+            <a:extLst>
+              <a:ext uri="{FF2B5EF4-FFF2-40B4-BE49-F238E27FC236}">
+                <a16:creationId xmlns:a16="http://schemas.microsoft.com/office/drawing/2014/main" id="{E09179A7-F937-7895-8FC1-19E3BCFE6A3B}"/>
+              </a:ext>
+            </a:extLst>
+          </p:cNvPr>
+          <p:cNvSpPr>
+            <a:spLocks noGrp="1"/>
+          </p:cNvSpPr>
+          <p:nvPr>
+            <p:ph type="body" sz="quarter" idx="17"/>
+          </p:nvPr>
+        </p:nvSpPr>
+        <p:spPr>
+          <a:xfrm>
+            <a:off x="1688389" y="840458"/>
+            <a:ext cx="8351350" cy="5952228"/>
+          </a:xfrm>
+        </p:spPr>
+        <p:txBody>
+          <a:bodyPr rtlCol="0"/>
+          <a:lstStyle>
+            <a:defPPr>
+              <a:defRPr lang="it-IT"/>
+            </a:defPPr>
+          </a:lstStyle>
+          <a:p>
+            <a:pPr>
+              <a:lnSpc>
+                <a:spcPct val="100000"/>
+              </a:lnSpc>
+              <a:buSzPct val="95000"/>
+            </a:pPr>
+            <a:r>
+              <a:rPr lang="it-IT" sz="1400" dirty="0"/>
+              <a:t>Le tre metriche proposte sembrerebbero essere promettenti nell’esprimere l’incertezza con cui la rete segmenta le 50 immagini del test set di steatosi del fegat</a:t>
+            </a:r>
+            <a:r>
+              <a:rPr lang="it-IT" dirty="0"/>
+              <a:t>o.</a:t>
+            </a:r>
+          </a:p>
+          <a:p>
+            <a:pPr>
+              <a:lnSpc>
+                <a:spcPct val="100000"/>
+              </a:lnSpc>
+              <a:buSzPct val="95000"/>
+            </a:pPr>
+            <a:endParaRPr lang="it-IT" dirty="0"/>
+          </a:p>
+          <a:p>
+            <a:pPr>
+              <a:lnSpc>
+                <a:spcPct val="100000"/>
+              </a:lnSpc>
+              <a:buSzPct val="95000"/>
+            </a:pPr>
+            <a:r>
+              <a:rPr lang="it-IT" sz="1400" dirty="0"/>
+              <a:t>È da so</a:t>
+            </a:r>
+            <a:r>
+              <a:rPr lang="it-IT" dirty="0"/>
+              <a:t>ttolineare, nuovamente, come le metriche basate su </a:t>
+            </a:r>
+            <a:r>
+              <a:rPr lang="it-IT" dirty="0" err="1"/>
+              <a:t>std</a:t>
+            </a:r>
+            <a:r>
+              <a:rPr lang="it-IT" dirty="0"/>
+              <a:t> e </a:t>
+            </a:r>
+            <a:r>
+              <a:rPr lang="it-IT" dirty="0" err="1"/>
+              <a:t>entropy</a:t>
+            </a:r>
+            <a:r>
+              <a:rPr lang="it-IT" dirty="0"/>
+              <a:t> dipendano dal ground truth (poiché le metriche sono ricavate dalla moltiplicazione delle rispettive mappe con la maschera di segmentazione manuale fornita) mentre il metodo basato sulla matrice dei dice NON dipende dal ground truth.</a:t>
+            </a:r>
+          </a:p>
+          <a:p>
+            <a:pPr>
+              <a:lnSpc>
+                <a:spcPct val="100000"/>
+              </a:lnSpc>
+              <a:buSzPct val="95000"/>
+            </a:pPr>
+            <a:endParaRPr lang="it-IT" sz="1400" dirty="0"/>
+          </a:p>
+          <a:p>
+            <a:pPr>
+              <a:lnSpc>
+                <a:spcPct val="100000"/>
+              </a:lnSpc>
+              <a:buSzPct val="95000"/>
+            </a:pPr>
+            <a:r>
+              <a:rPr lang="it-IT" dirty="0"/>
+              <a:t>Una limitazione di queste tre metriche, però, è che in caso la rete sia molto poco incerta rispetto ad una segmentazione errata, i risultati potrebbero risultare falsati: se tutte e 20 le segmentazioni e le </a:t>
+            </a:r>
+            <a:r>
+              <a:rPr lang="it-IT" dirty="0" err="1"/>
+              <a:t>softmax</a:t>
+            </a:r>
+            <a:r>
+              <a:rPr lang="it-IT" dirty="0"/>
+              <a:t> derivanti dal metodo </a:t>
+            </a:r>
+            <a:r>
+              <a:rPr lang="it-IT" dirty="0" err="1"/>
+              <a:t>MonteCarlo</a:t>
+            </a:r>
+            <a:r>
+              <a:rPr lang="it-IT" dirty="0"/>
+              <a:t> fossero esattamente identiche, ma nessuna di queste segmentasse correttamente, il dice sarebbe 0 mentre le tre metriche darebbero il loro risultato idealmente sperato.</a:t>
+            </a:r>
+          </a:p>
+        </p:txBody>
+      </p:sp>
+      <p:cxnSp>
+        <p:nvCxnSpPr>
+          <p:cNvPr id="17" name="Connettore diritto 16">
+            <a:extLst>
+              <a:ext uri="{FF2B5EF4-FFF2-40B4-BE49-F238E27FC236}">
+                <a16:creationId xmlns:a16="http://schemas.microsoft.com/office/drawing/2014/main" id="{8488A0F8-E720-D31B-750D-634FA849B5A9}"/>
+              </a:ext>
+              <a:ext uri="{C183D7F6-B498-43B3-948B-1728B52AA6E4}">
+                <adec:decorative xmlns:adec="http://schemas.microsoft.com/office/drawing/2017/decorative" val="1"/>
+              </a:ext>
+            </a:extLst>
+          </p:cNvPr>
+          <p:cNvCxnSpPr>
+            <a:cxnSpLocks/>
+          </p:cNvCxnSpPr>
+          <p:nvPr/>
+        </p:nvCxnSpPr>
+        <p:spPr>
+          <a:xfrm>
+            <a:off x="649224" y="5172458"/>
+            <a:ext cx="0" cy="618742"/>
+          </a:xfrm>
+          <a:prstGeom prst="line">
+            <a:avLst/>
+          </a:prstGeom>
+          <a:ln w="12700">
+            <a:solidFill>
+              <a:schemeClr val="bg1"/>
+            </a:solidFill>
+          </a:ln>
+        </p:spPr>
+        <p:style>
+          <a:lnRef idx="1">
+            <a:schemeClr val="accent1"/>
+          </a:lnRef>
+          <a:fillRef idx="0">
+            <a:schemeClr val="accent1"/>
+          </a:fillRef>
+          <a:effectRef idx="0">
+            <a:schemeClr val="accent1"/>
+          </a:effectRef>
+          <a:fontRef idx="minor">
+            <a:schemeClr val="tx1"/>
+          </a:fontRef>
+        </p:style>
+      </p:cxnSp>
+      <p:sp>
+        <p:nvSpPr>
+          <p:cNvPr id="4" name="Segnaposto numero diapositiva 3">
+            <a:extLst>
+              <a:ext uri="{FF2B5EF4-FFF2-40B4-BE49-F238E27FC236}">
+                <a16:creationId xmlns:a16="http://schemas.microsoft.com/office/drawing/2014/main" id="{B63EE887-A172-F01E-98D1-8781769CBEDE}"/>
+              </a:ext>
+            </a:extLst>
+          </p:cNvPr>
+          <p:cNvSpPr>
+            <a:spLocks noGrp="1"/>
+          </p:cNvSpPr>
+          <p:nvPr>
+            <p:ph type="sldNum" sz="quarter" idx="10"/>
+          </p:nvPr>
+        </p:nvSpPr>
+        <p:spPr/>
+        <p:txBody>
+          <a:bodyPr rtlCol="0"/>
+          <a:lstStyle>
+            <a:defPPr>
+              <a:defRPr lang="it-IT"/>
+            </a:defPPr>
+          </a:lstStyle>
+          <a:p>
+            <a:pPr rtl="0"/>
+            <a:fld id="{75DF2D63-3FF5-D547-96B9-BE9CCD1ABA58}" type="slidenum">
+              <a:rPr lang="it-IT" smtClean="0"/>
+              <a:pPr rtl="0"/>
+              <a:t>15</a:t>
+            </a:fld>
+            <a:endParaRPr lang="it-IT"/>
+          </a:p>
+        </p:txBody>
+      </p:sp>
+    </p:spTree>
+    <p:extLst>
+      <p:ext uri="{BB962C8B-B14F-4D97-AF65-F5344CB8AC3E}">
+        <p14:creationId xmlns:p14="http://schemas.microsoft.com/office/powerpoint/2010/main" val="830630112"/>
+      </p:ext>
+    </p:extLst>
+  </p:cSld>
+  <p:clrMapOvr>
+    <a:masterClrMapping/>
+  </p:clrMapOvr>
+</p:sld>
+</file>
+
+<file path=ppt/slides/slide16.xml><?xml version="1.0" encoding="utf-8"?>
+<p:sld xmlns:a="http://schemas.openxmlformats.org/drawingml/2006/main" xmlns:r="http://schemas.openxmlformats.org/officeDocument/2006/relationships" xmlns:p="http://schemas.openxmlformats.org/presentationml/2006/main">
+  <p:cSld>
+    <p:spTree>
+      <p:nvGrpSpPr>
+        <p:cNvPr id="1" name=""/>
+        <p:cNvGrpSpPr/>
+        <p:nvPr/>
+      </p:nvGrpSpPr>
+      <p:grpSpPr>
+        <a:xfrm>
+          <a:off x="0" y="0"/>
+          <a:ext cx="0" cy="0"/>
+          <a:chOff x="0" y="0"/>
+          <a:chExt cx="0" cy="0"/>
+        </a:xfrm>
+      </p:grpSpPr>
+      <p:pic>
+        <p:nvPicPr>
+          <p:cNvPr id="17" name="Segnaposto immagine 16" descr="Struttura bianca del DNA">
+            <a:extLst>
+              <a:ext uri="{FF2B5EF4-FFF2-40B4-BE49-F238E27FC236}">
+                <a16:creationId xmlns:a16="http://schemas.microsoft.com/office/drawing/2014/main" id="{6D8705D1-EA1F-3113-ABE0-EC474D1F18DA}"/>
+              </a:ext>
+            </a:extLst>
+          </p:cNvPr>
+          <p:cNvPicPr>
+            <a:picLocks noGrp="1" noChangeAspect="1"/>
+          </p:cNvPicPr>
+          <p:nvPr>
+            <p:ph type="pic" sz="quarter" idx="12"/>
+          </p:nvPr>
+        </p:nvPicPr>
+        <p:blipFill rotWithShape="1">
+          <a:blip r:embed="rId3">
+            <a:alphaModFix amt="50000"/>
+            <a:extLst>
+              <a:ext uri="{28A0092B-C50C-407E-A947-70E740481C1C}">
+                <a14:useLocalDpi xmlns:a14="http://schemas.microsoft.com/office/drawing/2010/main" val="0"/>
+              </a:ext>
+            </a:extLst>
+          </a:blip>
+          <a:srcRect/>
+          <a:stretch/>
+        </p:blipFill>
+        <p:spPr/>
+      </p:pic>
+      <p:sp>
+        <p:nvSpPr>
+          <p:cNvPr id="19" name="Titolo 18">
+            <a:extLst>
+              <a:ext uri="{FF2B5EF4-FFF2-40B4-BE49-F238E27FC236}">
+                <a16:creationId xmlns:a16="http://schemas.microsoft.com/office/drawing/2014/main" id="{1130D679-D78E-1F15-EC3D-4BED6D69B35F}"/>
+              </a:ext>
+            </a:extLst>
+          </p:cNvPr>
+          <p:cNvSpPr>
+            <a:spLocks noGrp="1"/>
+          </p:cNvSpPr>
+          <p:nvPr>
+            <p:ph type="title"/>
+          </p:nvPr>
+        </p:nvSpPr>
+        <p:spPr/>
+        <p:txBody>
+          <a:bodyPr rtlCol="0"/>
+          <a:lstStyle>
+            <a:defPPr>
+              <a:defRPr lang="it-IT"/>
+            </a:defPPr>
+          </a:lstStyle>
+          <a:p>
+            <a:pPr rtl="0"/>
+            <a:r>
+              <a:rPr lang="it-IT" sz="4500" dirty="0"/>
+              <a:t>Grazie per l’attenzione </a:t>
+            </a:r>
+          </a:p>
+        </p:txBody>
+      </p:sp>
+      <p:pic>
+        <p:nvPicPr>
+          <p:cNvPr id="22" name="Segnaposto immagine 25" descr="Batteri coltivati in una piastra di Petri per un laboratorio o un'indagine scientifica.">
+            <a:extLst>
+              <a:ext uri="{FF2B5EF4-FFF2-40B4-BE49-F238E27FC236}">
+                <a16:creationId xmlns:a16="http://schemas.microsoft.com/office/drawing/2014/main" id="{862BA3D8-52E1-692C-F244-F7882DAD2287}"/>
+              </a:ext>
+            </a:extLst>
+          </p:cNvPr>
+          <p:cNvPicPr>
+            <a:picLocks noGrp="1" noChangeAspect="1"/>
+          </p:cNvPicPr>
+          <p:nvPr>
+            <p:ph type="pic" sz="quarter" idx="13"/>
+          </p:nvPr>
+        </p:nvPicPr>
+        <p:blipFill rotWithShape="1">
+          <a:blip r:embed="rId4">
+            <a:duotone>
+              <a:schemeClr val="accent1">
+                <a:shade val="45000"/>
+                <a:satMod val="135000"/>
+              </a:schemeClr>
+              <a:prstClr val="white"/>
+            </a:duotone>
+            <a:extLst>
+              <a:ext uri="{28A0092B-C50C-407E-A947-70E740481C1C}">
+                <a14:useLocalDpi xmlns:a14="http://schemas.microsoft.com/office/drawing/2010/main" val="0"/>
+              </a:ext>
+            </a:extLst>
+          </a:blip>
+          <a:srcRect/>
+          <a:stretch/>
+        </p:blipFill>
+        <p:spPr/>
+      </p:pic>
+      <p:sp>
+        <p:nvSpPr>
+          <p:cNvPr id="27" name="Segnaposto testo 26">
+            <a:extLst>
+              <a:ext uri="{FF2B5EF4-FFF2-40B4-BE49-F238E27FC236}">
+                <a16:creationId xmlns:a16="http://schemas.microsoft.com/office/drawing/2014/main" id="{BB8B6963-69FE-8A03-5E86-2BF855024B00}"/>
+              </a:ext>
+            </a:extLst>
+          </p:cNvPr>
+          <p:cNvSpPr>
+            <a:spLocks noGrp="1"/>
+          </p:cNvSpPr>
+          <p:nvPr>
+            <p:ph type="body" sz="quarter" idx="14"/>
+          </p:nvPr>
+        </p:nvSpPr>
+        <p:spPr/>
+        <p:txBody>
+          <a:bodyPr rtlCol="0"/>
+          <a:lstStyle>
+            <a:defPPr>
+              <a:defRPr lang="it-IT"/>
+            </a:defPPr>
+          </a:lstStyle>
+          <a:p>
+            <a:pPr marL="0" indent="0" algn="ctr" rtl="0">
+              <a:lnSpc>
+                <a:spcPts val="2660"/>
+              </a:lnSpc>
+              <a:spcBef>
+                <a:spcPts val="0"/>
+              </a:spcBef>
+              <a:buNone/>
+            </a:pPr>
+            <a:r>
+              <a:rPr lang="it-IT" sz="2000" cap="all" spc="0" dirty="0"/>
+              <a:t>William Bassolino</a:t>
+            </a:r>
+          </a:p>
+        </p:txBody>
+      </p:sp>
+    </p:spTree>
+    <p:extLst>
+      <p:ext uri="{BB962C8B-B14F-4D97-AF65-F5344CB8AC3E}">
+        <p14:creationId xmlns:p14="http://schemas.microsoft.com/office/powerpoint/2010/main" val="3334127647"/>
+      </p:ext>
+    </p:extLst>
+  </p:cSld>
+  <p:clrMapOvr>
+    <a:masterClrMapping/>
+  </p:clrMapOvr>
+</p:sld>
+</file>
+
+<file path=ppt/slides/slide2.xml><?xml version="1.0" encoding="utf-8"?>
+<p:sld xmlns:a="http://schemas.openxmlformats.org/drawingml/2006/main" xmlns:r="http://schemas.openxmlformats.org/officeDocument/2006/relationships" xmlns:p="http://schemas.openxmlformats.org/presentationml/2006/main">
+  <p:cSld>
+    <p:spTree>
+      <p:nvGrpSpPr>
+        <p:cNvPr id="1" name=""/>
+        <p:cNvGrpSpPr/>
+        <p:nvPr/>
+      </p:nvGrpSpPr>
+      <p:grpSpPr>
+        <a:xfrm>
+          <a:off x="0" y="0"/>
+          <a:ext cx="0" cy="0"/>
+          <a:chOff x="0" y="0"/>
+          <a:chExt cx="0" cy="0"/>
+        </a:xfrm>
+      </p:grpSpPr>
+      <p:sp>
+        <p:nvSpPr>
+          <p:cNvPr id="19" name="Rettangolo 18">
+            <a:extLst>
+              <a:ext uri="{FF2B5EF4-FFF2-40B4-BE49-F238E27FC236}">
+                <a16:creationId xmlns:a16="http://schemas.microsoft.com/office/drawing/2014/main" id="{C2A42D7A-456D-B130-10D7-636ED349C8E8}"/>
+              </a:ext>
+            </a:extLst>
+          </p:cNvPr>
+          <p:cNvSpPr/>
+          <p:nvPr/>
+        </p:nvSpPr>
+        <p:spPr>
+          <a:xfrm>
+            <a:off x="1138334" y="3380597"/>
+            <a:ext cx="10465078" cy="289249"/>
+          </a:xfrm>
+          <a:prstGeom prst="rect">
+            <a:avLst/>
+          </a:prstGeom>
+          <a:ln>
+            <a:noFill/>
+          </a:ln>
+        </p:spPr>
+        <p:style>
+          <a:lnRef idx="2">
+            <a:schemeClr val="accent6"/>
+          </a:lnRef>
+          <a:fillRef idx="1">
+            <a:schemeClr val="lt1"/>
+          </a:fillRef>
+          <a:effectRef idx="0">
+            <a:schemeClr val="accent6"/>
+          </a:effectRef>
+          <a:fontRef idx="minor">
+            <a:schemeClr val="dk1"/>
+          </a:fontRef>
+        </p:style>
+        <p:txBody>
+          <a:bodyPr rtlCol="0" anchor="ctr"/>
+          <a:lstStyle/>
+          <a:p>
+            <a:pPr algn="ctr"/>
+            <a:endParaRPr lang="it-IT" sz="3200"/>
+          </a:p>
+        </p:txBody>
+      </p:sp>
+      <p:sp>
+        <p:nvSpPr>
+          <p:cNvPr id="5" name="Segnaposto piè di pagina 4">
+            <a:extLst>
+              <a:ext uri="{FF2B5EF4-FFF2-40B4-BE49-F238E27FC236}">
+                <a16:creationId xmlns:a16="http://schemas.microsoft.com/office/drawing/2014/main" id="{F0D8A8D9-0655-E1FF-7DED-F2EC492D6EE1}"/>
+              </a:ext>
+            </a:extLst>
+          </p:cNvPr>
+          <p:cNvSpPr>
+            <a:spLocks noGrp="1"/>
+          </p:cNvSpPr>
+          <p:nvPr>
+            <p:ph type="ftr" sz="quarter" idx="11"/>
+          </p:nvPr>
+        </p:nvSpPr>
+        <p:spPr/>
+        <p:txBody>
+          <a:bodyPr rtlCol="0"/>
+          <a:lstStyle>
+            <a:defPPr>
+              <a:defRPr lang="it-IT"/>
+            </a:defPPr>
+          </a:lstStyle>
+          <a:p>
+            <a:pPr rtl="0"/>
+            <a:r>
+              <a:rPr lang="it-IT" dirty="0"/>
+              <a:t>Explainability in deep learning</a:t>
+            </a:r>
+          </a:p>
+        </p:txBody>
+      </p:sp>
+      <p:sp>
+        <p:nvSpPr>
+          <p:cNvPr id="6" name="Segnaposto testo 5">
+            <a:extLst>
+              <a:ext uri="{FF2B5EF4-FFF2-40B4-BE49-F238E27FC236}">
+                <a16:creationId xmlns:a16="http://schemas.microsoft.com/office/drawing/2014/main" id="{8A56D8AC-E390-DBD3-E5E6-5C36EE1E422A}"/>
+              </a:ext>
+            </a:extLst>
+          </p:cNvPr>
+          <p:cNvSpPr>
+            <a:spLocks noGrp="1"/>
+          </p:cNvSpPr>
+          <p:nvPr>
+            <p:ph type="body" sz="quarter" idx="16"/>
+          </p:nvPr>
+        </p:nvSpPr>
+        <p:spPr>
+          <a:xfrm>
+            <a:off x="1563937" y="427374"/>
+            <a:ext cx="2233220" cy="289249"/>
+          </a:xfrm>
+        </p:spPr>
+        <p:txBody>
+          <a:bodyPr rtlCol="0"/>
+          <a:lstStyle>
+            <a:defPPr>
+              <a:defRPr lang="it-IT"/>
+            </a:defPPr>
+          </a:lstStyle>
+          <a:p>
+            <a:pPr algn="ctr" rtl="0"/>
+            <a:r>
+              <a:rPr lang="it-IT" sz="2000" b="1" spc="0" dirty="0"/>
+              <a:t>Obiettivi</a:t>
+            </a:r>
+          </a:p>
+        </p:txBody>
+      </p:sp>
+      <p:sp>
+        <p:nvSpPr>
+          <p:cNvPr id="7" name="Segnaposto testo 6">
+            <a:extLst>
+              <a:ext uri="{FF2B5EF4-FFF2-40B4-BE49-F238E27FC236}">
+                <a16:creationId xmlns:a16="http://schemas.microsoft.com/office/drawing/2014/main" id="{E09179A7-F937-7895-8FC1-19E3BCFE6A3B}"/>
+              </a:ext>
+            </a:extLst>
+          </p:cNvPr>
+          <p:cNvSpPr>
+            <a:spLocks noGrp="1"/>
+          </p:cNvSpPr>
+          <p:nvPr>
+            <p:ph type="body" sz="quarter" idx="17"/>
+          </p:nvPr>
+        </p:nvSpPr>
+        <p:spPr>
+          <a:xfrm>
+            <a:off x="1688389" y="840458"/>
+            <a:ext cx="8351350" cy="5952228"/>
+          </a:xfrm>
+        </p:spPr>
+        <p:txBody>
+          <a:bodyPr rtlCol="0"/>
+          <a:lstStyle>
+            <a:defPPr>
+              <a:defRPr lang="it-IT"/>
+            </a:defPPr>
+          </a:lstStyle>
+          <a:p>
+            <a:pPr marL="342900" indent="-342900">
+              <a:lnSpc>
+                <a:spcPct val="100000"/>
+              </a:lnSpc>
+              <a:buSzPct val="95000"/>
+              <a:buFont typeface="+mj-lt"/>
+              <a:buAutoNum type="arabicPeriod"/>
+            </a:pPr>
+            <a:r>
+              <a:rPr lang="it-IT" sz="1600" dirty="0"/>
+              <a:t>Studio di </a:t>
+            </a:r>
+            <a:r>
+              <a:rPr lang="it-IT" sz="1600" b="1" dirty="0"/>
+              <a:t>metriche </a:t>
+            </a:r>
+            <a:r>
+              <a:rPr lang="it-IT" sz="1600" dirty="0"/>
+              <a:t>per valutare il grado di incertezza della rete sulle 20 maschere e </a:t>
+            </a:r>
+            <a:r>
+              <a:rPr lang="it-IT" sz="1600" dirty="0" err="1"/>
+              <a:t>softmax</a:t>
+            </a:r>
+            <a:r>
+              <a:rPr lang="it-IT" sz="1600" dirty="0"/>
+              <a:t> derivanti dal metodo </a:t>
+            </a:r>
+            <a:r>
+              <a:rPr lang="it-IT" sz="1600" dirty="0" err="1"/>
+              <a:t>MonteCarlo</a:t>
+            </a:r>
+            <a:r>
+              <a:rPr lang="it-IT" sz="1600" dirty="0"/>
+              <a:t> Dropout</a:t>
+            </a:r>
+          </a:p>
+          <a:p>
+            <a:pPr marL="342900" indent="-342900">
+              <a:lnSpc>
+                <a:spcPct val="100000"/>
+              </a:lnSpc>
+              <a:buSzPct val="95000"/>
+              <a:buFont typeface="+mj-lt"/>
+              <a:buAutoNum type="arabicPeriod"/>
+            </a:pPr>
+            <a:r>
+              <a:rPr lang="it-IT" sz="1600" dirty="0"/>
+              <a:t>Presentazione di queste metriche attraverso grafici</a:t>
+            </a:r>
+          </a:p>
+        </p:txBody>
+      </p:sp>
+      <p:cxnSp>
+        <p:nvCxnSpPr>
+          <p:cNvPr id="17" name="Connettore diritto 16">
+            <a:extLst>
+              <a:ext uri="{FF2B5EF4-FFF2-40B4-BE49-F238E27FC236}">
+                <a16:creationId xmlns:a16="http://schemas.microsoft.com/office/drawing/2014/main" id="{8488A0F8-E720-D31B-750D-634FA849B5A9}"/>
+              </a:ext>
+              <a:ext uri="{C183D7F6-B498-43B3-948B-1728B52AA6E4}">
+                <adec:decorative xmlns:adec="http://schemas.microsoft.com/office/drawing/2017/decorative" val="1"/>
+              </a:ext>
+            </a:extLst>
+          </p:cNvPr>
+          <p:cNvCxnSpPr>
+            <a:cxnSpLocks/>
+          </p:cNvCxnSpPr>
+          <p:nvPr/>
+        </p:nvCxnSpPr>
+        <p:spPr>
+          <a:xfrm>
+            <a:off x="649224" y="5172458"/>
+            <a:ext cx="0" cy="618742"/>
+          </a:xfrm>
+          <a:prstGeom prst="line">
+            <a:avLst/>
+          </a:prstGeom>
+          <a:ln w="12700">
+            <a:solidFill>
+              <a:schemeClr val="bg1"/>
+            </a:solidFill>
+          </a:ln>
+        </p:spPr>
+        <p:style>
+          <a:lnRef idx="1">
+            <a:schemeClr val="accent1"/>
+          </a:lnRef>
+          <a:fillRef idx="0">
+            <a:schemeClr val="accent1"/>
+          </a:fillRef>
+          <a:effectRef idx="0">
+            <a:schemeClr val="accent1"/>
+          </a:effectRef>
+          <a:fontRef idx="minor">
+            <a:schemeClr val="tx1"/>
+          </a:fontRef>
+        </p:style>
+      </p:cxnSp>
+      <p:sp>
+        <p:nvSpPr>
+          <p:cNvPr id="4" name="Segnaposto numero diapositiva 3">
+            <a:extLst>
+              <a:ext uri="{FF2B5EF4-FFF2-40B4-BE49-F238E27FC236}">
+                <a16:creationId xmlns:a16="http://schemas.microsoft.com/office/drawing/2014/main" id="{B63EE887-A172-F01E-98D1-8781769CBEDE}"/>
+              </a:ext>
+            </a:extLst>
+          </p:cNvPr>
+          <p:cNvSpPr>
+            <a:spLocks noGrp="1"/>
+          </p:cNvSpPr>
+          <p:nvPr>
+            <p:ph type="sldNum" sz="quarter" idx="10"/>
+          </p:nvPr>
+        </p:nvSpPr>
+        <p:spPr/>
+        <p:txBody>
+          <a:bodyPr rtlCol="0"/>
+          <a:lstStyle>
+            <a:defPPr>
+              <a:defRPr lang="it-IT"/>
+            </a:defPPr>
+          </a:lstStyle>
+          <a:p>
+            <a:pPr rtl="0"/>
+            <a:fld id="{75DF2D63-3FF5-D547-96B9-BE9CCD1ABA58}" type="slidenum">
+              <a:rPr lang="it-IT" smtClean="0"/>
+              <a:pPr rtl="0"/>
+              <a:t>2</a:t>
+            </a:fld>
+            <a:endParaRPr lang="it-IT"/>
+          </a:p>
+        </p:txBody>
+      </p:sp>
+      <p:sp>
+        <p:nvSpPr>
+          <p:cNvPr id="2" name="Segnaposto testo 5">
+            <a:extLst>
+              <a:ext uri="{FF2B5EF4-FFF2-40B4-BE49-F238E27FC236}">
+                <a16:creationId xmlns:a16="http://schemas.microsoft.com/office/drawing/2014/main" id="{3783F8C8-9002-2B4B-C062-E066155072CF}"/>
+              </a:ext>
+            </a:extLst>
+          </p:cNvPr>
+          <p:cNvSpPr txBox="1">
+            <a:spLocks/>
+          </p:cNvSpPr>
+          <p:nvPr/>
+        </p:nvSpPr>
+        <p:spPr>
+          <a:xfrm>
+            <a:off x="1563937" y="1910942"/>
+            <a:ext cx="2233220" cy="289249"/>
+          </a:xfrm>
+          <a:prstGeom prst="rect">
+            <a:avLst/>
+          </a:prstGeom>
+        </p:spPr>
+        <p:txBody>
+          <a:bodyPr vert="horz" lIns="0" tIns="0" rIns="0" bIns="0" rtlCol="0" anchor="b">
+            <a:noAutofit/>
+          </a:bodyPr>
+          <a:lstStyle>
+            <a:defPPr>
+              <a:defRPr lang="it-IT"/>
+            </a:defPPr>
+            <a:lvl1pPr marL="0" indent="0" algn="l" defTabSz="914400" rtl="0" eaLnBrk="1" latinLnBrk="0" hangingPunct="1">
+              <a:lnSpc>
+                <a:spcPct val="100000"/>
+              </a:lnSpc>
+              <a:spcBef>
+                <a:spcPts val="0"/>
+              </a:spcBef>
+              <a:buFont typeface="Arial" panose="020B0604020202020204" pitchFamily="34" charset="0"/>
+              <a:buNone/>
+              <a:defRPr lang="it-IT" sz="1400" b="0" i="0" kern="1200" cap="all" spc="200" baseline="0">
+                <a:solidFill>
+                  <a:schemeClr val="tx1"/>
+                </a:solidFill>
+                <a:latin typeface="+mj-lt"/>
+                <a:ea typeface="+mn-ea"/>
+                <a:cs typeface="+mn-cs"/>
+              </a:defRPr>
+            </a:lvl1pPr>
+            <a:lvl2pPr marL="685800" indent="-228600" algn="l" defTabSz="914400" rtl="0" eaLnBrk="1" latinLnBrk="0" hangingPunct="1">
+              <a:lnSpc>
+                <a:spcPct val="90000"/>
+              </a:lnSpc>
+              <a:spcBef>
+                <a:spcPts val="500"/>
+              </a:spcBef>
+              <a:buFont typeface="Arial" panose="020B0604020202020204" pitchFamily="34" charset="0"/>
+              <a:buChar char="•"/>
+              <a:defRPr lang="it-IT" sz="2000" b="0" i="0" kern="1200" baseline="0">
+                <a:solidFill>
+                  <a:schemeClr val="tx1"/>
+                </a:solidFill>
+                <a:latin typeface="+mn-lt"/>
+                <a:ea typeface="+mn-ea"/>
+                <a:cs typeface="+mn-cs"/>
+              </a:defRPr>
+            </a:lvl2pPr>
+            <a:lvl3pPr marL="1143000" indent="-228600" algn="l" defTabSz="914400" rtl="0" eaLnBrk="1" latinLnBrk="0" hangingPunct="1">
+              <a:lnSpc>
+                <a:spcPct val="90000"/>
+              </a:lnSpc>
+              <a:spcBef>
+                <a:spcPts val="500"/>
+              </a:spcBef>
+              <a:buFont typeface="Arial" panose="020B0604020202020204" pitchFamily="34" charset="0"/>
+              <a:buChar char="•"/>
+              <a:defRPr lang="it-IT" sz="1800" b="0" i="0" kern="1200" baseline="0">
+                <a:solidFill>
+                  <a:schemeClr val="tx1"/>
+                </a:solidFill>
+                <a:latin typeface="+mn-lt"/>
+                <a:ea typeface="+mn-ea"/>
+                <a:cs typeface="+mn-cs"/>
+              </a:defRPr>
+            </a:lvl3pPr>
+            <a:lvl4pPr marL="1600200" indent="-228600" algn="l" defTabSz="914400" rtl="0" eaLnBrk="1" latinLnBrk="0" hangingPunct="1">
+              <a:lnSpc>
+                <a:spcPct val="90000"/>
+              </a:lnSpc>
+              <a:spcBef>
+                <a:spcPts val="500"/>
+              </a:spcBef>
+              <a:buFont typeface="Arial" panose="020B0604020202020204" pitchFamily="34" charset="0"/>
+              <a:buChar char="•"/>
+              <a:defRPr lang="it-IT" sz="1600" b="0" i="0" kern="1200" baseline="0">
+                <a:solidFill>
+                  <a:schemeClr val="tx1"/>
+                </a:solidFill>
+                <a:latin typeface="+mn-lt"/>
+                <a:ea typeface="+mn-ea"/>
+                <a:cs typeface="+mn-cs"/>
+              </a:defRPr>
+            </a:lvl4pPr>
+            <a:lvl5pPr marL="2057400" indent="-228600" algn="l" defTabSz="914400" rtl="0" eaLnBrk="1" latinLnBrk="0" hangingPunct="1">
+              <a:lnSpc>
+                <a:spcPct val="90000"/>
+              </a:lnSpc>
+              <a:spcBef>
+                <a:spcPts val="500"/>
+              </a:spcBef>
+              <a:buFont typeface="Arial" panose="020B0604020202020204" pitchFamily="34" charset="0"/>
+              <a:buChar char="•"/>
+              <a:defRPr lang="it-IT" sz="1400" b="0" i="0" kern="1200" baseline="0">
+                <a:solidFill>
+                  <a:schemeClr val="tx1"/>
+                </a:solidFill>
+                <a:latin typeface="+mn-lt"/>
+                <a:ea typeface="+mn-ea"/>
+                <a:cs typeface="+mn-cs"/>
+              </a:defRPr>
+            </a:lvl5pPr>
+            <a:lvl6pPr marL="2514600" indent="-228600" algn="l" defTabSz="914400" rtl="0" eaLnBrk="1" latinLnBrk="0" hangingPunct="1">
+              <a:lnSpc>
+                <a:spcPct val="90000"/>
+              </a:lnSpc>
+              <a:spcBef>
+                <a:spcPts val="500"/>
+              </a:spcBef>
+              <a:buFont typeface="Arial" panose="020B0604020202020204" pitchFamily="34" charset="0"/>
+              <a:buChar char="•"/>
+              <a:defRPr lang="it-IT" sz="1800" kern="1200">
+                <a:solidFill>
+                  <a:schemeClr val="tx1"/>
+                </a:solidFill>
+                <a:latin typeface="+mn-lt"/>
+                <a:ea typeface="+mn-ea"/>
+                <a:cs typeface="+mn-cs"/>
+              </a:defRPr>
+            </a:lvl6pPr>
+            <a:lvl7pPr marL="2971800" indent="-228600" algn="l" defTabSz="914400" rtl="0" eaLnBrk="1" latinLnBrk="0" hangingPunct="1">
+              <a:lnSpc>
+                <a:spcPct val="90000"/>
+              </a:lnSpc>
+              <a:spcBef>
+                <a:spcPts val="500"/>
+              </a:spcBef>
+              <a:buFont typeface="Arial" panose="020B0604020202020204" pitchFamily="34" charset="0"/>
+              <a:buChar char="•"/>
+              <a:defRPr lang="it-IT" sz="1800" kern="1200">
+                <a:solidFill>
+                  <a:schemeClr val="tx1"/>
+                </a:solidFill>
+                <a:latin typeface="+mn-lt"/>
+                <a:ea typeface="+mn-ea"/>
+                <a:cs typeface="+mn-cs"/>
+              </a:defRPr>
+            </a:lvl7pPr>
+            <a:lvl8pPr marL="3429000" indent="-228600" algn="l" defTabSz="914400" rtl="0" eaLnBrk="1" latinLnBrk="0" hangingPunct="1">
+              <a:lnSpc>
+                <a:spcPct val="90000"/>
+              </a:lnSpc>
+              <a:spcBef>
+                <a:spcPts val="500"/>
+              </a:spcBef>
+              <a:buFont typeface="Arial" panose="020B0604020202020204" pitchFamily="34" charset="0"/>
+              <a:buChar char="•"/>
+              <a:defRPr lang="it-IT" sz="1800" kern="1200">
+                <a:solidFill>
+                  <a:schemeClr val="tx1"/>
+                </a:solidFill>
+                <a:latin typeface="+mn-lt"/>
+                <a:ea typeface="+mn-ea"/>
+                <a:cs typeface="+mn-cs"/>
+              </a:defRPr>
+            </a:lvl8pPr>
+            <a:lvl9pPr marL="3886200" indent="-228600" algn="l" defTabSz="914400" rtl="0" eaLnBrk="1" latinLnBrk="0" hangingPunct="1">
+              <a:lnSpc>
+                <a:spcPct val="90000"/>
+              </a:lnSpc>
+              <a:spcBef>
+                <a:spcPts val="500"/>
+              </a:spcBef>
+              <a:buFont typeface="Arial" panose="020B0604020202020204" pitchFamily="34" charset="0"/>
+              <a:buChar char="•"/>
+              <a:defRPr lang="it-IT" sz="1800" kern="1200">
+                <a:solidFill>
+                  <a:schemeClr val="tx1"/>
+                </a:solidFill>
+                <a:latin typeface="+mn-lt"/>
+                <a:ea typeface="+mn-ea"/>
+                <a:cs typeface="+mn-cs"/>
+              </a:defRPr>
+            </a:lvl9pPr>
+          </a:lstStyle>
+          <a:p>
+            <a:pPr algn="ctr"/>
+            <a:r>
+              <a:rPr lang="en-US" sz="2000" b="1" spc="0"/>
+              <a:t>Metriche</a:t>
+            </a:r>
+            <a:endParaRPr lang="en-US" sz="2000" b="1" spc="0" dirty="0"/>
+          </a:p>
+        </p:txBody>
+      </p:sp>
+      <p:sp>
+        <p:nvSpPr>
+          <p:cNvPr id="3" name="Segnaposto testo 6">
+            <a:extLst>
+              <a:ext uri="{FF2B5EF4-FFF2-40B4-BE49-F238E27FC236}">
+                <a16:creationId xmlns:a16="http://schemas.microsoft.com/office/drawing/2014/main" id="{F27E9200-EDE8-090E-4843-D8B81EC40E23}"/>
+              </a:ext>
+            </a:extLst>
+          </p:cNvPr>
+          <p:cNvSpPr txBox="1">
+            <a:spLocks/>
+          </p:cNvSpPr>
+          <p:nvPr/>
+        </p:nvSpPr>
+        <p:spPr>
+          <a:xfrm>
+            <a:off x="1688389" y="2308627"/>
+            <a:ext cx="6405530" cy="4698365"/>
+          </a:xfrm>
+          <a:prstGeom prst="rect">
+            <a:avLst/>
+          </a:prstGeom>
+        </p:spPr>
+        <p:txBody>
+          <a:bodyPr vert="horz" lIns="0" tIns="0" rIns="0" bIns="0" rtlCol="0" anchor="t">
+            <a:noAutofit/>
+          </a:bodyPr>
+          <a:lstStyle>
+            <a:defPPr>
+              <a:defRPr lang="it-IT"/>
+            </a:defPPr>
+            <a:lvl1pPr marL="0" indent="0" algn="l" defTabSz="914400" rtl="0" eaLnBrk="1" latinLnBrk="0" hangingPunct="1">
+              <a:lnSpc>
+                <a:spcPts val="1580"/>
+              </a:lnSpc>
+              <a:spcBef>
+                <a:spcPts val="0"/>
+              </a:spcBef>
+              <a:buFont typeface="Arial" panose="020B0604020202020204" pitchFamily="34" charset="0"/>
+              <a:buNone/>
+              <a:defRPr lang="it-IT" sz="1400" b="0" i="0" kern="1200" baseline="0">
+                <a:solidFill>
+                  <a:schemeClr val="tx1"/>
+                </a:solidFill>
+                <a:latin typeface="+mn-lt"/>
+                <a:ea typeface="+mn-ea"/>
+                <a:cs typeface="+mn-cs"/>
+              </a:defRPr>
+            </a:lvl1pPr>
+            <a:lvl2pPr marL="685800" indent="-228600" algn="l" defTabSz="914400" rtl="0" eaLnBrk="1" latinLnBrk="0" hangingPunct="1">
+              <a:lnSpc>
+                <a:spcPct val="90000"/>
+              </a:lnSpc>
+              <a:spcBef>
+                <a:spcPts val="500"/>
+              </a:spcBef>
+              <a:buFont typeface="Arial" panose="020B0604020202020204" pitchFamily="34" charset="0"/>
+              <a:buChar char="•"/>
+              <a:defRPr lang="it-IT" sz="2000" b="0" i="0" kern="1200" baseline="0">
+                <a:solidFill>
+                  <a:schemeClr val="tx1"/>
+                </a:solidFill>
+                <a:latin typeface="+mn-lt"/>
+                <a:ea typeface="+mn-ea"/>
+                <a:cs typeface="+mn-cs"/>
+              </a:defRPr>
+            </a:lvl2pPr>
+            <a:lvl3pPr marL="1143000" indent="-228600" algn="l" defTabSz="914400" rtl="0" eaLnBrk="1" latinLnBrk="0" hangingPunct="1">
+              <a:lnSpc>
+                <a:spcPct val="90000"/>
+              </a:lnSpc>
+              <a:spcBef>
+                <a:spcPts val="500"/>
+              </a:spcBef>
+              <a:buFont typeface="Arial" panose="020B0604020202020204" pitchFamily="34" charset="0"/>
+              <a:buChar char="•"/>
+              <a:defRPr lang="it-IT" sz="1800" b="0" i="0" kern="1200" baseline="0">
+                <a:solidFill>
+                  <a:schemeClr val="tx1"/>
+                </a:solidFill>
+                <a:latin typeface="+mn-lt"/>
+                <a:ea typeface="+mn-ea"/>
+                <a:cs typeface="+mn-cs"/>
+              </a:defRPr>
+            </a:lvl3pPr>
+            <a:lvl4pPr marL="1600200" indent="-228600" algn="l" defTabSz="914400" rtl="0" eaLnBrk="1" latinLnBrk="0" hangingPunct="1">
+              <a:lnSpc>
+                <a:spcPct val="90000"/>
+              </a:lnSpc>
+              <a:spcBef>
+                <a:spcPts val="500"/>
+              </a:spcBef>
+              <a:buFont typeface="Arial" panose="020B0604020202020204" pitchFamily="34" charset="0"/>
+              <a:buChar char="•"/>
+              <a:defRPr lang="it-IT" sz="1600" b="0" i="0" kern="1200" baseline="0">
+                <a:solidFill>
+                  <a:schemeClr val="tx1"/>
+                </a:solidFill>
+                <a:latin typeface="+mn-lt"/>
+                <a:ea typeface="+mn-ea"/>
+                <a:cs typeface="+mn-cs"/>
+              </a:defRPr>
+            </a:lvl4pPr>
+            <a:lvl5pPr marL="2057400" indent="-228600" algn="l" defTabSz="914400" rtl="0" eaLnBrk="1" latinLnBrk="0" hangingPunct="1">
+              <a:lnSpc>
+                <a:spcPct val="90000"/>
+              </a:lnSpc>
+              <a:spcBef>
+                <a:spcPts val="500"/>
+              </a:spcBef>
+              <a:buFont typeface="Arial" panose="020B0604020202020204" pitchFamily="34" charset="0"/>
+              <a:buChar char="•"/>
+              <a:defRPr lang="it-IT" sz="1400" b="0" i="0" kern="1200" baseline="0">
+                <a:solidFill>
+                  <a:schemeClr val="tx1"/>
+                </a:solidFill>
+                <a:latin typeface="+mn-lt"/>
+                <a:ea typeface="+mn-ea"/>
+                <a:cs typeface="+mn-cs"/>
+              </a:defRPr>
+            </a:lvl5pPr>
+            <a:lvl6pPr marL="2514600" indent="-228600" algn="l" defTabSz="914400" rtl="0" eaLnBrk="1" latinLnBrk="0" hangingPunct="1">
+              <a:lnSpc>
+                <a:spcPct val="90000"/>
+              </a:lnSpc>
+              <a:spcBef>
+                <a:spcPts val="500"/>
+              </a:spcBef>
+              <a:buFont typeface="Arial" panose="020B0604020202020204" pitchFamily="34" charset="0"/>
+              <a:buChar char="•"/>
+              <a:defRPr lang="it-IT" sz="1800" kern="1200">
+                <a:solidFill>
+                  <a:schemeClr val="tx1"/>
+                </a:solidFill>
+                <a:latin typeface="+mn-lt"/>
+                <a:ea typeface="+mn-ea"/>
+                <a:cs typeface="+mn-cs"/>
+              </a:defRPr>
+            </a:lvl6pPr>
+            <a:lvl7pPr marL="2971800" indent="-228600" algn="l" defTabSz="914400" rtl="0" eaLnBrk="1" latinLnBrk="0" hangingPunct="1">
+              <a:lnSpc>
+                <a:spcPct val="90000"/>
+              </a:lnSpc>
+              <a:spcBef>
+                <a:spcPts val="500"/>
+              </a:spcBef>
+              <a:buFont typeface="Arial" panose="020B0604020202020204" pitchFamily="34" charset="0"/>
+              <a:buChar char="•"/>
+              <a:defRPr lang="it-IT" sz="1800" kern="1200">
+                <a:solidFill>
+                  <a:schemeClr val="tx1"/>
+                </a:solidFill>
+                <a:latin typeface="+mn-lt"/>
+                <a:ea typeface="+mn-ea"/>
+                <a:cs typeface="+mn-cs"/>
+              </a:defRPr>
+            </a:lvl7pPr>
+            <a:lvl8pPr marL="3429000" indent="-228600" algn="l" defTabSz="914400" rtl="0" eaLnBrk="1" latinLnBrk="0" hangingPunct="1">
+              <a:lnSpc>
+                <a:spcPct val="90000"/>
+              </a:lnSpc>
+              <a:spcBef>
+                <a:spcPts val="500"/>
+              </a:spcBef>
+              <a:buFont typeface="Arial" panose="020B0604020202020204" pitchFamily="34" charset="0"/>
+              <a:buChar char="•"/>
+              <a:defRPr lang="it-IT" sz="1800" kern="1200">
+                <a:solidFill>
+                  <a:schemeClr val="tx1"/>
+                </a:solidFill>
+                <a:latin typeface="+mn-lt"/>
+                <a:ea typeface="+mn-ea"/>
+                <a:cs typeface="+mn-cs"/>
+              </a:defRPr>
+            </a:lvl8pPr>
+            <a:lvl9pPr marL="3886200" indent="-228600" algn="l" defTabSz="914400" rtl="0" eaLnBrk="1" latinLnBrk="0" hangingPunct="1">
+              <a:lnSpc>
+                <a:spcPct val="90000"/>
+              </a:lnSpc>
+              <a:spcBef>
+                <a:spcPts val="500"/>
+              </a:spcBef>
+              <a:buFont typeface="Arial" panose="020B0604020202020204" pitchFamily="34" charset="0"/>
+              <a:buChar char="•"/>
+              <a:defRPr lang="it-IT" sz="1800" kern="1200">
+                <a:solidFill>
+                  <a:schemeClr val="tx1"/>
+                </a:solidFill>
+                <a:latin typeface="+mn-lt"/>
+                <a:ea typeface="+mn-ea"/>
+                <a:cs typeface="+mn-cs"/>
+              </a:defRPr>
+            </a:lvl9pPr>
+          </a:lstStyle>
+          <a:p>
+            <a:pPr marL="342900" indent="-342900">
+              <a:lnSpc>
+                <a:spcPct val="100000"/>
+              </a:lnSpc>
+              <a:spcBef>
+                <a:spcPts val="600"/>
+              </a:spcBef>
+              <a:buSzPct val="95000"/>
+              <a:buFont typeface="+mj-lt"/>
+              <a:buAutoNum type="arabicPeriod"/>
+            </a:pPr>
+            <a:r>
+              <a:rPr lang="it-IT" sz="1600" dirty="0"/>
+              <a:t>Metrica basata sulla </a:t>
+            </a:r>
+            <a:r>
+              <a:rPr lang="it-IT" sz="1600" b="1" dirty="0"/>
+              <a:t>standard </a:t>
+            </a:r>
+            <a:r>
+              <a:rPr lang="it-IT" sz="1600" b="1" dirty="0" err="1"/>
+              <a:t>deviation</a:t>
+            </a:r>
+            <a:r>
+              <a:rPr lang="it-IT" sz="1600" b="1" dirty="0"/>
+              <a:t> </a:t>
+            </a:r>
+            <a:r>
+              <a:rPr lang="it-IT" sz="1600" dirty="0"/>
+              <a:t>(da qui: </a:t>
+            </a:r>
+            <a:r>
+              <a:rPr lang="it-IT" sz="1600" b="1" dirty="0" err="1"/>
+              <a:t>std</a:t>
+            </a:r>
+            <a:r>
+              <a:rPr lang="it-IT" sz="1600" dirty="0"/>
+              <a:t>)</a:t>
+            </a:r>
+          </a:p>
+          <a:p>
+            <a:pPr marL="342900" indent="-342900">
+              <a:lnSpc>
+                <a:spcPct val="100000"/>
+              </a:lnSpc>
+              <a:spcBef>
+                <a:spcPts val="600"/>
+              </a:spcBef>
+              <a:buSzPct val="95000"/>
+              <a:buFont typeface="+mj-lt"/>
+              <a:buAutoNum type="arabicPeriod"/>
+            </a:pPr>
+            <a:r>
+              <a:rPr lang="it-IT" sz="1600" dirty="0"/>
+              <a:t>Metrica basata sull’</a:t>
+            </a:r>
+            <a:r>
+              <a:rPr lang="it-IT" sz="1600" b="1" dirty="0"/>
+              <a:t>Entropia di Shannon </a:t>
+            </a:r>
+            <a:r>
+              <a:rPr lang="it-IT" sz="1600" dirty="0"/>
+              <a:t>(da qui: </a:t>
+            </a:r>
+            <a:r>
+              <a:rPr lang="it-IT" sz="1600" b="1" dirty="0" err="1"/>
+              <a:t>Entropy</a:t>
+            </a:r>
+            <a:r>
+              <a:rPr lang="it-IT" sz="1600" dirty="0"/>
+              <a:t>)</a:t>
+            </a:r>
+          </a:p>
+          <a:p>
+            <a:pPr marL="342900" indent="-342900">
+              <a:lnSpc>
+                <a:spcPct val="100000"/>
+              </a:lnSpc>
+              <a:spcBef>
+                <a:spcPts val="600"/>
+              </a:spcBef>
+              <a:buSzPct val="95000"/>
+              <a:buFont typeface="+mj-lt"/>
+              <a:buAutoNum type="arabicPeriod"/>
+            </a:pPr>
+            <a:r>
+              <a:rPr lang="it-IT" sz="1600" dirty="0"/>
+              <a:t>Metrica basata sullo studio dei relativi dice tra le 20 maschere derivanti dal </a:t>
+            </a:r>
+            <a:r>
+              <a:rPr lang="it-IT" sz="1600" dirty="0" err="1"/>
+              <a:t>MonteCarlo</a:t>
+            </a:r>
+            <a:r>
+              <a:rPr lang="it-IT" sz="1600" dirty="0"/>
+              <a:t> Dropout (da qui: </a:t>
+            </a:r>
+            <a:r>
+              <a:rPr lang="it-IT" sz="1600" b="1" dirty="0"/>
+              <a:t>dice </a:t>
+            </a:r>
+            <a:r>
+              <a:rPr lang="it-IT" sz="1600" b="1" dirty="0" err="1"/>
+              <a:t>mat</a:t>
+            </a:r>
+            <a:r>
+              <a:rPr lang="it-IT" sz="1600" dirty="0"/>
+              <a:t>)</a:t>
+            </a:r>
+          </a:p>
+        </p:txBody>
+      </p:sp>
+    </p:spTree>
+    <p:extLst>
+      <p:ext uri="{BB962C8B-B14F-4D97-AF65-F5344CB8AC3E}">
+        <p14:creationId xmlns:p14="http://schemas.microsoft.com/office/powerpoint/2010/main" val="2607450225"/>
+      </p:ext>
+    </p:extLst>
+  </p:cSld>
+  <p:clrMapOvr>
+    <a:masterClrMapping/>
+  </p:clrMapOvr>
+</p:sld>
+</file>
+
+<file path=ppt/slides/slide3.xml><?xml version="1.0" encoding="utf-8"?>
 <p:sld xmlns:a="http://schemas.openxmlformats.org/drawingml/2006/main" xmlns:r="http://schemas.openxmlformats.org/officeDocument/2006/relationships" xmlns:p="http://schemas.openxmlformats.org/presentationml/2006/main">
   <p:cSld>
     <p:spTree>
@@ -17282,7 +18602,7 @@
             <a:fld id="{75DF2D63-3FF5-D547-96B9-BE9CCD1ABA58}" type="slidenum">
               <a:rPr lang="it-IT" smtClean="0"/>
               <a:pPr rtl="0"/>
-              <a:t>15</a:t>
+              <a:t>3</a:t>
             </a:fld>
             <a:endParaRPr lang="it-IT"/>
           </a:p>
@@ -17306,12 +18626,12 @@
         </p:nvSpPr>
         <p:spPr>
           <a:xfrm>
-            <a:off x="885999" y="571557"/>
-            <a:ext cx="7334270" cy="444046"/>
-          </a:xfrm>
-        </p:spPr>
-        <p:txBody>
-          <a:bodyPr rtlCol="0" anchor="t"/>
+            <a:off x="1563937" y="427374"/>
+            <a:ext cx="10313932" cy="393317"/>
+          </a:xfrm>
+        </p:spPr>
+        <p:txBody>
+          <a:bodyPr rtlCol="0"/>
           <a:lstStyle>
             <a:defPPr>
               <a:defRPr lang="it-IT"/>
@@ -17321,16 +18641,21 @@
             <a:pPr rtl="0"/>
             <a:r>
               <a:rPr lang="it-IT" sz="2000" b="1" spc="0" dirty="0"/>
-              <a:t>Analisi preliminare delle metriche</a:t>
-            </a:r>
-          </a:p>
-          <a:p>
-            <a:pPr rtl="0"/>
+              <a:t>Metrica basata sulla standard </a:t>
+            </a:r>
+            <a:r>
+              <a:rPr lang="it-IT" sz="2000" b="1" spc="0" dirty="0" err="1"/>
+              <a:t>deviation</a:t>
+            </a:r>
             <a:r>
               <a:rPr lang="it-IT" sz="2000" b="1" spc="0" dirty="0"/>
-              <a:t>Metrica basata sulla matrice dei dice</a:t>
-            </a:r>
-            <a:endParaRPr lang="it-IT" sz="2000" spc="0" dirty="0"/>
+              <a:t> - </a:t>
+            </a:r>
+            <a:r>
+              <a:rPr lang="it-IT" sz="2000" b="1" spc="0" dirty="0" err="1"/>
+              <a:t>std</a:t>
+            </a:r>
+            <a:endParaRPr lang="it-IT" sz="2000" b="1" spc="0" dirty="0"/>
           </a:p>
         </p:txBody>
       </p:sp>
@@ -17538,16 +18863,217 @@
               </a:spcBef>
               <a:buSzPct val="95000"/>
             </a:pPr>
+            <a:r>
+              <a:rPr lang="it-IT" sz="1600" dirty="0"/>
+              <a:t>Per calcolare questa metrica, sono stati svolti i seguenti passaggi preliminari:</a:t>
+            </a:r>
             <a:endParaRPr lang="it-IT" sz="2200" dirty="0"/>
+          </a:p>
+          <a:p>
+            <a:pPr marL="285750" indent="-285750">
+              <a:lnSpc>
+                <a:spcPct val="100000"/>
+              </a:lnSpc>
+              <a:spcBef>
+                <a:spcPts val="600"/>
+              </a:spcBef>
+              <a:buSzPct val="95000"/>
+              <a:buFont typeface="Arial" panose="020B0604020202020204" pitchFamily="34" charset="0"/>
+              <a:buChar char="•"/>
+            </a:pPr>
+            <a:r>
+              <a:rPr lang="it-IT" sz="1600" dirty="0"/>
+              <a:t>Creazione di una matrice quadridimensionale in cui salvare i dati delle 20 </a:t>
+            </a:r>
+            <a:r>
+              <a:rPr lang="it-IT" sz="1600" dirty="0" err="1"/>
+              <a:t>softmax</a:t>
+            </a:r>
+            <a:r>
+              <a:rPr lang="it-IT" sz="1600" dirty="0"/>
+              <a:t> generate dalle 20 </a:t>
+            </a:r>
+            <a:r>
+              <a:rPr lang="it-IT" sz="1600" dirty="0" err="1"/>
+              <a:t>inference</a:t>
+            </a:r>
+            <a:r>
+              <a:rPr lang="it-IT" sz="1600" dirty="0"/>
+              <a:t> </a:t>
+            </a:r>
+            <a:r>
+              <a:rPr lang="it-IT" sz="1600" dirty="0" err="1"/>
+              <a:t>MonteCarlo</a:t>
+            </a:r>
+            <a:r>
+              <a:rPr lang="it-IT" sz="1600" dirty="0"/>
+              <a:t> sulla stessa immagine di partenza (denominata </a:t>
+            </a:r>
+            <a:r>
+              <a:rPr lang="it-IT" sz="1600" i="1" dirty="0" err="1"/>
+              <a:t>softmax_matrix</a:t>
+            </a:r>
+            <a:r>
+              <a:rPr lang="it-IT" sz="1600" dirty="0"/>
+              <a:t>)</a:t>
+            </a:r>
+          </a:p>
+          <a:p>
+            <a:pPr marL="285750" indent="-285750">
+              <a:lnSpc>
+                <a:spcPct val="100000"/>
+              </a:lnSpc>
+              <a:spcBef>
+                <a:spcPts val="600"/>
+              </a:spcBef>
+              <a:buSzPct val="95000"/>
+              <a:buFont typeface="Arial" panose="020B0604020202020204" pitchFamily="34" charset="0"/>
+              <a:buChar char="•"/>
+            </a:pPr>
+            <a:r>
+              <a:rPr lang="it-IT" sz="1600" dirty="0"/>
+              <a:t>Alla matrice, per la classe selezionata (in questo caso: 1), viene applicata una funzione (in basso in questa slide) che crea una </a:t>
+            </a:r>
+            <a:r>
+              <a:rPr lang="it-IT" sz="1600" i="1" dirty="0" err="1"/>
+              <a:t>std</a:t>
+            </a:r>
+            <a:r>
+              <a:rPr lang="it-IT" sz="1600" i="1" dirty="0"/>
+              <a:t> </a:t>
+            </a:r>
+            <a:r>
+              <a:rPr lang="it-IT" sz="1600" i="1" dirty="0" err="1"/>
+              <a:t>map</a:t>
+            </a:r>
+            <a:r>
+              <a:rPr lang="it-IT" sz="1600" i="1" dirty="0"/>
+              <a:t> </a:t>
+            </a:r>
+            <a:r>
+              <a:rPr lang="it-IT" sz="1600" dirty="0"/>
+              <a:t>bidimensionale,</a:t>
+            </a:r>
+            <a:r>
+              <a:rPr lang="it-IT" sz="1600" i="1" dirty="0"/>
+              <a:t> </a:t>
+            </a:r>
+            <a:r>
+              <a:rPr lang="it-IT" sz="1600" dirty="0"/>
+              <a:t>della quale ogni punto </a:t>
+            </a:r>
+            <a:r>
+              <a:rPr lang="it-IT" sz="1600" dirty="0" err="1"/>
+              <a:t>i,j</a:t>
+            </a:r>
+            <a:r>
+              <a:rPr lang="it-IT" sz="1600" dirty="0"/>
+              <a:t> è la standard </a:t>
+            </a:r>
+            <a:r>
+              <a:rPr lang="it-IT" sz="1600" dirty="0" err="1"/>
+              <a:t>deviation</a:t>
+            </a:r>
+            <a:r>
+              <a:rPr lang="it-IT" sz="1600" dirty="0"/>
+              <a:t> del valore dei 20 corrispondenti punti </a:t>
+            </a:r>
+            <a:r>
+              <a:rPr lang="it-IT" sz="1600" dirty="0" err="1"/>
+              <a:t>i,j</a:t>
+            </a:r>
+            <a:r>
+              <a:rPr lang="it-IT" sz="1600" dirty="0"/>
+              <a:t> delle 20 </a:t>
+            </a:r>
+            <a:r>
+              <a:rPr lang="it-IT" sz="1600" dirty="0" err="1"/>
+              <a:t>softmax</a:t>
+            </a:r>
+            <a:endParaRPr lang="it-IT" sz="1600" dirty="0"/>
+          </a:p>
+          <a:p>
+            <a:pPr marL="285750" indent="-285750">
+              <a:lnSpc>
+                <a:spcPct val="100000"/>
+              </a:lnSpc>
+              <a:spcBef>
+                <a:spcPts val="600"/>
+              </a:spcBef>
+              <a:buSzPct val="95000"/>
+              <a:buFont typeface="Arial" panose="020B0604020202020204" pitchFamily="34" charset="0"/>
+              <a:buChar char="•"/>
+            </a:pPr>
+            <a:r>
+              <a:rPr lang="it-IT" sz="1600" dirty="0"/>
+              <a:t>Il risultato della </a:t>
+            </a:r>
+            <a:r>
+              <a:rPr lang="it-IT" sz="1600" dirty="0" err="1"/>
+              <a:t>std</a:t>
+            </a:r>
+            <a:r>
+              <a:rPr lang="it-IT" sz="1600" dirty="0"/>
+              <a:t> </a:t>
+            </a:r>
+            <a:r>
+              <a:rPr lang="it-IT" sz="1600" dirty="0" err="1"/>
+              <a:t>map</a:t>
+            </a:r>
+            <a:r>
+              <a:rPr lang="it-IT" sz="1600" dirty="0"/>
+              <a:t> è una mappa di standard </a:t>
+            </a:r>
+            <a:r>
+              <a:rPr lang="it-IT" sz="1600" dirty="0" err="1"/>
+              <a:t>deviation</a:t>
+            </a:r>
+            <a:r>
+              <a:rPr lang="it-IT" sz="1600" dirty="0"/>
+              <a:t>, come ad esempio l’immagine a destra</a:t>
+            </a:r>
+          </a:p>
+          <a:p>
+            <a:pPr marL="285750" indent="-285750">
+              <a:lnSpc>
+                <a:spcPct val="100000"/>
+              </a:lnSpc>
+              <a:spcBef>
+                <a:spcPts val="600"/>
+              </a:spcBef>
+              <a:buSzPct val="95000"/>
+              <a:buFont typeface="Arial" panose="020B0604020202020204" pitchFamily="34" charset="0"/>
+              <a:buChar char="•"/>
+            </a:pPr>
+            <a:r>
+              <a:rPr lang="it-IT" sz="1600" dirty="0"/>
+              <a:t>Il valore associato ad ogni immagine del test set sarà la somma dei valori della </a:t>
+            </a:r>
+            <a:r>
+              <a:rPr lang="it-IT" sz="1600" dirty="0" err="1"/>
+              <a:t>std</a:t>
+            </a:r>
+            <a:r>
+              <a:rPr lang="it-IT" sz="1600" dirty="0"/>
+              <a:t> </a:t>
+            </a:r>
+            <a:r>
+              <a:rPr lang="it-IT" sz="1600" dirty="0" err="1"/>
+              <a:t>map</a:t>
+            </a:r>
+            <a:r>
+              <a:rPr lang="it-IT" sz="1600" dirty="0"/>
+              <a:t>, moltiplicato per la maschera manuale (ground truth)</a:t>
+            </a:r>
           </a:p>
         </p:txBody>
       </p:sp>
       <p:pic>
         <p:nvPicPr>
-          <p:cNvPr id="12" name="Immagine 11">
-            <a:extLst>
-              <a:ext uri="{FF2B5EF4-FFF2-40B4-BE49-F238E27FC236}">
-                <a16:creationId xmlns:a16="http://schemas.microsoft.com/office/drawing/2014/main" id="{8CCCF590-C321-60FE-9306-B6C95AFB96A7}"/>
+          <p:cNvPr id="8" name="Immagine 7">
+            <a:extLst>
+              <a:ext uri="{FF2B5EF4-FFF2-40B4-BE49-F238E27FC236}">
+                <a16:creationId xmlns:a16="http://schemas.microsoft.com/office/drawing/2014/main" id="{3BD7010F-0F6F-727E-46F8-AE17F3F1B272}"/>
               </a:ext>
             </a:extLst>
           </p:cNvPr>
@@ -17558,331 +19084,52 @@
         </p:nvPicPr>
         <p:blipFill rotWithShape="1">
           <a:blip r:embed="rId4"/>
-          <a:srcRect l="50177" t="7100" r="29884" b="6107"/>
+          <a:srcRect l="30554" t="11133" r="48968" b="52669"/>
           <a:stretch/>
         </p:blipFill>
         <p:spPr>
           <a:xfrm>
-            <a:off x="7636800" y="282834"/>
-            <a:ext cx="4325043" cy="6267256"/>
+            <a:off x="7543864" y="913999"/>
+            <a:ext cx="4371328" cy="4075971"/>
           </a:xfrm>
           <a:prstGeom prst="rect">
             <a:avLst/>
           </a:prstGeom>
         </p:spPr>
       </p:pic>
-      <p:sp>
-        <p:nvSpPr>
-          <p:cNvPr id="9" name="Segnaposto testo 6">
-            <a:extLst>
-              <a:ext uri="{FF2B5EF4-FFF2-40B4-BE49-F238E27FC236}">
-                <a16:creationId xmlns:a16="http://schemas.microsoft.com/office/drawing/2014/main" id="{AB62169F-DB88-6717-BAD7-EC5C7E7A8E27}"/>
-              </a:ext>
-            </a:extLst>
-          </p:cNvPr>
-          <p:cNvSpPr txBox="1">
-            <a:spLocks/>
-          </p:cNvSpPr>
+      <p:pic>
+        <p:nvPicPr>
+          <p:cNvPr id="7" name="Immagine 6">
+            <a:extLst>
+              <a:ext uri="{FF2B5EF4-FFF2-40B4-BE49-F238E27FC236}">
+                <a16:creationId xmlns:a16="http://schemas.microsoft.com/office/drawing/2014/main" id="{55A02B54-6656-CD92-1A14-78390AECBF71}"/>
+              </a:ext>
+            </a:extLst>
+          </p:cNvPr>
+          <p:cNvPicPr>
+            <a:picLocks noChangeAspect="1"/>
+          </p:cNvPicPr>
           <p:nvPr/>
-        </p:nvSpPr>
-        <p:spPr>
-          <a:xfrm>
-            <a:off x="765202" y="1244204"/>
-            <a:ext cx="6405530" cy="4007376"/>
+        </p:nvPicPr>
+        <p:blipFill rotWithShape="1">
+          <a:blip r:embed="rId5"/>
+          <a:srcRect r="56758" b="51723"/>
+          <a:stretch/>
+        </p:blipFill>
+        <p:spPr>
+          <a:xfrm>
+            <a:off x="2613804" y="4631057"/>
+            <a:ext cx="3601700" cy="1505387"/>
           </a:xfrm>
           <a:prstGeom prst="rect">
             <a:avLst/>
           </a:prstGeom>
         </p:spPr>
-        <p:txBody>
-          <a:bodyPr vert="horz" lIns="0" tIns="0" rIns="0" bIns="0" rtlCol="0" anchor="t">
-            <a:noAutofit/>
-          </a:bodyPr>
-          <a:lstStyle>
-            <a:defPPr>
-              <a:defRPr lang="it-IT"/>
-            </a:defPPr>
-            <a:lvl1pPr marL="0" indent="0" algn="l" defTabSz="914400" rtl="0" eaLnBrk="1" latinLnBrk="0" hangingPunct="1">
-              <a:lnSpc>
-                <a:spcPts val="1580"/>
-              </a:lnSpc>
-              <a:spcBef>
-                <a:spcPts val="0"/>
-              </a:spcBef>
-              <a:buFont typeface="Arial" panose="020B0604020202020204" pitchFamily="34" charset="0"/>
-              <a:buNone/>
-              <a:defRPr lang="it-IT" sz="1400" b="0" i="0" kern="1200" baseline="0">
-                <a:solidFill>
-                  <a:schemeClr val="tx1"/>
-                </a:solidFill>
-                <a:latin typeface="+mn-lt"/>
-                <a:ea typeface="+mn-ea"/>
-                <a:cs typeface="+mn-cs"/>
-              </a:defRPr>
-            </a:lvl1pPr>
-            <a:lvl2pPr marL="685800" indent="-228600" algn="l" defTabSz="914400" rtl="0" eaLnBrk="1" latinLnBrk="0" hangingPunct="1">
-              <a:lnSpc>
-                <a:spcPct val="90000"/>
-              </a:lnSpc>
-              <a:spcBef>
-                <a:spcPts val="500"/>
-              </a:spcBef>
-              <a:buFont typeface="Arial" panose="020B0604020202020204" pitchFamily="34" charset="0"/>
-              <a:buChar char="•"/>
-              <a:defRPr lang="it-IT" sz="2000" b="0" i="0" kern="1200" baseline="0">
-                <a:solidFill>
-                  <a:schemeClr val="tx1"/>
-                </a:solidFill>
-                <a:latin typeface="+mn-lt"/>
-                <a:ea typeface="+mn-ea"/>
-                <a:cs typeface="+mn-cs"/>
-              </a:defRPr>
-            </a:lvl2pPr>
-            <a:lvl3pPr marL="1143000" indent="-228600" algn="l" defTabSz="914400" rtl="0" eaLnBrk="1" latinLnBrk="0" hangingPunct="1">
-              <a:lnSpc>
-                <a:spcPct val="90000"/>
-              </a:lnSpc>
-              <a:spcBef>
-                <a:spcPts val="500"/>
-              </a:spcBef>
-              <a:buFont typeface="Arial" panose="020B0604020202020204" pitchFamily="34" charset="0"/>
-              <a:buChar char="•"/>
-              <a:defRPr lang="it-IT" sz="1800" b="0" i="0" kern="1200" baseline="0">
-                <a:solidFill>
-                  <a:schemeClr val="tx1"/>
-                </a:solidFill>
-                <a:latin typeface="+mn-lt"/>
-                <a:ea typeface="+mn-ea"/>
-                <a:cs typeface="+mn-cs"/>
-              </a:defRPr>
-            </a:lvl3pPr>
-            <a:lvl4pPr marL="1600200" indent="-228600" algn="l" defTabSz="914400" rtl="0" eaLnBrk="1" latinLnBrk="0" hangingPunct="1">
-              <a:lnSpc>
-                <a:spcPct val="90000"/>
-              </a:lnSpc>
-              <a:spcBef>
-                <a:spcPts val="500"/>
-              </a:spcBef>
-              <a:buFont typeface="Arial" panose="020B0604020202020204" pitchFamily="34" charset="0"/>
-              <a:buChar char="•"/>
-              <a:defRPr lang="it-IT" sz="1600" b="0" i="0" kern="1200" baseline="0">
-                <a:solidFill>
-                  <a:schemeClr val="tx1"/>
-                </a:solidFill>
-                <a:latin typeface="+mn-lt"/>
-                <a:ea typeface="+mn-ea"/>
-                <a:cs typeface="+mn-cs"/>
-              </a:defRPr>
-            </a:lvl4pPr>
-            <a:lvl5pPr marL="2057400" indent="-228600" algn="l" defTabSz="914400" rtl="0" eaLnBrk="1" latinLnBrk="0" hangingPunct="1">
-              <a:lnSpc>
-                <a:spcPct val="90000"/>
-              </a:lnSpc>
-              <a:spcBef>
-                <a:spcPts val="500"/>
-              </a:spcBef>
-              <a:buFont typeface="Arial" panose="020B0604020202020204" pitchFamily="34" charset="0"/>
-              <a:buChar char="•"/>
-              <a:defRPr lang="it-IT" sz="1400" b="0" i="0" kern="1200" baseline="0">
-                <a:solidFill>
-                  <a:schemeClr val="tx1"/>
-                </a:solidFill>
-                <a:latin typeface="+mn-lt"/>
-                <a:ea typeface="+mn-ea"/>
-                <a:cs typeface="+mn-cs"/>
-              </a:defRPr>
-            </a:lvl5pPr>
-            <a:lvl6pPr marL="2514600" indent="-228600" algn="l" defTabSz="914400" rtl="0" eaLnBrk="1" latinLnBrk="0" hangingPunct="1">
-              <a:lnSpc>
-                <a:spcPct val="90000"/>
-              </a:lnSpc>
-              <a:spcBef>
-                <a:spcPts val="500"/>
-              </a:spcBef>
-              <a:buFont typeface="Arial" panose="020B0604020202020204" pitchFamily="34" charset="0"/>
-              <a:buChar char="•"/>
-              <a:defRPr lang="it-IT" sz="1800" kern="1200">
-                <a:solidFill>
-                  <a:schemeClr val="tx1"/>
-                </a:solidFill>
-                <a:latin typeface="+mn-lt"/>
-                <a:ea typeface="+mn-ea"/>
-                <a:cs typeface="+mn-cs"/>
-              </a:defRPr>
-            </a:lvl6pPr>
-            <a:lvl7pPr marL="2971800" indent="-228600" algn="l" defTabSz="914400" rtl="0" eaLnBrk="1" latinLnBrk="0" hangingPunct="1">
-              <a:lnSpc>
-                <a:spcPct val="90000"/>
-              </a:lnSpc>
-              <a:spcBef>
-                <a:spcPts val="500"/>
-              </a:spcBef>
-              <a:buFont typeface="Arial" panose="020B0604020202020204" pitchFamily="34" charset="0"/>
-              <a:buChar char="•"/>
-              <a:defRPr lang="it-IT" sz="1800" kern="1200">
-                <a:solidFill>
-                  <a:schemeClr val="tx1"/>
-                </a:solidFill>
-                <a:latin typeface="+mn-lt"/>
-                <a:ea typeface="+mn-ea"/>
-                <a:cs typeface="+mn-cs"/>
-              </a:defRPr>
-            </a:lvl7pPr>
-            <a:lvl8pPr marL="3429000" indent="-228600" algn="l" defTabSz="914400" rtl="0" eaLnBrk="1" latinLnBrk="0" hangingPunct="1">
-              <a:lnSpc>
-                <a:spcPct val="90000"/>
-              </a:lnSpc>
-              <a:spcBef>
-                <a:spcPts val="500"/>
-              </a:spcBef>
-              <a:buFont typeface="Arial" panose="020B0604020202020204" pitchFamily="34" charset="0"/>
-              <a:buChar char="•"/>
-              <a:defRPr lang="it-IT" sz="1800" kern="1200">
-                <a:solidFill>
-                  <a:schemeClr val="tx1"/>
-                </a:solidFill>
-                <a:latin typeface="+mn-lt"/>
-                <a:ea typeface="+mn-ea"/>
-                <a:cs typeface="+mn-cs"/>
-              </a:defRPr>
-            </a:lvl8pPr>
-            <a:lvl9pPr marL="3886200" indent="-228600" algn="l" defTabSz="914400" rtl="0" eaLnBrk="1" latinLnBrk="0" hangingPunct="1">
-              <a:lnSpc>
-                <a:spcPct val="90000"/>
-              </a:lnSpc>
-              <a:spcBef>
-                <a:spcPts val="500"/>
-              </a:spcBef>
-              <a:buFont typeface="Arial" panose="020B0604020202020204" pitchFamily="34" charset="0"/>
-              <a:buChar char="•"/>
-              <a:defRPr lang="it-IT" sz="1800" kern="1200">
-                <a:solidFill>
-                  <a:schemeClr val="tx1"/>
-                </a:solidFill>
-                <a:latin typeface="+mn-lt"/>
-                <a:ea typeface="+mn-ea"/>
-                <a:cs typeface="+mn-cs"/>
-              </a:defRPr>
-            </a:lvl9pPr>
-          </a:lstStyle>
-          <a:p>
-            <a:pPr>
-              <a:lnSpc>
-                <a:spcPct val="100000"/>
-              </a:lnSpc>
-              <a:spcBef>
-                <a:spcPts val="600"/>
-              </a:spcBef>
-              <a:buSzPct val="95000"/>
-            </a:pPr>
-            <a:r>
-              <a:rPr lang="it-IT" sz="1600" dirty="0"/>
-              <a:t>Idealmente, i punti di questo </a:t>
-            </a:r>
-            <a:r>
-              <a:rPr lang="it-IT" sz="1600" dirty="0" err="1"/>
-              <a:t>scatterplot</a:t>
-            </a:r>
-            <a:r>
-              <a:rPr lang="it-IT" sz="1600" dirty="0"/>
-              <a:t> dovrebbero concentrarsi nell’angolo in basso a destra: il dice medio ideale è 1, la standard </a:t>
-            </a:r>
-            <a:r>
-              <a:rPr lang="it-IT" sz="1600" dirty="0" err="1"/>
-              <a:t>deviation</a:t>
-            </a:r>
-            <a:r>
-              <a:rPr lang="it-IT" sz="1600" dirty="0"/>
-              <a:t> ideale dei dice della matrice dei dice è 0.</a:t>
-            </a:r>
-          </a:p>
-          <a:p>
-            <a:pPr>
-              <a:lnSpc>
-                <a:spcPct val="100000"/>
-              </a:lnSpc>
-              <a:spcBef>
-                <a:spcPts val="600"/>
-              </a:spcBef>
-              <a:buSzPct val="95000"/>
-            </a:pPr>
-            <a:r>
-              <a:rPr lang="it-IT" sz="1600" dirty="0"/>
-              <a:t>A livello di dice medio il discorso è lo stesso delle slide precedenti, e questo spiega perché c’è diffusione sull’asse delle ascisse.</a:t>
-            </a:r>
-          </a:p>
-          <a:p>
-            <a:pPr>
-              <a:lnSpc>
-                <a:spcPct val="100000"/>
-              </a:lnSpc>
-              <a:spcBef>
-                <a:spcPts val="600"/>
-              </a:spcBef>
-              <a:buSzPct val="95000"/>
-            </a:pPr>
-            <a:r>
-              <a:rPr lang="it-IT" sz="1600" dirty="0"/>
-              <a:t>A livello di standard </a:t>
-            </a:r>
-            <a:r>
-              <a:rPr lang="it-IT" sz="1600" dirty="0" err="1"/>
-              <a:t>deviation</a:t>
-            </a:r>
-            <a:r>
-              <a:rPr lang="it-IT" sz="1600" dirty="0"/>
-              <a:t> dei dice, sembrerebbe poter esserci una tendenza ad avere valori più bassi quando i valori di dice aumentano: è il comportamento che ci si aspetterebbe, e sembrerebbe che questo comportamento sia più accentuato del comportamento delle metriche precedenti; in ogni caso, il campione di 50 immagini potrebbe essere non abbastanza elevato per trarre conclusioni certe.</a:t>
-            </a:r>
-          </a:p>
-          <a:p>
-            <a:pPr>
-              <a:lnSpc>
-                <a:spcPct val="100000"/>
-              </a:lnSpc>
-              <a:spcBef>
-                <a:spcPts val="600"/>
-              </a:spcBef>
-              <a:buSzPct val="95000"/>
-            </a:pPr>
-            <a:r>
-              <a:rPr lang="it-IT" sz="1600" dirty="0"/>
-              <a:t>È importante ricordare che la standard </a:t>
-            </a:r>
-            <a:r>
-              <a:rPr lang="it-IT" sz="1600" dirty="0" err="1"/>
-              <a:t>deviation</a:t>
-            </a:r>
-            <a:r>
-              <a:rPr lang="it-IT" sz="1600" dirty="0"/>
-              <a:t> della matrice dei dice è l’unica delle tre metriche a </a:t>
-            </a:r>
-            <a:r>
-              <a:rPr lang="it-IT" sz="1600" b="1" dirty="0"/>
-              <a:t>NON dipendere dal ground truth</a:t>
-            </a:r>
-            <a:r>
-              <a:rPr lang="it-IT" sz="1600" dirty="0"/>
-              <a:t>.</a:t>
-            </a:r>
-          </a:p>
-          <a:p>
-            <a:pPr>
-              <a:lnSpc>
-                <a:spcPct val="100000"/>
-              </a:lnSpc>
-              <a:spcBef>
-                <a:spcPts val="600"/>
-              </a:spcBef>
-              <a:buSzPct val="95000"/>
-            </a:pPr>
-            <a:endParaRPr lang="it-IT" sz="1600" dirty="0"/>
-          </a:p>
-        </p:txBody>
-      </p:sp>
+      </p:pic>
     </p:spTree>
     <p:extLst>
       <p:ext uri="{BB962C8B-B14F-4D97-AF65-F5344CB8AC3E}">
-        <p14:creationId xmlns:p14="http://schemas.microsoft.com/office/powerpoint/2010/main" val="373978098"/>
+        <p14:creationId xmlns:p14="http://schemas.microsoft.com/office/powerpoint/2010/main" val="37038489"/>
       </p:ext>
     </p:extLst>
   </p:cSld>
@@ -17892,7 +19139,7 @@
 </p:sld>
 </file>
 
-<file path=ppt/slides/slide16.xml><?xml version="1.0" encoding="utf-8"?>
+<file path=ppt/slides/slide4.xml><?xml version="1.0" encoding="utf-8"?>
 <p:sld xmlns:a="http://schemas.openxmlformats.org/drawingml/2006/main" xmlns:r="http://schemas.openxmlformats.org/officeDocument/2006/relationships" xmlns:p="http://schemas.openxmlformats.org/presentationml/2006/main">
   <p:cSld>
     <p:spTree>
@@ -18155,7 +19402,7 @@
             <a:fld id="{75DF2D63-3FF5-D547-96B9-BE9CCD1ABA58}" type="slidenum">
               <a:rPr lang="it-IT" smtClean="0"/>
               <a:pPr rtl="0"/>
-              <a:t>16</a:t>
+              <a:t>4</a:t>
             </a:fld>
             <a:endParaRPr lang="it-IT"/>
           </a:p>
@@ -18179,12 +19426,12 @@
         </p:nvSpPr>
         <p:spPr>
           <a:xfrm>
-            <a:off x="885999" y="571557"/>
-            <a:ext cx="7334270" cy="444046"/>
-          </a:xfrm>
-        </p:spPr>
-        <p:txBody>
-          <a:bodyPr rtlCol="0" anchor="t"/>
+            <a:off x="1563937" y="427374"/>
+            <a:ext cx="10313932" cy="393317"/>
+          </a:xfrm>
+        </p:spPr>
+        <p:txBody>
+          <a:bodyPr rtlCol="0"/>
           <a:lstStyle>
             <a:defPPr>
               <a:defRPr lang="it-IT"/>
@@ -18194,9 +19441,16 @@
             <a:pPr rtl="0"/>
             <a:r>
               <a:rPr lang="it-IT" sz="2000" b="1" spc="0" dirty="0"/>
-              <a:t>Analisi preliminare delle metriche</a:t>
-            </a:r>
-            <a:endParaRPr lang="it-IT" sz="2000" spc="0" dirty="0"/>
+              <a:t>Metrica basata </a:t>
+            </a:r>
+            <a:r>
+              <a:rPr lang="it-IT" sz="2000" b="1" spc="0" dirty="0" err="1"/>
+              <a:t>sulL’ENTROPIA</a:t>
+            </a:r>
+            <a:r>
+              <a:rPr lang="it-IT" sz="2000" b="1" spc="0" dirty="0"/>
+              <a:t> - ENTROPY</a:t>
+            </a:r>
           </a:p>
         </p:txBody>
       </p:sp>
@@ -18404,266 +19658,212 @@
               </a:spcBef>
               <a:buSzPct val="95000"/>
             </a:pPr>
+            <a:r>
+              <a:rPr lang="it-IT" sz="1600" dirty="0"/>
+              <a:t>Per calcolare questa metrica, sono stati svolti i seguenti passaggi preliminari:</a:t>
+            </a:r>
             <a:endParaRPr lang="it-IT" sz="2200" dirty="0"/>
           </a:p>
-        </p:txBody>
-      </p:sp>
-      <p:sp>
-        <p:nvSpPr>
-          <p:cNvPr id="9" name="Segnaposto testo 6">
-            <a:extLst>
-              <a:ext uri="{FF2B5EF4-FFF2-40B4-BE49-F238E27FC236}">
-                <a16:creationId xmlns:a16="http://schemas.microsoft.com/office/drawing/2014/main" id="{AB62169F-DB88-6717-BAD7-EC5C7E7A8E27}"/>
-              </a:ext>
-            </a:extLst>
-          </p:cNvPr>
-          <p:cNvSpPr txBox="1">
-            <a:spLocks/>
-          </p:cNvSpPr>
-          <p:nvPr/>
-        </p:nvSpPr>
-        <p:spPr>
-          <a:xfrm>
-            <a:off x="765201" y="914400"/>
-            <a:ext cx="11244876" cy="4337180"/>
-          </a:xfrm>
-          <a:prstGeom prst="rect">
-            <a:avLst/>
-          </a:prstGeom>
-        </p:spPr>
-        <p:txBody>
-          <a:bodyPr vert="horz" lIns="0" tIns="0" rIns="0" bIns="0" rtlCol="0" anchor="t">
-            <a:noAutofit/>
-          </a:bodyPr>
-          <a:lstStyle>
-            <a:defPPr>
-              <a:defRPr lang="it-IT"/>
-            </a:defPPr>
-            <a:lvl1pPr marL="0" indent="0" algn="l" defTabSz="914400" rtl="0" eaLnBrk="1" latinLnBrk="0" hangingPunct="1">
-              <a:lnSpc>
-                <a:spcPts val="1580"/>
-              </a:lnSpc>
-              <a:spcBef>
-                <a:spcPts val="0"/>
-              </a:spcBef>
-              <a:buFont typeface="Arial" panose="020B0604020202020204" pitchFamily="34" charset="0"/>
-              <a:buNone/>
-              <a:defRPr lang="it-IT" sz="1400" b="0" i="0" kern="1200" baseline="0">
-                <a:solidFill>
-                  <a:schemeClr val="tx1"/>
-                </a:solidFill>
-                <a:latin typeface="+mn-lt"/>
-                <a:ea typeface="+mn-ea"/>
-                <a:cs typeface="+mn-cs"/>
-              </a:defRPr>
-            </a:lvl1pPr>
-            <a:lvl2pPr marL="685800" indent="-228600" algn="l" defTabSz="914400" rtl="0" eaLnBrk="1" latinLnBrk="0" hangingPunct="1">
-              <a:lnSpc>
-                <a:spcPct val="90000"/>
-              </a:lnSpc>
-              <a:spcBef>
-                <a:spcPts val="500"/>
-              </a:spcBef>
+          <a:p>
+            <a:pPr marL="285750" indent="-285750">
+              <a:lnSpc>
+                <a:spcPct val="100000"/>
+              </a:lnSpc>
+              <a:spcBef>
+                <a:spcPts val="600"/>
+              </a:spcBef>
+              <a:buSzPct val="95000"/>
               <a:buFont typeface="Arial" panose="020B0604020202020204" pitchFamily="34" charset="0"/>
               <a:buChar char="•"/>
-              <a:defRPr lang="it-IT" sz="2000" b="0" i="0" kern="1200" baseline="0">
-                <a:solidFill>
-                  <a:schemeClr val="tx1"/>
-                </a:solidFill>
-                <a:latin typeface="+mn-lt"/>
-                <a:ea typeface="+mn-ea"/>
-                <a:cs typeface="+mn-cs"/>
-              </a:defRPr>
-            </a:lvl2pPr>
-            <a:lvl3pPr marL="1143000" indent="-228600" algn="l" defTabSz="914400" rtl="0" eaLnBrk="1" latinLnBrk="0" hangingPunct="1">
-              <a:lnSpc>
-                <a:spcPct val="90000"/>
-              </a:lnSpc>
-              <a:spcBef>
-                <a:spcPts val="500"/>
-              </a:spcBef>
+            </a:pPr>
+            <a:r>
+              <a:rPr lang="it-IT" sz="1600" dirty="0"/>
+              <a:t>Creazione di una matrice quadridimensionale in cui salvare i dati delle 20 </a:t>
+            </a:r>
+            <a:r>
+              <a:rPr lang="it-IT" sz="1600" dirty="0" err="1"/>
+              <a:t>softmax</a:t>
+            </a:r>
+            <a:r>
+              <a:rPr lang="it-IT" sz="1600" dirty="0"/>
+              <a:t> generate dalle 20 </a:t>
+            </a:r>
+            <a:r>
+              <a:rPr lang="it-IT" sz="1600" dirty="0" err="1"/>
+              <a:t>inference</a:t>
+            </a:r>
+            <a:r>
+              <a:rPr lang="it-IT" sz="1600" dirty="0"/>
+              <a:t> </a:t>
+            </a:r>
+            <a:r>
+              <a:rPr lang="it-IT" sz="1600" dirty="0" err="1"/>
+              <a:t>MonteCarlo</a:t>
+            </a:r>
+            <a:r>
+              <a:rPr lang="it-IT" sz="1600" dirty="0"/>
+              <a:t> sulla stessa immagine di partenza (denominata </a:t>
+            </a:r>
+            <a:r>
+              <a:rPr lang="it-IT" sz="1600" i="1" dirty="0" err="1"/>
+              <a:t>softmax_matrix</a:t>
+            </a:r>
+            <a:r>
+              <a:rPr lang="it-IT" sz="1600" dirty="0"/>
+              <a:t>)</a:t>
+            </a:r>
+          </a:p>
+          <a:p>
+            <a:pPr marL="285750" indent="-285750">
+              <a:lnSpc>
+                <a:spcPct val="100000"/>
+              </a:lnSpc>
+              <a:spcBef>
+                <a:spcPts val="600"/>
+              </a:spcBef>
+              <a:buSzPct val="95000"/>
               <a:buFont typeface="Arial" panose="020B0604020202020204" pitchFamily="34" charset="0"/>
               <a:buChar char="•"/>
-              <a:defRPr lang="it-IT" sz="1800" b="0" i="0" kern="1200" baseline="0">
-                <a:solidFill>
-                  <a:schemeClr val="tx1"/>
-                </a:solidFill>
-                <a:latin typeface="+mn-lt"/>
-                <a:ea typeface="+mn-ea"/>
-                <a:cs typeface="+mn-cs"/>
-              </a:defRPr>
-            </a:lvl3pPr>
-            <a:lvl4pPr marL="1600200" indent="-228600" algn="l" defTabSz="914400" rtl="0" eaLnBrk="1" latinLnBrk="0" hangingPunct="1">
-              <a:lnSpc>
-                <a:spcPct val="90000"/>
-              </a:lnSpc>
-              <a:spcBef>
-                <a:spcPts val="500"/>
-              </a:spcBef>
+            </a:pPr>
+            <a:r>
+              <a:rPr lang="it-IT" sz="1600" dirty="0"/>
+              <a:t>Alla matrice, per la classe selezionata (in questo caso: 1), viene applicata una funzione (in basso in questa slide) che crea una </a:t>
+            </a:r>
+            <a:r>
+              <a:rPr lang="it-IT" sz="1600" i="1" dirty="0" err="1"/>
+              <a:t>entropy</a:t>
+            </a:r>
+            <a:r>
+              <a:rPr lang="it-IT" sz="1600" i="1" dirty="0"/>
+              <a:t> </a:t>
+            </a:r>
+            <a:r>
+              <a:rPr lang="it-IT" sz="1600" i="1" dirty="0" err="1"/>
+              <a:t>map</a:t>
+            </a:r>
+            <a:r>
+              <a:rPr lang="it-IT" sz="1600" i="1" dirty="0"/>
+              <a:t> </a:t>
+            </a:r>
+            <a:r>
+              <a:rPr lang="it-IT" sz="1600" dirty="0"/>
+              <a:t>bidimensionale,</a:t>
+            </a:r>
+            <a:r>
+              <a:rPr lang="it-IT" sz="1600" i="1" dirty="0"/>
+              <a:t> </a:t>
+            </a:r>
+            <a:r>
+              <a:rPr lang="it-IT" sz="1600" dirty="0"/>
+              <a:t>della quale ogni punto </a:t>
+            </a:r>
+            <a:r>
+              <a:rPr lang="it-IT" sz="1600" dirty="0" err="1"/>
+              <a:t>i,j</a:t>
+            </a:r>
+            <a:r>
+              <a:rPr lang="it-IT" sz="1600" dirty="0"/>
+              <a:t> è l’entropia del valore dei 20 corrispondenti punti </a:t>
+            </a:r>
+            <a:r>
+              <a:rPr lang="it-IT" sz="1600" dirty="0" err="1"/>
+              <a:t>i,j</a:t>
+            </a:r>
+            <a:r>
+              <a:rPr lang="it-IT" sz="1600" dirty="0"/>
+              <a:t> delle 20 </a:t>
+            </a:r>
+            <a:r>
+              <a:rPr lang="it-IT" sz="1600" dirty="0" err="1"/>
+              <a:t>softmax</a:t>
+            </a:r>
+            <a:r>
+              <a:rPr lang="it-IT" sz="1600" dirty="0"/>
+              <a:t>. L’entropia implementata è l’entropia di </a:t>
+            </a:r>
+            <a:r>
+              <a:rPr lang="it-IT" sz="1600" i="1" dirty="0"/>
+              <a:t>Shannon</a:t>
+            </a:r>
+            <a:r>
+              <a:rPr lang="it-IT" sz="1600" dirty="0"/>
+              <a:t>.</a:t>
+            </a:r>
+          </a:p>
+          <a:p>
+            <a:pPr marL="285750" indent="-285750">
+              <a:lnSpc>
+                <a:spcPct val="100000"/>
+              </a:lnSpc>
+              <a:spcBef>
+                <a:spcPts val="600"/>
+              </a:spcBef>
+              <a:buSzPct val="95000"/>
               <a:buFont typeface="Arial" panose="020B0604020202020204" pitchFamily="34" charset="0"/>
               <a:buChar char="•"/>
-              <a:defRPr lang="it-IT" sz="1600" b="0" i="0" kern="1200" baseline="0">
-                <a:solidFill>
-                  <a:schemeClr val="tx1"/>
-                </a:solidFill>
-                <a:latin typeface="+mn-lt"/>
-                <a:ea typeface="+mn-ea"/>
-                <a:cs typeface="+mn-cs"/>
-              </a:defRPr>
-            </a:lvl4pPr>
-            <a:lvl5pPr marL="2057400" indent="-228600" algn="l" defTabSz="914400" rtl="0" eaLnBrk="1" latinLnBrk="0" hangingPunct="1">
-              <a:lnSpc>
-                <a:spcPct val="90000"/>
-              </a:lnSpc>
-              <a:spcBef>
-                <a:spcPts val="500"/>
-              </a:spcBef>
+            </a:pPr>
+            <a:r>
+              <a:rPr lang="it-IT" sz="1600" dirty="0"/>
+              <a:t>Il risultato della </a:t>
+            </a:r>
+            <a:r>
+              <a:rPr lang="it-IT" sz="1600" dirty="0" err="1"/>
+              <a:t>entropy</a:t>
+            </a:r>
+            <a:r>
+              <a:rPr lang="it-IT" sz="1600" dirty="0"/>
+              <a:t> </a:t>
+            </a:r>
+            <a:r>
+              <a:rPr lang="it-IT" sz="1600" dirty="0" err="1"/>
+              <a:t>map</a:t>
+            </a:r>
+            <a:r>
+              <a:rPr lang="it-IT" sz="1600" dirty="0"/>
+              <a:t> è una mappa di entropia, come ad esempio l’immagine a destra</a:t>
+            </a:r>
+          </a:p>
+          <a:p>
+            <a:pPr marL="285750" indent="-285750">
+              <a:lnSpc>
+                <a:spcPct val="100000"/>
+              </a:lnSpc>
+              <a:spcBef>
+                <a:spcPts val="600"/>
+              </a:spcBef>
+              <a:buSzPct val="95000"/>
               <a:buFont typeface="Arial" panose="020B0604020202020204" pitchFamily="34" charset="0"/>
               <a:buChar char="•"/>
-              <a:defRPr lang="it-IT" sz="1400" b="0" i="0" kern="1200" baseline="0">
-                <a:solidFill>
-                  <a:schemeClr val="tx1"/>
-                </a:solidFill>
-                <a:latin typeface="+mn-lt"/>
-                <a:ea typeface="+mn-ea"/>
-                <a:cs typeface="+mn-cs"/>
-              </a:defRPr>
-            </a:lvl5pPr>
-            <a:lvl6pPr marL="2514600" indent="-228600" algn="l" defTabSz="914400" rtl="0" eaLnBrk="1" latinLnBrk="0" hangingPunct="1">
-              <a:lnSpc>
-                <a:spcPct val="90000"/>
-              </a:lnSpc>
-              <a:spcBef>
-                <a:spcPts val="500"/>
-              </a:spcBef>
-              <a:buFont typeface="Arial" panose="020B0604020202020204" pitchFamily="34" charset="0"/>
-              <a:buChar char="•"/>
-              <a:defRPr lang="it-IT" sz="1800" kern="1200">
-                <a:solidFill>
-                  <a:schemeClr val="tx1"/>
-                </a:solidFill>
-                <a:latin typeface="+mn-lt"/>
-                <a:ea typeface="+mn-ea"/>
-                <a:cs typeface="+mn-cs"/>
-              </a:defRPr>
-            </a:lvl6pPr>
-            <a:lvl7pPr marL="2971800" indent="-228600" algn="l" defTabSz="914400" rtl="0" eaLnBrk="1" latinLnBrk="0" hangingPunct="1">
-              <a:lnSpc>
-                <a:spcPct val="90000"/>
-              </a:lnSpc>
-              <a:spcBef>
-                <a:spcPts val="500"/>
-              </a:spcBef>
-              <a:buFont typeface="Arial" panose="020B0604020202020204" pitchFamily="34" charset="0"/>
-              <a:buChar char="•"/>
-              <a:defRPr lang="it-IT" sz="1800" kern="1200">
-                <a:solidFill>
-                  <a:schemeClr val="tx1"/>
-                </a:solidFill>
-                <a:latin typeface="+mn-lt"/>
-                <a:ea typeface="+mn-ea"/>
-                <a:cs typeface="+mn-cs"/>
-              </a:defRPr>
-            </a:lvl7pPr>
-            <a:lvl8pPr marL="3429000" indent="-228600" algn="l" defTabSz="914400" rtl="0" eaLnBrk="1" latinLnBrk="0" hangingPunct="1">
-              <a:lnSpc>
-                <a:spcPct val="90000"/>
-              </a:lnSpc>
-              <a:spcBef>
-                <a:spcPts val="500"/>
-              </a:spcBef>
-              <a:buFont typeface="Arial" panose="020B0604020202020204" pitchFamily="34" charset="0"/>
-              <a:buChar char="•"/>
-              <a:defRPr lang="it-IT" sz="1800" kern="1200">
-                <a:solidFill>
-                  <a:schemeClr val="tx1"/>
-                </a:solidFill>
-                <a:latin typeface="+mn-lt"/>
-                <a:ea typeface="+mn-ea"/>
-                <a:cs typeface="+mn-cs"/>
-              </a:defRPr>
-            </a:lvl8pPr>
-            <a:lvl9pPr marL="3886200" indent="-228600" algn="l" defTabSz="914400" rtl="0" eaLnBrk="1" latinLnBrk="0" hangingPunct="1">
-              <a:lnSpc>
-                <a:spcPct val="90000"/>
-              </a:lnSpc>
-              <a:spcBef>
-                <a:spcPts val="500"/>
-              </a:spcBef>
-              <a:buFont typeface="Arial" panose="020B0604020202020204" pitchFamily="34" charset="0"/>
-              <a:buChar char="•"/>
-              <a:defRPr lang="it-IT" sz="1800" kern="1200">
-                <a:solidFill>
-                  <a:schemeClr val="tx1"/>
-                </a:solidFill>
-                <a:latin typeface="+mn-lt"/>
-                <a:ea typeface="+mn-ea"/>
-                <a:cs typeface="+mn-cs"/>
-              </a:defRPr>
-            </a:lvl9pPr>
-          </a:lstStyle>
-          <a:p>
-            <a:pPr>
-              <a:lnSpc>
-                <a:spcPct val="100000"/>
-              </a:lnSpc>
-              <a:spcBef>
-                <a:spcPts val="600"/>
-              </a:spcBef>
-              <a:buSzPct val="95000"/>
             </a:pPr>
             <a:r>
               <a:rPr lang="it-IT" sz="1600" dirty="0"/>
-              <a:t>I tre </a:t>
+              <a:t>Il valore associato ad ogni immagine del test set sarà la somma dei valori della </a:t>
             </a:r>
             <a:r>
               <a:rPr lang="it-IT" sz="1600" dirty="0" err="1"/>
-              <a:t>scatterplot</a:t>
+              <a:t>entropy</a:t>
             </a:r>
             <a:r>
               <a:rPr lang="it-IT" sz="1600" dirty="0"/>
-              <a:t> di cui sotto illustrano le relazioni tra le metriche fin qui proposte.</a:t>
-            </a:r>
-          </a:p>
-          <a:p>
-            <a:pPr>
-              <a:lnSpc>
-                <a:spcPct val="100000"/>
-              </a:lnSpc>
-              <a:spcBef>
-                <a:spcPts val="600"/>
-              </a:spcBef>
-              <a:buSzPct val="95000"/>
-            </a:pPr>
+              <a:t> </a:t>
+            </a:r>
+            <a:r>
+              <a:rPr lang="it-IT" sz="1600" dirty="0" err="1"/>
+              <a:t>map</a:t>
+            </a:r>
             <a:r>
               <a:rPr lang="it-IT" sz="1600" dirty="0"/>
-              <a:t>Sembrerebbe esserci una possibile correlazione tra </a:t>
-            </a:r>
-            <a:r>
-              <a:rPr lang="it-IT" sz="1600" dirty="0" err="1"/>
-              <a:t>std</a:t>
-            </a:r>
-            <a:r>
-              <a:rPr lang="it-IT" sz="1600" dirty="0"/>
-              <a:t> e entropia, mentre per la metrica basata sulla dice </a:t>
-            </a:r>
-            <a:r>
-              <a:rPr lang="it-IT" sz="1600" dirty="0" err="1"/>
-              <a:t>matrix</a:t>
-            </a:r>
-            <a:r>
-              <a:rPr lang="it-IT" sz="1600" dirty="0"/>
-              <a:t> sembrerebbe essere meno correlata alle altre due.</a:t>
+              <a:t>, moltiplicato per la maschera manuale (ground truth)</a:t>
             </a:r>
           </a:p>
         </p:txBody>
       </p:sp>
       <p:pic>
         <p:nvPicPr>
-          <p:cNvPr id="3" name="Immagine 2" descr="Immagine che contiene testo, diagramma, linea, schermata&#10;&#10;Descrizione generata automaticamente">
-            <a:extLst>
-              <a:ext uri="{FF2B5EF4-FFF2-40B4-BE49-F238E27FC236}">
-                <a16:creationId xmlns:a16="http://schemas.microsoft.com/office/drawing/2014/main" id="{17895F46-7E08-091B-8668-EB5E04B127B9}"/>
+          <p:cNvPr id="3" name="Immagine 2">
+            <a:extLst>
+              <a:ext uri="{FF2B5EF4-FFF2-40B4-BE49-F238E27FC236}">
+                <a16:creationId xmlns:a16="http://schemas.microsoft.com/office/drawing/2014/main" id="{148BDBE3-EFA7-5A1F-AAD7-5EEE708F3632}"/>
               </a:ext>
             </a:extLst>
           </p:cNvPr>
@@ -18674,13 +19874,42 @@
         </p:nvPicPr>
         <p:blipFill rotWithShape="1">
           <a:blip r:embed="rId4"/>
-          <a:srcRect l="10068" r="8822"/>
+          <a:srcRect t="56598"/>
           <a:stretch/>
         </p:blipFill>
         <p:spPr>
           <a:xfrm>
-            <a:off x="799203" y="1673525"/>
-            <a:ext cx="11329777" cy="5021052"/>
+            <a:off x="1138334" y="4980176"/>
+            <a:ext cx="7506748" cy="1219665"/>
+          </a:xfrm>
+          <a:prstGeom prst="rect">
+            <a:avLst/>
+          </a:prstGeom>
+        </p:spPr>
+      </p:pic>
+      <p:pic>
+        <p:nvPicPr>
+          <p:cNvPr id="2" name="Immagine 1">
+            <a:extLst>
+              <a:ext uri="{FF2B5EF4-FFF2-40B4-BE49-F238E27FC236}">
+                <a16:creationId xmlns:a16="http://schemas.microsoft.com/office/drawing/2014/main" id="{7436761C-960C-357E-07CB-A0DE33653BA6}"/>
+              </a:ext>
+            </a:extLst>
+          </p:cNvPr>
+          <p:cNvPicPr>
+            <a:picLocks noChangeAspect="1"/>
+          </p:cNvPicPr>
+          <p:nvPr/>
+        </p:nvPicPr>
+        <p:blipFill rotWithShape="1">
+          <a:blip r:embed="rId5"/>
+          <a:srcRect l="30306" t="51997" r="50000" b="9741"/>
+          <a:stretch/>
+        </p:blipFill>
+        <p:spPr>
+          <a:xfrm>
+            <a:off x="7407506" y="395900"/>
+            <a:ext cx="4470363" cy="4584276"/>
           </a:xfrm>
           <a:prstGeom prst="rect">
             <a:avLst/>
@@ -18690,7 +19919,7 @@
     </p:spTree>
     <p:extLst>
       <p:ext uri="{BB962C8B-B14F-4D97-AF65-F5344CB8AC3E}">
-        <p14:creationId xmlns:p14="http://schemas.microsoft.com/office/powerpoint/2010/main" val="1149890765"/>
+        <p14:creationId xmlns:p14="http://schemas.microsoft.com/office/powerpoint/2010/main" val="273259520"/>
       </p:ext>
     </p:extLst>
   </p:cSld>
@@ -18700,1354 +19929,7 @@
 </p:sld>
 </file>
 
-<file path=ppt/slides/slide17.xml><?xml version="1.0" encoding="utf-8"?>
-<p:sld xmlns:a="http://schemas.openxmlformats.org/drawingml/2006/main" xmlns:r="http://schemas.openxmlformats.org/officeDocument/2006/relationships" xmlns:p="http://schemas.openxmlformats.org/presentationml/2006/main">
-  <p:cSld>
-    <p:spTree>
-      <p:nvGrpSpPr>
-        <p:cNvPr id="1" name=""/>
-        <p:cNvGrpSpPr/>
-        <p:nvPr/>
-      </p:nvGrpSpPr>
-      <p:grpSpPr>
-        <a:xfrm>
-          <a:off x="0" y="0"/>
-          <a:ext cx="0" cy="0"/>
-          <a:chOff x="0" y="0"/>
-          <a:chExt cx="0" cy="0"/>
-        </a:xfrm>
-      </p:grpSpPr>
-      <p:sp>
-        <p:nvSpPr>
-          <p:cNvPr id="19" name="Rettangolo 18">
-            <a:extLst>
-              <a:ext uri="{FF2B5EF4-FFF2-40B4-BE49-F238E27FC236}">
-                <a16:creationId xmlns:a16="http://schemas.microsoft.com/office/drawing/2014/main" id="{C2A42D7A-456D-B130-10D7-636ED349C8E8}"/>
-              </a:ext>
-            </a:extLst>
-          </p:cNvPr>
-          <p:cNvSpPr/>
-          <p:nvPr/>
-        </p:nvSpPr>
-        <p:spPr>
-          <a:xfrm>
-            <a:off x="1138334" y="3380597"/>
-            <a:ext cx="10465078" cy="289249"/>
-          </a:xfrm>
-          <a:prstGeom prst="rect">
-            <a:avLst/>
-          </a:prstGeom>
-          <a:ln>
-            <a:noFill/>
-          </a:ln>
-        </p:spPr>
-        <p:style>
-          <a:lnRef idx="2">
-            <a:schemeClr val="accent6"/>
-          </a:lnRef>
-          <a:fillRef idx="1">
-            <a:schemeClr val="lt1"/>
-          </a:fillRef>
-          <a:effectRef idx="0">
-            <a:schemeClr val="accent6"/>
-          </a:effectRef>
-          <a:fontRef idx="minor">
-            <a:schemeClr val="dk1"/>
-          </a:fontRef>
-        </p:style>
-        <p:txBody>
-          <a:bodyPr rtlCol="0" anchor="ctr"/>
-          <a:lstStyle/>
-          <a:p>
-            <a:pPr algn="ctr"/>
-            <a:endParaRPr lang="it-IT" sz="3200"/>
-          </a:p>
-        </p:txBody>
-      </p:sp>
-      <p:sp>
-        <p:nvSpPr>
-          <p:cNvPr id="5" name="Segnaposto piè di pagina 4">
-            <a:extLst>
-              <a:ext uri="{FF2B5EF4-FFF2-40B4-BE49-F238E27FC236}">
-                <a16:creationId xmlns:a16="http://schemas.microsoft.com/office/drawing/2014/main" id="{F0D8A8D9-0655-E1FF-7DED-F2EC492D6EE1}"/>
-              </a:ext>
-            </a:extLst>
-          </p:cNvPr>
-          <p:cNvSpPr>
-            <a:spLocks noGrp="1"/>
-          </p:cNvSpPr>
-          <p:nvPr>
-            <p:ph type="ftr" sz="quarter" idx="11"/>
-          </p:nvPr>
-        </p:nvSpPr>
-        <p:spPr/>
-        <p:txBody>
-          <a:bodyPr rtlCol="0"/>
-          <a:lstStyle>
-            <a:defPPr>
-              <a:defRPr lang="it-IT"/>
-            </a:defPPr>
-          </a:lstStyle>
-          <a:p>
-            <a:pPr rtl="0"/>
-            <a:r>
-              <a:rPr lang="it-IT" dirty="0"/>
-              <a:t>Explainability in deep learning</a:t>
-            </a:r>
-          </a:p>
-        </p:txBody>
-      </p:sp>
-      <p:sp>
-        <p:nvSpPr>
-          <p:cNvPr id="6" name="Segnaposto testo 5">
-            <a:extLst>
-              <a:ext uri="{FF2B5EF4-FFF2-40B4-BE49-F238E27FC236}">
-                <a16:creationId xmlns:a16="http://schemas.microsoft.com/office/drawing/2014/main" id="{8A56D8AC-E390-DBD3-E5E6-5C36EE1E422A}"/>
-              </a:ext>
-            </a:extLst>
-          </p:cNvPr>
-          <p:cNvSpPr>
-            <a:spLocks noGrp="1"/>
-          </p:cNvSpPr>
-          <p:nvPr>
-            <p:ph type="body" sz="quarter" idx="16"/>
-          </p:nvPr>
-        </p:nvSpPr>
-        <p:spPr>
-          <a:xfrm>
-            <a:off x="1563937" y="427374"/>
-            <a:ext cx="2233220" cy="289249"/>
-          </a:xfrm>
-        </p:spPr>
-        <p:txBody>
-          <a:bodyPr rtlCol="0"/>
-          <a:lstStyle>
-            <a:defPPr>
-              <a:defRPr lang="it-IT"/>
-            </a:defPPr>
-          </a:lstStyle>
-          <a:p>
-            <a:pPr algn="ctr" rtl="0"/>
-            <a:r>
-              <a:rPr lang="it-IT" sz="2000" b="1" spc="0" dirty="0"/>
-              <a:t>conclusione</a:t>
-            </a:r>
-          </a:p>
-        </p:txBody>
-      </p:sp>
-      <p:sp>
-        <p:nvSpPr>
-          <p:cNvPr id="7" name="Segnaposto testo 6">
-            <a:extLst>
-              <a:ext uri="{FF2B5EF4-FFF2-40B4-BE49-F238E27FC236}">
-                <a16:creationId xmlns:a16="http://schemas.microsoft.com/office/drawing/2014/main" id="{E09179A7-F937-7895-8FC1-19E3BCFE6A3B}"/>
-              </a:ext>
-            </a:extLst>
-          </p:cNvPr>
-          <p:cNvSpPr>
-            <a:spLocks noGrp="1"/>
-          </p:cNvSpPr>
-          <p:nvPr>
-            <p:ph type="body" sz="quarter" idx="17"/>
-          </p:nvPr>
-        </p:nvSpPr>
-        <p:spPr>
-          <a:xfrm>
-            <a:off x="1688389" y="840458"/>
-            <a:ext cx="8351350" cy="5952228"/>
-          </a:xfrm>
-        </p:spPr>
-        <p:txBody>
-          <a:bodyPr rtlCol="0"/>
-          <a:lstStyle>
-            <a:defPPr>
-              <a:defRPr lang="it-IT"/>
-            </a:defPPr>
-          </a:lstStyle>
-          <a:p>
-            <a:pPr>
-              <a:lnSpc>
-                <a:spcPct val="100000"/>
-              </a:lnSpc>
-              <a:buSzPct val="95000"/>
-            </a:pPr>
-            <a:r>
-              <a:rPr lang="it-IT" sz="1400" dirty="0"/>
-              <a:t>Le tre metriche proposte sembrerebbero essere promettenti nell’esprimere l’incertezza con cui la rete segmenta le 50 immagini del test set di steatosi del fegat</a:t>
-            </a:r>
-            <a:r>
-              <a:rPr lang="it-IT" dirty="0"/>
-              <a:t>o.</a:t>
-            </a:r>
-          </a:p>
-          <a:p>
-            <a:pPr>
-              <a:lnSpc>
-                <a:spcPct val="100000"/>
-              </a:lnSpc>
-              <a:buSzPct val="95000"/>
-            </a:pPr>
-            <a:endParaRPr lang="it-IT" dirty="0"/>
-          </a:p>
-          <a:p>
-            <a:pPr>
-              <a:lnSpc>
-                <a:spcPct val="100000"/>
-              </a:lnSpc>
-              <a:buSzPct val="95000"/>
-            </a:pPr>
-            <a:r>
-              <a:rPr lang="it-IT" sz="1400" dirty="0"/>
-              <a:t>È da so</a:t>
-            </a:r>
-            <a:r>
-              <a:rPr lang="it-IT" dirty="0"/>
-              <a:t>ttolineare, nuovamente, come le metriche basate su </a:t>
-            </a:r>
-            <a:r>
-              <a:rPr lang="it-IT" dirty="0" err="1"/>
-              <a:t>std</a:t>
-            </a:r>
-            <a:r>
-              <a:rPr lang="it-IT" dirty="0"/>
-              <a:t> e </a:t>
-            </a:r>
-            <a:r>
-              <a:rPr lang="it-IT" dirty="0" err="1"/>
-              <a:t>entropy</a:t>
-            </a:r>
-            <a:r>
-              <a:rPr lang="it-IT" dirty="0"/>
-              <a:t> dipendano dal ground truth (poiché le metriche sono ricavate dalla moltiplicazione delle rispettive mappe con la maschera di segmentazione manuale fornita) mentre il metodo basato sulla matrice dei dice NON dipende dal ground truth.</a:t>
-            </a:r>
-          </a:p>
-          <a:p>
-            <a:pPr>
-              <a:lnSpc>
-                <a:spcPct val="100000"/>
-              </a:lnSpc>
-              <a:buSzPct val="95000"/>
-            </a:pPr>
-            <a:endParaRPr lang="it-IT" sz="1400" dirty="0"/>
-          </a:p>
-          <a:p>
-            <a:pPr>
-              <a:lnSpc>
-                <a:spcPct val="100000"/>
-              </a:lnSpc>
-              <a:buSzPct val="95000"/>
-            </a:pPr>
-            <a:r>
-              <a:rPr lang="it-IT" dirty="0"/>
-              <a:t>Una limitazione di queste tre metriche, però, è che in caso la rete sia molto poco incerta rispetto ad una segmentazione errata, i risultati potrebbero risultare falsati: se tutte e 20 le segmentazioni e le </a:t>
-            </a:r>
-            <a:r>
-              <a:rPr lang="it-IT" dirty="0" err="1"/>
-              <a:t>softmax</a:t>
-            </a:r>
-            <a:r>
-              <a:rPr lang="it-IT" dirty="0"/>
-              <a:t> derivanti dal metodo </a:t>
-            </a:r>
-            <a:r>
-              <a:rPr lang="it-IT" dirty="0" err="1"/>
-              <a:t>MonteCarlo</a:t>
-            </a:r>
-            <a:r>
-              <a:rPr lang="it-IT" dirty="0"/>
-              <a:t> fossero esattamente identiche, ma nessuna di queste segmentasse correttamente, il dice sarebbe 0 mentre le tre metriche darebbero il loro risultato idealmente sperato.</a:t>
-            </a:r>
-          </a:p>
-        </p:txBody>
-      </p:sp>
-      <p:cxnSp>
-        <p:nvCxnSpPr>
-          <p:cNvPr id="17" name="Connettore diritto 16">
-            <a:extLst>
-              <a:ext uri="{FF2B5EF4-FFF2-40B4-BE49-F238E27FC236}">
-                <a16:creationId xmlns:a16="http://schemas.microsoft.com/office/drawing/2014/main" id="{8488A0F8-E720-D31B-750D-634FA849B5A9}"/>
-              </a:ext>
-              <a:ext uri="{C183D7F6-B498-43B3-948B-1728B52AA6E4}">
-                <adec:decorative xmlns:adec="http://schemas.microsoft.com/office/drawing/2017/decorative" val="1"/>
-              </a:ext>
-            </a:extLst>
-          </p:cNvPr>
-          <p:cNvCxnSpPr>
-            <a:cxnSpLocks/>
-          </p:cNvCxnSpPr>
-          <p:nvPr/>
-        </p:nvCxnSpPr>
-        <p:spPr>
-          <a:xfrm>
-            <a:off x="649224" y="5172458"/>
-            <a:ext cx="0" cy="618742"/>
-          </a:xfrm>
-          <a:prstGeom prst="line">
-            <a:avLst/>
-          </a:prstGeom>
-          <a:ln w="12700">
-            <a:solidFill>
-              <a:schemeClr val="bg1"/>
-            </a:solidFill>
-          </a:ln>
-        </p:spPr>
-        <p:style>
-          <a:lnRef idx="1">
-            <a:schemeClr val="accent1"/>
-          </a:lnRef>
-          <a:fillRef idx="0">
-            <a:schemeClr val="accent1"/>
-          </a:fillRef>
-          <a:effectRef idx="0">
-            <a:schemeClr val="accent1"/>
-          </a:effectRef>
-          <a:fontRef idx="minor">
-            <a:schemeClr val="tx1"/>
-          </a:fontRef>
-        </p:style>
-      </p:cxnSp>
-      <p:sp>
-        <p:nvSpPr>
-          <p:cNvPr id="4" name="Segnaposto numero diapositiva 3">
-            <a:extLst>
-              <a:ext uri="{FF2B5EF4-FFF2-40B4-BE49-F238E27FC236}">
-                <a16:creationId xmlns:a16="http://schemas.microsoft.com/office/drawing/2014/main" id="{B63EE887-A172-F01E-98D1-8781769CBEDE}"/>
-              </a:ext>
-            </a:extLst>
-          </p:cNvPr>
-          <p:cNvSpPr>
-            <a:spLocks noGrp="1"/>
-          </p:cNvSpPr>
-          <p:nvPr>
-            <p:ph type="sldNum" sz="quarter" idx="10"/>
-          </p:nvPr>
-        </p:nvSpPr>
-        <p:spPr/>
-        <p:txBody>
-          <a:bodyPr rtlCol="0"/>
-          <a:lstStyle>
-            <a:defPPr>
-              <a:defRPr lang="it-IT"/>
-            </a:defPPr>
-          </a:lstStyle>
-          <a:p>
-            <a:pPr rtl="0"/>
-            <a:fld id="{75DF2D63-3FF5-D547-96B9-BE9CCD1ABA58}" type="slidenum">
-              <a:rPr lang="it-IT" smtClean="0"/>
-              <a:pPr rtl="0"/>
-              <a:t>17</a:t>
-            </a:fld>
-            <a:endParaRPr lang="it-IT"/>
-          </a:p>
-        </p:txBody>
-      </p:sp>
-    </p:spTree>
-    <p:extLst>
-      <p:ext uri="{BB962C8B-B14F-4D97-AF65-F5344CB8AC3E}">
-        <p14:creationId xmlns:p14="http://schemas.microsoft.com/office/powerpoint/2010/main" val="830630112"/>
-      </p:ext>
-    </p:extLst>
-  </p:cSld>
-  <p:clrMapOvr>
-    <a:masterClrMapping/>
-  </p:clrMapOvr>
-</p:sld>
-</file>
-
-<file path=ppt/slides/slide18.xml><?xml version="1.0" encoding="utf-8"?>
-<p:sld xmlns:a="http://schemas.openxmlformats.org/drawingml/2006/main" xmlns:r="http://schemas.openxmlformats.org/officeDocument/2006/relationships" xmlns:p="http://schemas.openxmlformats.org/presentationml/2006/main">
-  <p:cSld>
-    <p:spTree>
-      <p:nvGrpSpPr>
-        <p:cNvPr id="1" name=""/>
-        <p:cNvGrpSpPr/>
-        <p:nvPr/>
-      </p:nvGrpSpPr>
-      <p:grpSpPr>
-        <a:xfrm>
-          <a:off x="0" y="0"/>
-          <a:ext cx="0" cy="0"/>
-          <a:chOff x="0" y="0"/>
-          <a:chExt cx="0" cy="0"/>
-        </a:xfrm>
-      </p:grpSpPr>
-      <p:pic>
-        <p:nvPicPr>
-          <p:cNvPr id="17" name="Segnaposto immagine 16" descr="Struttura bianca del DNA">
-            <a:extLst>
-              <a:ext uri="{FF2B5EF4-FFF2-40B4-BE49-F238E27FC236}">
-                <a16:creationId xmlns:a16="http://schemas.microsoft.com/office/drawing/2014/main" id="{6D8705D1-EA1F-3113-ABE0-EC474D1F18DA}"/>
-              </a:ext>
-            </a:extLst>
-          </p:cNvPr>
-          <p:cNvPicPr>
-            <a:picLocks noGrp="1" noChangeAspect="1"/>
-          </p:cNvPicPr>
-          <p:nvPr>
-            <p:ph type="pic" sz="quarter" idx="12"/>
-          </p:nvPr>
-        </p:nvPicPr>
-        <p:blipFill rotWithShape="1">
-          <a:blip r:embed="rId3">
-            <a:alphaModFix amt="50000"/>
-            <a:extLst>
-              <a:ext uri="{28A0092B-C50C-407E-A947-70E740481C1C}">
-                <a14:useLocalDpi xmlns:a14="http://schemas.microsoft.com/office/drawing/2010/main" val="0"/>
-              </a:ext>
-            </a:extLst>
-          </a:blip>
-          <a:srcRect/>
-          <a:stretch/>
-        </p:blipFill>
-        <p:spPr/>
-      </p:pic>
-      <p:sp>
-        <p:nvSpPr>
-          <p:cNvPr id="19" name="Titolo 18">
-            <a:extLst>
-              <a:ext uri="{FF2B5EF4-FFF2-40B4-BE49-F238E27FC236}">
-                <a16:creationId xmlns:a16="http://schemas.microsoft.com/office/drawing/2014/main" id="{1130D679-D78E-1F15-EC3D-4BED6D69B35F}"/>
-              </a:ext>
-            </a:extLst>
-          </p:cNvPr>
-          <p:cNvSpPr>
-            <a:spLocks noGrp="1"/>
-          </p:cNvSpPr>
-          <p:nvPr>
-            <p:ph type="title"/>
-          </p:nvPr>
-        </p:nvSpPr>
-        <p:spPr/>
-        <p:txBody>
-          <a:bodyPr rtlCol="0"/>
-          <a:lstStyle>
-            <a:defPPr>
-              <a:defRPr lang="it-IT"/>
-            </a:defPPr>
-          </a:lstStyle>
-          <a:p>
-            <a:pPr rtl="0"/>
-            <a:r>
-              <a:rPr lang="it-IT" sz="4500" dirty="0"/>
-              <a:t>Grazie per l’attenzione </a:t>
-            </a:r>
-          </a:p>
-        </p:txBody>
-      </p:sp>
-      <p:pic>
-        <p:nvPicPr>
-          <p:cNvPr id="22" name="Segnaposto immagine 25" descr="Batteri coltivati in una piastra di Petri per un laboratorio o un'indagine scientifica.">
-            <a:extLst>
-              <a:ext uri="{FF2B5EF4-FFF2-40B4-BE49-F238E27FC236}">
-                <a16:creationId xmlns:a16="http://schemas.microsoft.com/office/drawing/2014/main" id="{862BA3D8-52E1-692C-F244-F7882DAD2287}"/>
-              </a:ext>
-            </a:extLst>
-          </p:cNvPr>
-          <p:cNvPicPr>
-            <a:picLocks noGrp="1" noChangeAspect="1"/>
-          </p:cNvPicPr>
-          <p:nvPr>
-            <p:ph type="pic" sz="quarter" idx="13"/>
-          </p:nvPr>
-        </p:nvPicPr>
-        <p:blipFill rotWithShape="1">
-          <a:blip r:embed="rId4">
-            <a:duotone>
-              <a:schemeClr val="accent1">
-                <a:shade val="45000"/>
-                <a:satMod val="135000"/>
-              </a:schemeClr>
-              <a:prstClr val="white"/>
-            </a:duotone>
-            <a:extLst>
-              <a:ext uri="{28A0092B-C50C-407E-A947-70E740481C1C}">
-                <a14:useLocalDpi xmlns:a14="http://schemas.microsoft.com/office/drawing/2010/main" val="0"/>
-              </a:ext>
-            </a:extLst>
-          </a:blip>
-          <a:srcRect/>
-          <a:stretch/>
-        </p:blipFill>
-        <p:spPr/>
-      </p:pic>
-      <p:sp>
-        <p:nvSpPr>
-          <p:cNvPr id="27" name="Segnaposto testo 26">
-            <a:extLst>
-              <a:ext uri="{FF2B5EF4-FFF2-40B4-BE49-F238E27FC236}">
-                <a16:creationId xmlns:a16="http://schemas.microsoft.com/office/drawing/2014/main" id="{BB8B6963-69FE-8A03-5E86-2BF855024B00}"/>
-              </a:ext>
-            </a:extLst>
-          </p:cNvPr>
-          <p:cNvSpPr>
-            <a:spLocks noGrp="1"/>
-          </p:cNvSpPr>
-          <p:nvPr>
-            <p:ph type="body" sz="quarter" idx="14"/>
-          </p:nvPr>
-        </p:nvSpPr>
-        <p:spPr/>
-        <p:txBody>
-          <a:bodyPr rtlCol="0"/>
-          <a:lstStyle>
-            <a:defPPr>
-              <a:defRPr lang="it-IT"/>
-            </a:defPPr>
-          </a:lstStyle>
-          <a:p>
-            <a:pPr marL="0" indent="0" algn="ctr" rtl="0">
-              <a:lnSpc>
-                <a:spcPts val="2660"/>
-              </a:lnSpc>
-              <a:spcBef>
-                <a:spcPts val="0"/>
-              </a:spcBef>
-              <a:buNone/>
-            </a:pPr>
-            <a:r>
-              <a:rPr lang="it-IT" sz="2000" cap="all" spc="0" dirty="0"/>
-              <a:t>William Bassolino</a:t>
-            </a:r>
-          </a:p>
-        </p:txBody>
-      </p:sp>
-    </p:spTree>
-    <p:extLst>
-      <p:ext uri="{BB962C8B-B14F-4D97-AF65-F5344CB8AC3E}">
-        <p14:creationId xmlns:p14="http://schemas.microsoft.com/office/powerpoint/2010/main" val="3334127647"/>
-      </p:ext>
-    </p:extLst>
-  </p:cSld>
-  <p:clrMapOvr>
-    <a:masterClrMapping/>
-  </p:clrMapOvr>
-</p:sld>
-</file>
-
-<file path=ppt/slides/slide2.xml><?xml version="1.0" encoding="utf-8"?>
-<p:sld xmlns:a="http://schemas.openxmlformats.org/drawingml/2006/main" xmlns:r="http://schemas.openxmlformats.org/officeDocument/2006/relationships" xmlns:p="http://schemas.openxmlformats.org/presentationml/2006/main">
-  <p:cSld>
-    <p:spTree>
-      <p:nvGrpSpPr>
-        <p:cNvPr id="1" name=""/>
-        <p:cNvGrpSpPr/>
-        <p:nvPr/>
-      </p:nvGrpSpPr>
-      <p:grpSpPr>
-        <a:xfrm>
-          <a:off x="0" y="0"/>
-          <a:ext cx="0" cy="0"/>
-          <a:chOff x="0" y="0"/>
-          <a:chExt cx="0" cy="0"/>
-        </a:xfrm>
-      </p:grpSpPr>
-      <p:sp>
-        <p:nvSpPr>
-          <p:cNvPr id="19" name="Rettangolo 18">
-            <a:extLst>
-              <a:ext uri="{FF2B5EF4-FFF2-40B4-BE49-F238E27FC236}">
-                <a16:creationId xmlns:a16="http://schemas.microsoft.com/office/drawing/2014/main" id="{C2A42D7A-456D-B130-10D7-636ED349C8E8}"/>
-              </a:ext>
-            </a:extLst>
-          </p:cNvPr>
-          <p:cNvSpPr/>
-          <p:nvPr/>
-        </p:nvSpPr>
-        <p:spPr>
-          <a:xfrm>
-            <a:off x="1138334" y="3380597"/>
-            <a:ext cx="10465078" cy="289249"/>
-          </a:xfrm>
-          <a:prstGeom prst="rect">
-            <a:avLst/>
-          </a:prstGeom>
-          <a:ln>
-            <a:noFill/>
-          </a:ln>
-        </p:spPr>
-        <p:style>
-          <a:lnRef idx="2">
-            <a:schemeClr val="accent6"/>
-          </a:lnRef>
-          <a:fillRef idx="1">
-            <a:schemeClr val="lt1"/>
-          </a:fillRef>
-          <a:effectRef idx="0">
-            <a:schemeClr val="accent6"/>
-          </a:effectRef>
-          <a:fontRef idx="minor">
-            <a:schemeClr val="dk1"/>
-          </a:fontRef>
-        </p:style>
-        <p:txBody>
-          <a:bodyPr rtlCol="0" anchor="ctr"/>
-          <a:lstStyle/>
-          <a:p>
-            <a:pPr algn="ctr"/>
-            <a:endParaRPr lang="it-IT" sz="3200"/>
-          </a:p>
-        </p:txBody>
-      </p:sp>
-      <p:sp>
-        <p:nvSpPr>
-          <p:cNvPr id="5" name="Segnaposto piè di pagina 4">
-            <a:extLst>
-              <a:ext uri="{FF2B5EF4-FFF2-40B4-BE49-F238E27FC236}">
-                <a16:creationId xmlns:a16="http://schemas.microsoft.com/office/drawing/2014/main" id="{F0D8A8D9-0655-E1FF-7DED-F2EC492D6EE1}"/>
-              </a:ext>
-            </a:extLst>
-          </p:cNvPr>
-          <p:cNvSpPr>
-            <a:spLocks noGrp="1"/>
-          </p:cNvSpPr>
-          <p:nvPr>
-            <p:ph type="ftr" sz="quarter" idx="11"/>
-          </p:nvPr>
-        </p:nvSpPr>
-        <p:spPr/>
-        <p:txBody>
-          <a:bodyPr rtlCol="0"/>
-          <a:lstStyle>
-            <a:defPPr>
-              <a:defRPr lang="it-IT"/>
-            </a:defPPr>
-          </a:lstStyle>
-          <a:p>
-            <a:pPr rtl="0"/>
-            <a:r>
-              <a:rPr lang="it-IT" dirty="0"/>
-              <a:t>Explainability in deep learning</a:t>
-            </a:r>
-          </a:p>
-        </p:txBody>
-      </p:sp>
-      <p:sp>
-        <p:nvSpPr>
-          <p:cNvPr id="6" name="Segnaposto testo 5">
-            <a:extLst>
-              <a:ext uri="{FF2B5EF4-FFF2-40B4-BE49-F238E27FC236}">
-                <a16:creationId xmlns:a16="http://schemas.microsoft.com/office/drawing/2014/main" id="{8A56D8AC-E390-DBD3-E5E6-5C36EE1E422A}"/>
-              </a:ext>
-            </a:extLst>
-          </p:cNvPr>
-          <p:cNvSpPr>
-            <a:spLocks noGrp="1"/>
-          </p:cNvSpPr>
-          <p:nvPr>
-            <p:ph type="body" sz="quarter" idx="16"/>
-          </p:nvPr>
-        </p:nvSpPr>
-        <p:spPr>
-          <a:xfrm>
-            <a:off x="1563937" y="427374"/>
-            <a:ext cx="2233220" cy="289249"/>
-          </a:xfrm>
-        </p:spPr>
-        <p:txBody>
-          <a:bodyPr rtlCol="0"/>
-          <a:lstStyle>
-            <a:defPPr>
-              <a:defRPr lang="it-IT"/>
-            </a:defPPr>
-          </a:lstStyle>
-          <a:p>
-            <a:pPr algn="ctr" rtl="0"/>
-            <a:r>
-              <a:rPr lang="it-IT" sz="2000" b="1" spc="0" dirty="0"/>
-              <a:t>Obiettivi</a:t>
-            </a:r>
-          </a:p>
-        </p:txBody>
-      </p:sp>
-      <p:sp>
-        <p:nvSpPr>
-          <p:cNvPr id="7" name="Segnaposto testo 6">
-            <a:extLst>
-              <a:ext uri="{FF2B5EF4-FFF2-40B4-BE49-F238E27FC236}">
-                <a16:creationId xmlns:a16="http://schemas.microsoft.com/office/drawing/2014/main" id="{E09179A7-F937-7895-8FC1-19E3BCFE6A3B}"/>
-              </a:ext>
-            </a:extLst>
-          </p:cNvPr>
-          <p:cNvSpPr>
-            <a:spLocks noGrp="1"/>
-          </p:cNvSpPr>
-          <p:nvPr>
-            <p:ph type="body" sz="quarter" idx="17"/>
-          </p:nvPr>
-        </p:nvSpPr>
-        <p:spPr>
-          <a:xfrm>
-            <a:off x="1688389" y="840458"/>
-            <a:ext cx="8351350" cy="5952228"/>
-          </a:xfrm>
-        </p:spPr>
-        <p:txBody>
-          <a:bodyPr rtlCol="0"/>
-          <a:lstStyle>
-            <a:defPPr>
-              <a:defRPr lang="it-IT"/>
-            </a:defPPr>
-          </a:lstStyle>
-          <a:p>
-            <a:pPr marL="342900" indent="-342900">
-              <a:lnSpc>
-                <a:spcPct val="100000"/>
-              </a:lnSpc>
-              <a:buSzPct val="95000"/>
-              <a:buFont typeface="+mj-lt"/>
-              <a:buAutoNum type="arabicPeriod"/>
-            </a:pPr>
-            <a:r>
-              <a:rPr lang="it-IT" sz="1600" dirty="0"/>
-              <a:t>Studio di </a:t>
-            </a:r>
-            <a:r>
-              <a:rPr lang="it-IT" sz="1600" b="1" dirty="0"/>
-              <a:t>metriche </a:t>
-            </a:r>
-            <a:r>
-              <a:rPr lang="it-IT" sz="1600" dirty="0"/>
-              <a:t>per valutare il grado di incertezza della rete sulle 20 maschere e </a:t>
-            </a:r>
-            <a:r>
-              <a:rPr lang="it-IT" sz="1600" dirty="0" err="1"/>
-              <a:t>softmax</a:t>
-            </a:r>
-            <a:r>
-              <a:rPr lang="it-IT" sz="1600" dirty="0"/>
-              <a:t> derivanti dal metodo </a:t>
-            </a:r>
-            <a:r>
-              <a:rPr lang="it-IT" sz="1600" dirty="0" err="1"/>
-              <a:t>MonteCarlo</a:t>
-            </a:r>
-            <a:r>
-              <a:rPr lang="it-IT" sz="1600" dirty="0"/>
-              <a:t> Dropout</a:t>
-            </a:r>
-          </a:p>
-          <a:p>
-            <a:pPr marL="342900" indent="-342900">
-              <a:lnSpc>
-                <a:spcPct val="100000"/>
-              </a:lnSpc>
-              <a:buSzPct val="95000"/>
-              <a:buFont typeface="+mj-lt"/>
-              <a:buAutoNum type="arabicPeriod"/>
-            </a:pPr>
-            <a:r>
-              <a:rPr lang="it-IT" sz="1600" dirty="0"/>
-              <a:t>Presentazione di queste metriche attraverso grafici</a:t>
-            </a:r>
-          </a:p>
-        </p:txBody>
-      </p:sp>
-      <p:cxnSp>
-        <p:nvCxnSpPr>
-          <p:cNvPr id="17" name="Connettore diritto 16">
-            <a:extLst>
-              <a:ext uri="{FF2B5EF4-FFF2-40B4-BE49-F238E27FC236}">
-                <a16:creationId xmlns:a16="http://schemas.microsoft.com/office/drawing/2014/main" id="{8488A0F8-E720-D31B-750D-634FA849B5A9}"/>
-              </a:ext>
-              <a:ext uri="{C183D7F6-B498-43B3-948B-1728B52AA6E4}">
-                <adec:decorative xmlns:adec="http://schemas.microsoft.com/office/drawing/2017/decorative" val="1"/>
-              </a:ext>
-            </a:extLst>
-          </p:cNvPr>
-          <p:cNvCxnSpPr>
-            <a:cxnSpLocks/>
-          </p:cNvCxnSpPr>
-          <p:nvPr/>
-        </p:nvCxnSpPr>
-        <p:spPr>
-          <a:xfrm>
-            <a:off x="649224" y="5172458"/>
-            <a:ext cx="0" cy="618742"/>
-          </a:xfrm>
-          <a:prstGeom prst="line">
-            <a:avLst/>
-          </a:prstGeom>
-          <a:ln w="12700">
-            <a:solidFill>
-              <a:schemeClr val="bg1"/>
-            </a:solidFill>
-          </a:ln>
-        </p:spPr>
-        <p:style>
-          <a:lnRef idx="1">
-            <a:schemeClr val="accent1"/>
-          </a:lnRef>
-          <a:fillRef idx="0">
-            <a:schemeClr val="accent1"/>
-          </a:fillRef>
-          <a:effectRef idx="0">
-            <a:schemeClr val="accent1"/>
-          </a:effectRef>
-          <a:fontRef idx="minor">
-            <a:schemeClr val="tx1"/>
-          </a:fontRef>
-        </p:style>
-      </p:cxnSp>
-      <p:sp>
-        <p:nvSpPr>
-          <p:cNvPr id="4" name="Segnaposto numero diapositiva 3">
-            <a:extLst>
-              <a:ext uri="{FF2B5EF4-FFF2-40B4-BE49-F238E27FC236}">
-                <a16:creationId xmlns:a16="http://schemas.microsoft.com/office/drawing/2014/main" id="{B63EE887-A172-F01E-98D1-8781769CBEDE}"/>
-              </a:ext>
-            </a:extLst>
-          </p:cNvPr>
-          <p:cNvSpPr>
-            <a:spLocks noGrp="1"/>
-          </p:cNvSpPr>
-          <p:nvPr>
-            <p:ph type="sldNum" sz="quarter" idx="10"/>
-          </p:nvPr>
-        </p:nvSpPr>
-        <p:spPr/>
-        <p:txBody>
-          <a:bodyPr rtlCol="0"/>
-          <a:lstStyle>
-            <a:defPPr>
-              <a:defRPr lang="it-IT"/>
-            </a:defPPr>
-          </a:lstStyle>
-          <a:p>
-            <a:pPr rtl="0"/>
-            <a:fld id="{75DF2D63-3FF5-D547-96B9-BE9CCD1ABA58}" type="slidenum">
-              <a:rPr lang="it-IT" smtClean="0"/>
-              <a:pPr rtl="0"/>
-              <a:t>2</a:t>
-            </a:fld>
-            <a:endParaRPr lang="it-IT"/>
-          </a:p>
-        </p:txBody>
-      </p:sp>
-      <p:sp>
-        <p:nvSpPr>
-          <p:cNvPr id="2" name="Segnaposto testo 5">
-            <a:extLst>
-              <a:ext uri="{FF2B5EF4-FFF2-40B4-BE49-F238E27FC236}">
-                <a16:creationId xmlns:a16="http://schemas.microsoft.com/office/drawing/2014/main" id="{3783F8C8-9002-2B4B-C062-E066155072CF}"/>
-              </a:ext>
-            </a:extLst>
-          </p:cNvPr>
-          <p:cNvSpPr txBox="1">
-            <a:spLocks/>
-          </p:cNvSpPr>
-          <p:nvPr/>
-        </p:nvSpPr>
-        <p:spPr>
-          <a:xfrm>
-            <a:off x="1563937" y="1910942"/>
-            <a:ext cx="2233220" cy="289249"/>
-          </a:xfrm>
-          <a:prstGeom prst="rect">
-            <a:avLst/>
-          </a:prstGeom>
-        </p:spPr>
-        <p:txBody>
-          <a:bodyPr vert="horz" lIns="0" tIns="0" rIns="0" bIns="0" rtlCol="0" anchor="b">
-            <a:noAutofit/>
-          </a:bodyPr>
-          <a:lstStyle>
-            <a:defPPr>
-              <a:defRPr lang="it-IT"/>
-            </a:defPPr>
-            <a:lvl1pPr marL="0" indent="0" algn="l" defTabSz="914400" rtl="0" eaLnBrk="1" latinLnBrk="0" hangingPunct="1">
-              <a:lnSpc>
-                <a:spcPct val="100000"/>
-              </a:lnSpc>
-              <a:spcBef>
-                <a:spcPts val="0"/>
-              </a:spcBef>
-              <a:buFont typeface="Arial" panose="020B0604020202020204" pitchFamily="34" charset="0"/>
-              <a:buNone/>
-              <a:defRPr lang="it-IT" sz="1400" b="0" i="0" kern="1200" cap="all" spc="200" baseline="0">
-                <a:solidFill>
-                  <a:schemeClr val="tx1"/>
-                </a:solidFill>
-                <a:latin typeface="+mj-lt"/>
-                <a:ea typeface="+mn-ea"/>
-                <a:cs typeface="+mn-cs"/>
-              </a:defRPr>
-            </a:lvl1pPr>
-            <a:lvl2pPr marL="685800" indent="-228600" algn="l" defTabSz="914400" rtl="0" eaLnBrk="1" latinLnBrk="0" hangingPunct="1">
-              <a:lnSpc>
-                <a:spcPct val="90000"/>
-              </a:lnSpc>
-              <a:spcBef>
-                <a:spcPts val="500"/>
-              </a:spcBef>
-              <a:buFont typeface="Arial" panose="020B0604020202020204" pitchFamily="34" charset="0"/>
-              <a:buChar char="•"/>
-              <a:defRPr lang="it-IT" sz="2000" b="0" i="0" kern="1200" baseline="0">
-                <a:solidFill>
-                  <a:schemeClr val="tx1"/>
-                </a:solidFill>
-                <a:latin typeface="+mn-lt"/>
-                <a:ea typeface="+mn-ea"/>
-                <a:cs typeface="+mn-cs"/>
-              </a:defRPr>
-            </a:lvl2pPr>
-            <a:lvl3pPr marL="1143000" indent="-228600" algn="l" defTabSz="914400" rtl="0" eaLnBrk="1" latinLnBrk="0" hangingPunct="1">
-              <a:lnSpc>
-                <a:spcPct val="90000"/>
-              </a:lnSpc>
-              <a:spcBef>
-                <a:spcPts val="500"/>
-              </a:spcBef>
-              <a:buFont typeface="Arial" panose="020B0604020202020204" pitchFamily="34" charset="0"/>
-              <a:buChar char="•"/>
-              <a:defRPr lang="it-IT" sz="1800" b="0" i="0" kern="1200" baseline="0">
-                <a:solidFill>
-                  <a:schemeClr val="tx1"/>
-                </a:solidFill>
-                <a:latin typeface="+mn-lt"/>
-                <a:ea typeface="+mn-ea"/>
-                <a:cs typeface="+mn-cs"/>
-              </a:defRPr>
-            </a:lvl3pPr>
-            <a:lvl4pPr marL="1600200" indent="-228600" algn="l" defTabSz="914400" rtl="0" eaLnBrk="1" latinLnBrk="0" hangingPunct="1">
-              <a:lnSpc>
-                <a:spcPct val="90000"/>
-              </a:lnSpc>
-              <a:spcBef>
-                <a:spcPts val="500"/>
-              </a:spcBef>
-              <a:buFont typeface="Arial" panose="020B0604020202020204" pitchFamily="34" charset="0"/>
-              <a:buChar char="•"/>
-              <a:defRPr lang="it-IT" sz="1600" b="0" i="0" kern="1200" baseline="0">
-                <a:solidFill>
-                  <a:schemeClr val="tx1"/>
-                </a:solidFill>
-                <a:latin typeface="+mn-lt"/>
-                <a:ea typeface="+mn-ea"/>
-                <a:cs typeface="+mn-cs"/>
-              </a:defRPr>
-            </a:lvl4pPr>
-            <a:lvl5pPr marL="2057400" indent="-228600" algn="l" defTabSz="914400" rtl="0" eaLnBrk="1" latinLnBrk="0" hangingPunct="1">
-              <a:lnSpc>
-                <a:spcPct val="90000"/>
-              </a:lnSpc>
-              <a:spcBef>
-                <a:spcPts val="500"/>
-              </a:spcBef>
-              <a:buFont typeface="Arial" panose="020B0604020202020204" pitchFamily="34" charset="0"/>
-              <a:buChar char="•"/>
-              <a:defRPr lang="it-IT" sz="1400" b="0" i="0" kern="1200" baseline="0">
-                <a:solidFill>
-                  <a:schemeClr val="tx1"/>
-                </a:solidFill>
-                <a:latin typeface="+mn-lt"/>
-                <a:ea typeface="+mn-ea"/>
-                <a:cs typeface="+mn-cs"/>
-              </a:defRPr>
-            </a:lvl5pPr>
-            <a:lvl6pPr marL="2514600" indent="-228600" algn="l" defTabSz="914400" rtl="0" eaLnBrk="1" latinLnBrk="0" hangingPunct="1">
-              <a:lnSpc>
-                <a:spcPct val="90000"/>
-              </a:lnSpc>
-              <a:spcBef>
-                <a:spcPts val="500"/>
-              </a:spcBef>
-              <a:buFont typeface="Arial" panose="020B0604020202020204" pitchFamily="34" charset="0"/>
-              <a:buChar char="•"/>
-              <a:defRPr lang="it-IT" sz="1800" kern="1200">
-                <a:solidFill>
-                  <a:schemeClr val="tx1"/>
-                </a:solidFill>
-                <a:latin typeface="+mn-lt"/>
-                <a:ea typeface="+mn-ea"/>
-                <a:cs typeface="+mn-cs"/>
-              </a:defRPr>
-            </a:lvl6pPr>
-            <a:lvl7pPr marL="2971800" indent="-228600" algn="l" defTabSz="914400" rtl="0" eaLnBrk="1" latinLnBrk="0" hangingPunct="1">
-              <a:lnSpc>
-                <a:spcPct val="90000"/>
-              </a:lnSpc>
-              <a:spcBef>
-                <a:spcPts val="500"/>
-              </a:spcBef>
-              <a:buFont typeface="Arial" panose="020B0604020202020204" pitchFamily="34" charset="0"/>
-              <a:buChar char="•"/>
-              <a:defRPr lang="it-IT" sz="1800" kern="1200">
-                <a:solidFill>
-                  <a:schemeClr val="tx1"/>
-                </a:solidFill>
-                <a:latin typeface="+mn-lt"/>
-                <a:ea typeface="+mn-ea"/>
-                <a:cs typeface="+mn-cs"/>
-              </a:defRPr>
-            </a:lvl7pPr>
-            <a:lvl8pPr marL="3429000" indent="-228600" algn="l" defTabSz="914400" rtl="0" eaLnBrk="1" latinLnBrk="0" hangingPunct="1">
-              <a:lnSpc>
-                <a:spcPct val="90000"/>
-              </a:lnSpc>
-              <a:spcBef>
-                <a:spcPts val="500"/>
-              </a:spcBef>
-              <a:buFont typeface="Arial" panose="020B0604020202020204" pitchFamily="34" charset="0"/>
-              <a:buChar char="•"/>
-              <a:defRPr lang="it-IT" sz="1800" kern="1200">
-                <a:solidFill>
-                  <a:schemeClr val="tx1"/>
-                </a:solidFill>
-                <a:latin typeface="+mn-lt"/>
-                <a:ea typeface="+mn-ea"/>
-                <a:cs typeface="+mn-cs"/>
-              </a:defRPr>
-            </a:lvl8pPr>
-            <a:lvl9pPr marL="3886200" indent="-228600" algn="l" defTabSz="914400" rtl="0" eaLnBrk="1" latinLnBrk="0" hangingPunct="1">
-              <a:lnSpc>
-                <a:spcPct val="90000"/>
-              </a:lnSpc>
-              <a:spcBef>
-                <a:spcPts val="500"/>
-              </a:spcBef>
-              <a:buFont typeface="Arial" panose="020B0604020202020204" pitchFamily="34" charset="0"/>
-              <a:buChar char="•"/>
-              <a:defRPr lang="it-IT" sz="1800" kern="1200">
-                <a:solidFill>
-                  <a:schemeClr val="tx1"/>
-                </a:solidFill>
-                <a:latin typeface="+mn-lt"/>
-                <a:ea typeface="+mn-ea"/>
-                <a:cs typeface="+mn-cs"/>
-              </a:defRPr>
-            </a:lvl9pPr>
-          </a:lstStyle>
-          <a:p>
-            <a:pPr algn="ctr"/>
-            <a:r>
-              <a:rPr lang="en-US" sz="2000" b="1" spc="0"/>
-              <a:t>Metriche</a:t>
-            </a:r>
-            <a:endParaRPr lang="en-US" sz="2000" b="1" spc="0" dirty="0"/>
-          </a:p>
-        </p:txBody>
-      </p:sp>
-      <p:sp>
-        <p:nvSpPr>
-          <p:cNvPr id="3" name="Segnaposto testo 6">
-            <a:extLst>
-              <a:ext uri="{FF2B5EF4-FFF2-40B4-BE49-F238E27FC236}">
-                <a16:creationId xmlns:a16="http://schemas.microsoft.com/office/drawing/2014/main" id="{F27E9200-EDE8-090E-4843-D8B81EC40E23}"/>
-              </a:ext>
-            </a:extLst>
-          </p:cNvPr>
-          <p:cNvSpPr txBox="1">
-            <a:spLocks/>
-          </p:cNvSpPr>
-          <p:nvPr/>
-        </p:nvSpPr>
-        <p:spPr>
-          <a:xfrm>
-            <a:off x="1688389" y="2308627"/>
-            <a:ext cx="6405530" cy="4698365"/>
-          </a:xfrm>
-          <a:prstGeom prst="rect">
-            <a:avLst/>
-          </a:prstGeom>
-        </p:spPr>
-        <p:txBody>
-          <a:bodyPr vert="horz" lIns="0" tIns="0" rIns="0" bIns="0" rtlCol="0" anchor="t">
-            <a:noAutofit/>
-          </a:bodyPr>
-          <a:lstStyle>
-            <a:defPPr>
-              <a:defRPr lang="it-IT"/>
-            </a:defPPr>
-            <a:lvl1pPr marL="0" indent="0" algn="l" defTabSz="914400" rtl="0" eaLnBrk="1" latinLnBrk="0" hangingPunct="1">
-              <a:lnSpc>
-                <a:spcPts val="1580"/>
-              </a:lnSpc>
-              <a:spcBef>
-                <a:spcPts val="0"/>
-              </a:spcBef>
-              <a:buFont typeface="Arial" panose="020B0604020202020204" pitchFamily="34" charset="0"/>
-              <a:buNone/>
-              <a:defRPr lang="it-IT" sz="1400" b="0" i="0" kern="1200" baseline="0">
-                <a:solidFill>
-                  <a:schemeClr val="tx1"/>
-                </a:solidFill>
-                <a:latin typeface="+mn-lt"/>
-                <a:ea typeface="+mn-ea"/>
-                <a:cs typeface="+mn-cs"/>
-              </a:defRPr>
-            </a:lvl1pPr>
-            <a:lvl2pPr marL="685800" indent="-228600" algn="l" defTabSz="914400" rtl="0" eaLnBrk="1" latinLnBrk="0" hangingPunct="1">
-              <a:lnSpc>
-                <a:spcPct val="90000"/>
-              </a:lnSpc>
-              <a:spcBef>
-                <a:spcPts val="500"/>
-              </a:spcBef>
-              <a:buFont typeface="Arial" panose="020B0604020202020204" pitchFamily="34" charset="0"/>
-              <a:buChar char="•"/>
-              <a:defRPr lang="it-IT" sz="2000" b="0" i="0" kern="1200" baseline="0">
-                <a:solidFill>
-                  <a:schemeClr val="tx1"/>
-                </a:solidFill>
-                <a:latin typeface="+mn-lt"/>
-                <a:ea typeface="+mn-ea"/>
-                <a:cs typeface="+mn-cs"/>
-              </a:defRPr>
-            </a:lvl2pPr>
-            <a:lvl3pPr marL="1143000" indent="-228600" algn="l" defTabSz="914400" rtl="0" eaLnBrk="1" latinLnBrk="0" hangingPunct="1">
-              <a:lnSpc>
-                <a:spcPct val="90000"/>
-              </a:lnSpc>
-              <a:spcBef>
-                <a:spcPts val="500"/>
-              </a:spcBef>
-              <a:buFont typeface="Arial" panose="020B0604020202020204" pitchFamily="34" charset="0"/>
-              <a:buChar char="•"/>
-              <a:defRPr lang="it-IT" sz="1800" b="0" i="0" kern="1200" baseline="0">
-                <a:solidFill>
-                  <a:schemeClr val="tx1"/>
-                </a:solidFill>
-                <a:latin typeface="+mn-lt"/>
-                <a:ea typeface="+mn-ea"/>
-                <a:cs typeface="+mn-cs"/>
-              </a:defRPr>
-            </a:lvl3pPr>
-            <a:lvl4pPr marL="1600200" indent="-228600" algn="l" defTabSz="914400" rtl="0" eaLnBrk="1" latinLnBrk="0" hangingPunct="1">
-              <a:lnSpc>
-                <a:spcPct val="90000"/>
-              </a:lnSpc>
-              <a:spcBef>
-                <a:spcPts val="500"/>
-              </a:spcBef>
-              <a:buFont typeface="Arial" panose="020B0604020202020204" pitchFamily="34" charset="0"/>
-              <a:buChar char="•"/>
-              <a:defRPr lang="it-IT" sz="1600" b="0" i="0" kern="1200" baseline="0">
-                <a:solidFill>
-                  <a:schemeClr val="tx1"/>
-                </a:solidFill>
-                <a:latin typeface="+mn-lt"/>
-                <a:ea typeface="+mn-ea"/>
-                <a:cs typeface="+mn-cs"/>
-              </a:defRPr>
-            </a:lvl4pPr>
-            <a:lvl5pPr marL="2057400" indent="-228600" algn="l" defTabSz="914400" rtl="0" eaLnBrk="1" latinLnBrk="0" hangingPunct="1">
-              <a:lnSpc>
-                <a:spcPct val="90000"/>
-              </a:lnSpc>
-              <a:spcBef>
-                <a:spcPts val="500"/>
-              </a:spcBef>
-              <a:buFont typeface="Arial" panose="020B0604020202020204" pitchFamily="34" charset="0"/>
-              <a:buChar char="•"/>
-              <a:defRPr lang="it-IT" sz="1400" b="0" i="0" kern="1200" baseline="0">
-                <a:solidFill>
-                  <a:schemeClr val="tx1"/>
-                </a:solidFill>
-                <a:latin typeface="+mn-lt"/>
-                <a:ea typeface="+mn-ea"/>
-                <a:cs typeface="+mn-cs"/>
-              </a:defRPr>
-            </a:lvl5pPr>
-            <a:lvl6pPr marL="2514600" indent="-228600" algn="l" defTabSz="914400" rtl="0" eaLnBrk="1" latinLnBrk="0" hangingPunct="1">
-              <a:lnSpc>
-                <a:spcPct val="90000"/>
-              </a:lnSpc>
-              <a:spcBef>
-                <a:spcPts val="500"/>
-              </a:spcBef>
-              <a:buFont typeface="Arial" panose="020B0604020202020204" pitchFamily="34" charset="0"/>
-              <a:buChar char="•"/>
-              <a:defRPr lang="it-IT" sz="1800" kern="1200">
-                <a:solidFill>
-                  <a:schemeClr val="tx1"/>
-                </a:solidFill>
-                <a:latin typeface="+mn-lt"/>
-                <a:ea typeface="+mn-ea"/>
-                <a:cs typeface="+mn-cs"/>
-              </a:defRPr>
-            </a:lvl6pPr>
-            <a:lvl7pPr marL="2971800" indent="-228600" algn="l" defTabSz="914400" rtl="0" eaLnBrk="1" latinLnBrk="0" hangingPunct="1">
-              <a:lnSpc>
-                <a:spcPct val="90000"/>
-              </a:lnSpc>
-              <a:spcBef>
-                <a:spcPts val="500"/>
-              </a:spcBef>
-              <a:buFont typeface="Arial" panose="020B0604020202020204" pitchFamily="34" charset="0"/>
-              <a:buChar char="•"/>
-              <a:defRPr lang="it-IT" sz="1800" kern="1200">
-                <a:solidFill>
-                  <a:schemeClr val="tx1"/>
-                </a:solidFill>
-                <a:latin typeface="+mn-lt"/>
-                <a:ea typeface="+mn-ea"/>
-                <a:cs typeface="+mn-cs"/>
-              </a:defRPr>
-            </a:lvl7pPr>
-            <a:lvl8pPr marL="3429000" indent="-228600" algn="l" defTabSz="914400" rtl="0" eaLnBrk="1" latinLnBrk="0" hangingPunct="1">
-              <a:lnSpc>
-                <a:spcPct val="90000"/>
-              </a:lnSpc>
-              <a:spcBef>
-                <a:spcPts val="500"/>
-              </a:spcBef>
-              <a:buFont typeface="Arial" panose="020B0604020202020204" pitchFamily="34" charset="0"/>
-              <a:buChar char="•"/>
-              <a:defRPr lang="it-IT" sz="1800" kern="1200">
-                <a:solidFill>
-                  <a:schemeClr val="tx1"/>
-                </a:solidFill>
-                <a:latin typeface="+mn-lt"/>
-                <a:ea typeface="+mn-ea"/>
-                <a:cs typeface="+mn-cs"/>
-              </a:defRPr>
-            </a:lvl8pPr>
-            <a:lvl9pPr marL="3886200" indent="-228600" algn="l" defTabSz="914400" rtl="0" eaLnBrk="1" latinLnBrk="0" hangingPunct="1">
-              <a:lnSpc>
-                <a:spcPct val="90000"/>
-              </a:lnSpc>
-              <a:spcBef>
-                <a:spcPts val="500"/>
-              </a:spcBef>
-              <a:buFont typeface="Arial" panose="020B0604020202020204" pitchFamily="34" charset="0"/>
-              <a:buChar char="•"/>
-              <a:defRPr lang="it-IT" sz="1800" kern="1200">
-                <a:solidFill>
-                  <a:schemeClr val="tx1"/>
-                </a:solidFill>
-                <a:latin typeface="+mn-lt"/>
-                <a:ea typeface="+mn-ea"/>
-                <a:cs typeface="+mn-cs"/>
-              </a:defRPr>
-            </a:lvl9pPr>
-          </a:lstStyle>
-          <a:p>
-            <a:pPr marL="342900" indent="-342900">
-              <a:lnSpc>
-                <a:spcPct val="100000"/>
-              </a:lnSpc>
-              <a:spcBef>
-                <a:spcPts val="600"/>
-              </a:spcBef>
-              <a:buSzPct val="95000"/>
-              <a:buFont typeface="+mj-lt"/>
-              <a:buAutoNum type="arabicPeriod"/>
-            </a:pPr>
-            <a:r>
-              <a:rPr lang="it-IT" sz="1600" dirty="0"/>
-              <a:t>Metrica basata sulla </a:t>
-            </a:r>
-            <a:r>
-              <a:rPr lang="it-IT" sz="1600" b="1" dirty="0"/>
-              <a:t>standard </a:t>
-            </a:r>
-            <a:r>
-              <a:rPr lang="it-IT" sz="1600" b="1" dirty="0" err="1"/>
-              <a:t>deviation</a:t>
-            </a:r>
-            <a:r>
-              <a:rPr lang="it-IT" sz="1600" b="1" dirty="0"/>
-              <a:t> </a:t>
-            </a:r>
-            <a:r>
-              <a:rPr lang="it-IT" sz="1600" dirty="0"/>
-              <a:t>(da qui: </a:t>
-            </a:r>
-            <a:r>
-              <a:rPr lang="it-IT" sz="1600" b="1" dirty="0" err="1"/>
-              <a:t>std</a:t>
-            </a:r>
-            <a:r>
-              <a:rPr lang="it-IT" sz="1600" dirty="0"/>
-              <a:t>)</a:t>
-            </a:r>
-          </a:p>
-          <a:p>
-            <a:pPr marL="342900" indent="-342900">
-              <a:lnSpc>
-                <a:spcPct val="100000"/>
-              </a:lnSpc>
-              <a:spcBef>
-                <a:spcPts val="600"/>
-              </a:spcBef>
-              <a:buSzPct val="95000"/>
-              <a:buFont typeface="+mj-lt"/>
-              <a:buAutoNum type="arabicPeriod"/>
-            </a:pPr>
-            <a:r>
-              <a:rPr lang="it-IT" sz="1600" dirty="0"/>
-              <a:t>Metrica basata sull’</a:t>
-            </a:r>
-            <a:r>
-              <a:rPr lang="it-IT" sz="1600" b="1" dirty="0"/>
-              <a:t>Entropia di Shannon </a:t>
-            </a:r>
-            <a:r>
-              <a:rPr lang="it-IT" sz="1600" dirty="0"/>
-              <a:t>(da qui: </a:t>
-            </a:r>
-            <a:r>
-              <a:rPr lang="it-IT" sz="1600" b="1" dirty="0" err="1"/>
-              <a:t>Entropy</a:t>
-            </a:r>
-            <a:r>
-              <a:rPr lang="it-IT" sz="1600" dirty="0"/>
-              <a:t>)</a:t>
-            </a:r>
-          </a:p>
-          <a:p>
-            <a:pPr marL="342900" indent="-342900">
-              <a:lnSpc>
-                <a:spcPct val="100000"/>
-              </a:lnSpc>
-              <a:spcBef>
-                <a:spcPts val="600"/>
-              </a:spcBef>
-              <a:buSzPct val="95000"/>
-              <a:buFont typeface="+mj-lt"/>
-              <a:buAutoNum type="arabicPeriod"/>
-            </a:pPr>
-            <a:r>
-              <a:rPr lang="it-IT" sz="1600" dirty="0"/>
-              <a:t>Metrica basata sullo studio dei relativi dice tra le 20 maschere derivanti dal </a:t>
-            </a:r>
-            <a:r>
-              <a:rPr lang="it-IT" sz="1600" dirty="0" err="1"/>
-              <a:t>MonteCarlo</a:t>
-            </a:r>
-            <a:r>
-              <a:rPr lang="it-IT" sz="1600" dirty="0"/>
-              <a:t> Dropout (da qui: </a:t>
-            </a:r>
-            <a:r>
-              <a:rPr lang="it-IT" sz="1600" b="1" dirty="0"/>
-              <a:t>dice </a:t>
-            </a:r>
-            <a:r>
-              <a:rPr lang="it-IT" sz="1600" b="1" dirty="0" err="1"/>
-              <a:t>mat</a:t>
-            </a:r>
-            <a:r>
-              <a:rPr lang="it-IT" sz="1600" dirty="0"/>
-              <a:t>)</a:t>
-            </a:r>
-          </a:p>
-        </p:txBody>
-      </p:sp>
-    </p:spTree>
-    <p:extLst>
-      <p:ext uri="{BB962C8B-B14F-4D97-AF65-F5344CB8AC3E}">
-        <p14:creationId xmlns:p14="http://schemas.microsoft.com/office/powerpoint/2010/main" val="2607450225"/>
-      </p:ext>
-    </p:extLst>
-  </p:cSld>
-  <p:clrMapOvr>
-    <a:masterClrMapping/>
-  </p:clrMapOvr>
-</p:sld>
-</file>
-
-<file path=ppt/slides/slide3.xml><?xml version="1.0" encoding="utf-8"?>
+<file path=ppt/slides/slide5.xml><?xml version="1.0" encoding="utf-8"?>
 <p:sld xmlns:a="http://schemas.openxmlformats.org/drawingml/2006/main" xmlns:r="http://schemas.openxmlformats.org/officeDocument/2006/relationships" xmlns:p="http://schemas.openxmlformats.org/presentationml/2006/main">
   <p:cSld>
     <p:spTree>
@@ -20310,7 +20192,7 @@
             <a:fld id="{75DF2D63-3FF5-D547-96B9-BE9CCD1ABA58}" type="slidenum">
               <a:rPr lang="it-IT" smtClean="0"/>
               <a:pPr rtl="0"/>
-              <a:t>3</a:t>
+              <a:t>5</a:t>
             </a:fld>
             <a:endParaRPr lang="it-IT"/>
           </a:p>
@@ -20349,19 +20231,11 @@
             <a:pPr rtl="0"/>
             <a:r>
               <a:rPr lang="it-IT" sz="2000" b="1" spc="0" dirty="0"/>
-              <a:t>Metrica basata sulla standard </a:t>
+              <a:t>Metrica basata sui dice – dice </a:t>
             </a:r>
             <a:r>
               <a:rPr lang="it-IT" sz="2000" b="1" spc="0" dirty="0" err="1"/>
-              <a:t>deviation</a:t>
-            </a:r>
-            <a:r>
-              <a:rPr lang="it-IT" sz="2000" b="1" spc="0" dirty="0"/>
-              <a:t> - </a:t>
-            </a:r>
-            <a:r>
-              <a:rPr lang="it-IT" sz="2000" b="1" spc="0" dirty="0" err="1"/>
-              <a:t>std</a:t>
+              <a:t>mat</a:t>
             </a:r>
             <a:endParaRPr lang="it-IT" sz="2000" b="1" spc="0" dirty="0"/>
           </a:p>
@@ -20591,15 +20465,7 @@
             </a:pPr>
             <a:r>
               <a:rPr lang="it-IT" sz="1600" dirty="0"/>
-              <a:t>Creazione di una matrice quadridimensionale in cui salvare i dati delle 20 </a:t>
-            </a:r>
-            <a:r>
-              <a:rPr lang="it-IT" sz="1600" dirty="0" err="1"/>
-              <a:t>softmax</a:t>
-            </a:r>
-            <a:r>
-              <a:rPr lang="it-IT" sz="1600" dirty="0"/>
-              <a:t> generate dalle 20 </a:t>
+              <a:t>Creazione di una matrice tridimensionale in cui salvare i dati delle 20 segmentazioni generate dalle 20 </a:t>
             </a:r>
             <a:r>
               <a:rPr lang="it-IT" sz="1600" dirty="0" err="1"/>
@@ -20619,7 +20485,7 @@
             </a:r>
             <a:r>
               <a:rPr lang="it-IT" sz="1600" i="1" dirty="0" err="1"/>
-              <a:t>softmax_matrix</a:t>
+              <a:t>seg_matrix</a:t>
             </a:r>
             <a:r>
               <a:rPr lang="it-IT" sz="1600" dirty="0"/>
@@ -20640,33 +20506,13 @@
             </a:pPr>
             <a:r>
               <a:rPr lang="it-IT" sz="1600" dirty="0"/>
-              <a:t>Alla matrice, per la classe selezionata (in questo caso: 1), viene applicata una funzione (in basso in questa slide) che crea una </a:t>
-            </a:r>
-            <a:r>
-              <a:rPr lang="it-IT" sz="1600" i="1" dirty="0" err="1"/>
-              <a:t>std</a:t>
+              <a:t>Alla matrice viene applicata una funzione (in basso in questa slide) che crea una matrice diagonale alta,</a:t>
             </a:r>
             <a:r>
               <a:rPr lang="it-IT" sz="1600" i="1" dirty="0"/>
               <a:t> </a:t>
             </a:r>
             <a:r>
-              <a:rPr lang="it-IT" sz="1600" i="1" dirty="0" err="1"/>
-              <a:t>map</a:t>
-            </a:r>
-            <a:r>
-              <a:rPr lang="it-IT" sz="1600" i="1" dirty="0"/>
-              <a:t> </a:t>
-            </a:r>
-            <a:r>
-              <a:rPr lang="it-IT" sz="1600" dirty="0"/>
-              <a:t>bidimensionale,</a:t>
-            </a:r>
-            <a:r>
-              <a:rPr lang="it-IT" sz="1600" i="1" dirty="0"/>
-              <a:t> </a:t>
-            </a:r>
-            <a:r>
               <a:rPr lang="it-IT" sz="1600" dirty="0"/>
               <a:t>della quale ogni punto </a:t>
             </a:r>
@@ -20676,29 +20522,16 @@
             </a:r>
             <a:r>
               <a:rPr lang="it-IT" sz="1600" dirty="0"/>
-              <a:t> è la standard </a:t>
+              <a:t> è il coefficiente di Sorensen-Dice tra la segmentazione i e la segmentazione j selezionate tra le 20 maschere di segmentazione derivanti dall’applicazione del </a:t>
             </a:r>
             <a:r>
               <a:rPr lang="it-IT" sz="1600" dirty="0" err="1"/>
-              <a:t>deviation</a:t>
+              <a:t>MonteCarlo</a:t>
             </a:r>
             <a:r>
               <a:rPr lang="it-IT" sz="1600" dirty="0"/>
-              <a:t> del valore dei 20 corrispondenti punti </a:t>
-            </a:r>
-            <a:r>
-              <a:rPr lang="it-IT" sz="1600" dirty="0" err="1"/>
-              <a:t>i,j</a:t>
-            </a:r>
-            <a:r>
-              <a:rPr lang="it-IT" sz="1600" dirty="0"/>
-              <a:t> delle 20 </a:t>
-            </a:r>
-            <a:r>
-              <a:rPr lang="it-IT" sz="1600" dirty="0" err="1"/>
-              <a:t>softmax</a:t>
-            </a:r>
-            <a:endParaRPr lang="it-IT" sz="1600" dirty="0"/>
+              <a:t> Dropout.</a:t>
+            </a:r>
           </a:p>
           <a:p>
             <a:pPr marL="285750" indent="-285750">
@@ -20714,74 +20547,69 @@
             </a:pPr>
             <a:r>
               <a:rPr lang="it-IT" sz="1600" dirty="0"/>
-              <a:t>Il risultato della </a:t>
+              <a:t>Il valore associato ad ogni immagine del test set sarà la </a:t>
+            </a:r>
+            <a:r>
+              <a:rPr lang="it-IT" sz="1600" i="1" dirty="0"/>
+              <a:t>standard </a:t>
+            </a:r>
+            <a:r>
+              <a:rPr lang="it-IT" sz="1600" i="1" dirty="0" err="1"/>
+              <a:t>deviation</a:t>
+            </a:r>
+            <a:r>
+              <a:rPr lang="it-IT" sz="1600" i="1" dirty="0"/>
+              <a:t> </a:t>
+            </a:r>
+            <a:r>
+              <a:rPr lang="it-IT" sz="1600" dirty="0"/>
+              <a:t>dei valori della matrice triangolare alta (dice </a:t>
             </a:r>
             <a:r>
               <a:rPr lang="it-IT" sz="1600" dirty="0" err="1"/>
-              <a:t>std</a:t>
+              <a:t>matrix</a:t>
             </a:r>
             <a:r>
               <a:rPr lang="it-IT" sz="1600" dirty="0"/>
-              <a:t> </a:t>
+              <a:t>)</a:t>
+            </a:r>
+          </a:p>
+          <a:p>
+            <a:pPr marL="971550" lvl="1" indent="-285750">
+              <a:lnSpc>
+                <a:spcPct val="100000"/>
+              </a:lnSpc>
+              <a:spcBef>
+                <a:spcPts val="600"/>
+              </a:spcBef>
+              <a:buSzPct val="95000"/>
+            </a:pPr>
+            <a:r>
+              <a:rPr lang="it-IT" sz="1600" dirty="0"/>
+              <a:t>È importante notare come questa metrica sia </a:t>
+            </a:r>
+            <a:r>
+              <a:rPr lang="it-IT" sz="1600" b="1" dirty="0"/>
+              <a:t>l’unica delle tre metriche proposte a NON dipendere dal ground truth</a:t>
+            </a:r>
+            <a:r>
+              <a:rPr lang="it-IT" sz="1600" dirty="0"/>
+              <a:t>, derivando unicamente dalle 20 immagini </a:t>
             </a:r>
             <a:r>
               <a:rPr lang="it-IT" sz="1600" dirty="0" err="1"/>
-              <a:t>map</a:t>
-            </a:r>
-            <a:r>
-              <a:rPr lang="it-IT" sz="1600" dirty="0"/>
-              <a:t> è una mappa di standard </a:t>
-            </a:r>
-            <a:r>
-              <a:rPr lang="it-IT" sz="1600" dirty="0" err="1"/>
-              <a:t>deviation</a:t>
-            </a:r>
-            <a:r>
-              <a:rPr lang="it-IT" sz="1600" dirty="0"/>
-              <a:t>, come ad esempio l’immagine a destra</a:t>
-            </a:r>
-          </a:p>
-          <a:p>
-            <a:pPr marL="285750" indent="-285750">
-              <a:lnSpc>
-                <a:spcPct val="100000"/>
-              </a:lnSpc>
-              <a:spcBef>
-                <a:spcPts val="600"/>
-              </a:spcBef>
-              <a:buSzPct val="95000"/>
-              <a:buFont typeface="Arial" panose="020B0604020202020204" pitchFamily="34" charset="0"/>
-              <a:buChar char="•"/>
-            </a:pPr>
-            <a:r>
-              <a:rPr lang="it-IT" sz="1600" dirty="0"/>
-              <a:t>Il valore associato ad ogni immagine del test set sarà la somma dei valori della </a:t>
-            </a:r>
-            <a:r>
-              <a:rPr lang="it-IT" sz="1600" dirty="0" err="1"/>
-              <a:t>std</a:t>
-            </a:r>
-            <a:r>
-              <a:rPr lang="it-IT" sz="1600" dirty="0"/>
-              <a:t> </a:t>
-            </a:r>
-            <a:r>
-              <a:rPr lang="it-IT" sz="1600" dirty="0" err="1"/>
-              <a:t>map</a:t>
-            </a:r>
-            <a:r>
-              <a:rPr lang="it-IT" sz="1600" dirty="0"/>
-              <a:t>, moltiplicato per la maschera manuale (ground truth)</a:t>
-            </a:r>
+              <a:t>MonteCarlo</a:t>
+            </a:r>
+            <a:endParaRPr lang="it-IT" sz="2200" dirty="0"/>
           </a:p>
         </p:txBody>
       </p:sp>
       <p:pic>
         <p:nvPicPr>
-          <p:cNvPr id="8" name="Immagine 7">
-            <a:extLst>
-              <a:ext uri="{FF2B5EF4-FFF2-40B4-BE49-F238E27FC236}">
-                <a16:creationId xmlns:a16="http://schemas.microsoft.com/office/drawing/2014/main" id="{3BD7010F-0F6F-727E-46F8-AE17F3F1B272}"/>
+          <p:cNvPr id="7" name="Immagine 6">
+            <a:extLst>
+              <a:ext uri="{FF2B5EF4-FFF2-40B4-BE49-F238E27FC236}">
+                <a16:creationId xmlns:a16="http://schemas.microsoft.com/office/drawing/2014/main" id="{8A5F52EC-5D94-8379-CB1E-1513B11E979F}"/>
               </a:ext>
             </a:extLst>
           </p:cNvPr>
@@ -20790,15 +20618,15 @@
           </p:cNvPicPr>
           <p:nvPr/>
         </p:nvPicPr>
-        <p:blipFill rotWithShape="1">
+        <p:blipFill>
           <a:blip r:embed="rId4"/>
-          <a:srcRect l="2280" r="495"/>
+          <a:srcRect/>
           <a:stretch/>
         </p:blipFill>
         <p:spPr>
           <a:xfrm>
-            <a:off x="7664691" y="1048716"/>
-            <a:ext cx="4403663" cy="3801407"/>
+            <a:off x="1138334" y="4617751"/>
+            <a:ext cx="6183792" cy="1405406"/>
           </a:xfrm>
           <a:prstGeom prst="rect">
             <a:avLst/>
@@ -20807,10 +20635,10 @@
       </p:pic>
       <p:pic>
         <p:nvPicPr>
-          <p:cNvPr id="7" name="Immagine 6">
-            <a:extLst>
-              <a:ext uri="{FF2B5EF4-FFF2-40B4-BE49-F238E27FC236}">
-                <a16:creationId xmlns:a16="http://schemas.microsoft.com/office/drawing/2014/main" id="{55A02B54-6656-CD92-1A14-78390AECBF71}"/>
+          <p:cNvPr id="3" name="Immagine 2" descr="Immagine che contiene testo, schermata, diagramma, linea&#10;&#10;Descrizione generata automaticamente">
+            <a:extLst>
+              <a:ext uri="{FF2B5EF4-FFF2-40B4-BE49-F238E27FC236}">
+                <a16:creationId xmlns:a16="http://schemas.microsoft.com/office/drawing/2014/main" id="{F9013385-6E02-F4FB-ED9E-692D91109A28}"/>
               </a:ext>
             </a:extLst>
           </p:cNvPr>
@@ -20819,15 +20647,16 @@
           </p:cNvPicPr>
           <p:nvPr/>
         </p:nvPicPr>
-        <p:blipFill rotWithShape="1">
+        <p:blipFill>
           <a:blip r:embed="rId5"/>
-          <a:srcRect r="56758" b="51723"/>
-          <a:stretch/>
+          <a:stretch>
+            <a:fillRect/>
+          </a:stretch>
         </p:blipFill>
         <p:spPr>
           <a:xfrm>
-            <a:off x="2613804" y="4631057"/>
-            <a:ext cx="3601700" cy="1505387"/>
+            <a:off x="7874466" y="1761905"/>
+            <a:ext cx="4003403" cy="3002552"/>
           </a:xfrm>
           <a:prstGeom prst="rect">
             <a:avLst/>
@@ -20837,7 +20666,7 @@
     </p:spTree>
     <p:extLst>
       <p:ext uri="{BB962C8B-B14F-4D97-AF65-F5344CB8AC3E}">
-        <p14:creationId xmlns:p14="http://schemas.microsoft.com/office/powerpoint/2010/main" val="37038489"/>
+        <p14:creationId xmlns:p14="http://schemas.microsoft.com/office/powerpoint/2010/main" val="204946040"/>
       </p:ext>
     </p:extLst>
   </p:cSld>
@@ -20847,7 +20676,730 @@
 </p:sld>
 </file>
 
-<file path=ppt/slides/slide4.xml><?xml version="1.0" encoding="utf-8"?>
+<file path=ppt/slides/slide6.xml><?xml version="1.0" encoding="utf-8"?>
+<p:sld xmlns:a="http://schemas.openxmlformats.org/drawingml/2006/main" xmlns:r="http://schemas.openxmlformats.org/officeDocument/2006/relationships" xmlns:p="http://schemas.openxmlformats.org/presentationml/2006/main">
+  <p:cSld>
+    <p:spTree>
+      <p:nvGrpSpPr>
+        <p:cNvPr id="1" name=""/>
+        <p:cNvGrpSpPr/>
+        <p:nvPr/>
+      </p:nvGrpSpPr>
+      <p:grpSpPr>
+        <a:xfrm>
+          <a:off x="0" y="0"/>
+          <a:ext cx="0" cy="0"/>
+          <a:chOff x="0" y="0"/>
+          <a:chExt cx="0" cy="0"/>
+        </a:xfrm>
+      </p:grpSpPr>
+      <p:sp>
+        <p:nvSpPr>
+          <p:cNvPr id="19" name="Rettangolo 18">
+            <a:extLst>
+              <a:ext uri="{FF2B5EF4-FFF2-40B4-BE49-F238E27FC236}">
+                <a16:creationId xmlns:a16="http://schemas.microsoft.com/office/drawing/2014/main" id="{C2A42D7A-456D-B130-10D7-636ED349C8E8}"/>
+              </a:ext>
+            </a:extLst>
+          </p:cNvPr>
+          <p:cNvSpPr/>
+          <p:nvPr/>
+        </p:nvSpPr>
+        <p:spPr>
+          <a:xfrm>
+            <a:off x="1138334" y="3380597"/>
+            <a:ext cx="8845421" cy="289249"/>
+          </a:xfrm>
+          <a:prstGeom prst="rect">
+            <a:avLst/>
+          </a:prstGeom>
+          <a:ln>
+            <a:noFill/>
+          </a:ln>
+        </p:spPr>
+        <p:style>
+          <a:lnRef idx="2">
+            <a:schemeClr val="accent6"/>
+          </a:lnRef>
+          <a:fillRef idx="1">
+            <a:schemeClr val="lt1"/>
+          </a:fillRef>
+          <a:effectRef idx="0">
+            <a:schemeClr val="accent6"/>
+          </a:effectRef>
+          <a:fontRef idx="minor">
+            <a:schemeClr val="dk1"/>
+          </a:fontRef>
+        </p:style>
+        <p:txBody>
+          <a:bodyPr rtlCol="0" anchor="ctr"/>
+          <a:lstStyle/>
+          <a:p>
+            <a:pPr algn="ctr"/>
+            <a:endParaRPr lang="it-IT" sz="3600"/>
+          </a:p>
+        </p:txBody>
+      </p:sp>
+      <p:sp>
+        <p:nvSpPr>
+          <p:cNvPr id="5" name="Segnaposto piè di pagina 4">
+            <a:extLst>
+              <a:ext uri="{FF2B5EF4-FFF2-40B4-BE49-F238E27FC236}">
+                <a16:creationId xmlns:a16="http://schemas.microsoft.com/office/drawing/2014/main" id="{F0D8A8D9-0655-E1FF-7DED-F2EC492D6EE1}"/>
+              </a:ext>
+            </a:extLst>
+          </p:cNvPr>
+          <p:cNvSpPr>
+            <a:spLocks noGrp="1"/>
+          </p:cNvSpPr>
+          <p:nvPr>
+            <p:ph type="ftr" sz="quarter" idx="11"/>
+          </p:nvPr>
+        </p:nvSpPr>
+        <p:spPr/>
+        <p:txBody>
+          <a:bodyPr rtlCol="0"/>
+          <a:lstStyle>
+            <a:defPPr>
+              <a:defRPr lang="it-IT"/>
+            </a:defPPr>
+          </a:lstStyle>
+          <a:p>
+            <a:pPr rtl="0"/>
+            <a:r>
+              <a:rPr lang="it-IT" dirty="0"/>
+              <a:t>Explainability in deep learning</a:t>
+            </a:r>
+          </a:p>
+        </p:txBody>
+      </p:sp>
+      <p:cxnSp>
+        <p:nvCxnSpPr>
+          <p:cNvPr id="17" name="Connettore diritto 16">
+            <a:extLst>
+              <a:ext uri="{FF2B5EF4-FFF2-40B4-BE49-F238E27FC236}">
+                <a16:creationId xmlns:a16="http://schemas.microsoft.com/office/drawing/2014/main" id="{8488A0F8-E720-D31B-750D-634FA849B5A9}"/>
+              </a:ext>
+              <a:ext uri="{C183D7F6-B498-43B3-948B-1728B52AA6E4}">
+                <adec:decorative xmlns:adec="http://schemas.microsoft.com/office/drawing/2017/decorative" val="1"/>
+              </a:ext>
+            </a:extLst>
+          </p:cNvPr>
+          <p:cNvCxnSpPr>
+            <a:cxnSpLocks/>
+          </p:cNvCxnSpPr>
+          <p:nvPr/>
+        </p:nvCxnSpPr>
+        <p:spPr>
+          <a:xfrm>
+            <a:off x="649224" y="5172458"/>
+            <a:ext cx="0" cy="618742"/>
+          </a:xfrm>
+          <a:prstGeom prst="line">
+            <a:avLst/>
+          </a:prstGeom>
+          <a:ln w="12700">
+            <a:solidFill>
+              <a:schemeClr val="bg1"/>
+            </a:solidFill>
+          </a:ln>
+        </p:spPr>
+        <p:style>
+          <a:lnRef idx="1">
+            <a:schemeClr val="accent1"/>
+          </a:lnRef>
+          <a:fillRef idx="0">
+            <a:schemeClr val="accent1"/>
+          </a:fillRef>
+          <a:effectRef idx="0">
+            <a:schemeClr val="accent1"/>
+          </a:effectRef>
+          <a:fontRef idx="minor">
+            <a:schemeClr val="tx1"/>
+          </a:fontRef>
+        </p:style>
+      </p:cxnSp>
+      <p:sp>
+        <p:nvSpPr>
+          <p:cNvPr id="4" name="Segnaposto numero diapositiva 3">
+            <a:extLst>
+              <a:ext uri="{FF2B5EF4-FFF2-40B4-BE49-F238E27FC236}">
+                <a16:creationId xmlns:a16="http://schemas.microsoft.com/office/drawing/2014/main" id="{B63EE887-A172-F01E-98D1-8781769CBEDE}"/>
+              </a:ext>
+            </a:extLst>
+          </p:cNvPr>
+          <p:cNvSpPr>
+            <a:spLocks noGrp="1"/>
+          </p:cNvSpPr>
+          <p:nvPr>
+            <p:ph type="sldNum" sz="quarter" idx="10"/>
+          </p:nvPr>
+        </p:nvSpPr>
+        <p:spPr/>
+        <p:txBody>
+          <a:bodyPr rtlCol="0"/>
+          <a:lstStyle>
+            <a:defPPr>
+              <a:defRPr lang="it-IT"/>
+            </a:defPPr>
+          </a:lstStyle>
+          <a:p>
+            <a:pPr rtl="0"/>
+            <a:fld id="{75DF2D63-3FF5-D547-96B9-BE9CCD1ABA58}" type="slidenum">
+              <a:rPr lang="it-IT" smtClean="0"/>
+              <a:pPr rtl="0"/>
+              <a:t>6</a:t>
+            </a:fld>
+            <a:endParaRPr lang="it-IT"/>
+          </a:p>
+        </p:txBody>
+      </p:sp>
+      <p:sp>
+        <p:nvSpPr>
+          <p:cNvPr id="6" name="Segnaposto testo 5">
+            <a:extLst>
+              <a:ext uri="{FF2B5EF4-FFF2-40B4-BE49-F238E27FC236}">
+                <a16:creationId xmlns:a16="http://schemas.microsoft.com/office/drawing/2014/main" id="{9117B42F-EC79-9DD2-3EBB-0C7381B7E0B0}"/>
+              </a:ext>
+            </a:extLst>
+          </p:cNvPr>
+          <p:cNvSpPr>
+            <a:spLocks noGrp="1"/>
+          </p:cNvSpPr>
+          <p:nvPr>
+            <p:ph type="body" sz="quarter" idx="16"/>
+          </p:nvPr>
+        </p:nvSpPr>
+        <p:spPr>
+          <a:xfrm>
+            <a:off x="885999" y="571556"/>
+            <a:ext cx="1605274" cy="1145277"/>
+          </a:xfrm>
+        </p:spPr>
+        <p:txBody>
+          <a:bodyPr rtlCol="0" anchor="t"/>
+          <a:lstStyle>
+            <a:defPPr>
+              <a:defRPr lang="it-IT"/>
+            </a:defPPr>
+          </a:lstStyle>
+          <a:p>
+            <a:pPr rtl="0"/>
+            <a:r>
+              <a:rPr lang="it-IT" sz="2000" b="1" spc="0" dirty="0"/>
+              <a:t>Esempio:</a:t>
+            </a:r>
+          </a:p>
+          <a:p>
+            <a:pPr rtl="0"/>
+            <a:r>
+              <a:rPr lang="it-IT" sz="2000" spc="0" dirty="0"/>
+              <a:t>Immagine</a:t>
+            </a:r>
+          </a:p>
+          <a:p>
+            <a:pPr rtl="0"/>
+            <a:r>
+              <a:rPr lang="it-IT" sz="2000" spc="0" dirty="0"/>
+              <a:t>1004289_35</a:t>
+            </a:r>
+          </a:p>
+        </p:txBody>
+      </p:sp>
+      <p:sp>
+        <p:nvSpPr>
+          <p:cNvPr id="30" name="Segnaposto testo 6">
+            <a:extLst>
+              <a:ext uri="{FF2B5EF4-FFF2-40B4-BE49-F238E27FC236}">
+                <a16:creationId xmlns:a16="http://schemas.microsoft.com/office/drawing/2014/main" id="{CCE4D350-FC14-221D-B6D3-C43425CB5C0E}"/>
+              </a:ext>
+            </a:extLst>
+          </p:cNvPr>
+          <p:cNvSpPr txBox="1">
+            <a:spLocks/>
+          </p:cNvSpPr>
+          <p:nvPr/>
+        </p:nvSpPr>
+        <p:spPr>
+          <a:xfrm>
+            <a:off x="885999" y="913999"/>
+            <a:ext cx="6405530" cy="4698365"/>
+          </a:xfrm>
+          <a:prstGeom prst="rect">
+            <a:avLst/>
+          </a:prstGeom>
+        </p:spPr>
+        <p:txBody>
+          <a:bodyPr vert="horz" lIns="0" tIns="0" rIns="0" bIns="0" rtlCol="0" anchor="t">
+            <a:noAutofit/>
+          </a:bodyPr>
+          <a:lstStyle>
+            <a:defPPr>
+              <a:defRPr lang="it-IT"/>
+            </a:defPPr>
+            <a:lvl1pPr marL="0" indent="0" algn="l" defTabSz="914400" rtl="0" eaLnBrk="1" latinLnBrk="0" hangingPunct="1">
+              <a:lnSpc>
+                <a:spcPts val="1580"/>
+              </a:lnSpc>
+              <a:spcBef>
+                <a:spcPts val="0"/>
+              </a:spcBef>
+              <a:buFont typeface="Arial" panose="020B0604020202020204" pitchFamily="34" charset="0"/>
+              <a:buNone/>
+              <a:defRPr lang="it-IT" sz="1400" b="0" i="0" kern="1200" baseline="0">
+                <a:solidFill>
+                  <a:schemeClr val="tx1"/>
+                </a:solidFill>
+                <a:latin typeface="+mn-lt"/>
+                <a:ea typeface="+mn-ea"/>
+                <a:cs typeface="+mn-cs"/>
+              </a:defRPr>
+            </a:lvl1pPr>
+            <a:lvl2pPr marL="685800" indent="-228600" algn="l" defTabSz="914400" rtl="0" eaLnBrk="1" latinLnBrk="0" hangingPunct="1">
+              <a:lnSpc>
+                <a:spcPct val="90000"/>
+              </a:lnSpc>
+              <a:spcBef>
+                <a:spcPts val="500"/>
+              </a:spcBef>
+              <a:buFont typeface="Arial" panose="020B0604020202020204" pitchFamily="34" charset="0"/>
+              <a:buChar char="•"/>
+              <a:defRPr lang="it-IT" sz="2000" b="0" i="0" kern="1200" baseline="0">
+                <a:solidFill>
+                  <a:schemeClr val="tx1"/>
+                </a:solidFill>
+                <a:latin typeface="+mn-lt"/>
+                <a:ea typeface="+mn-ea"/>
+                <a:cs typeface="+mn-cs"/>
+              </a:defRPr>
+            </a:lvl2pPr>
+            <a:lvl3pPr marL="1143000" indent="-228600" algn="l" defTabSz="914400" rtl="0" eaLnBrk="1" latinLnBrk="0" hangingPunct="1">
+              <a:lnSpc>
+                <a:spcPct val="90000"/>
+              </a:lnSpc>
+              <a:spcBef>
+                <a:spcPts val="500"/>
+              </a:spcBef>
+              <a:buFont typeface="Arial" panose="020B0604020202020204" pitchFamily="34" charset="0"/>
+              <a:buChar char="•"/>
+              <a:defRPr lang="it-IT" sz="1800" b="0" i="0" kern="1200" baseline="0">
+                <a:solidFill>
+                  <a:schemeClr val="tx1"/>
+                </a:solidFill>
+                <a:latin typeface="+mn-lt"/>
+                <a:ea typeface="+mn-ea"/>
+                <a:cs typeface="+mn-cs"/>
+              </a:defRPr>
+            </a:lvl3pPr>
+            <a:lvl4pPr marL="1600200" indent="-228600" algn="l" defTabSz="914400" rtl="0" eaLnBrk="1" latinLnBrk="0" hangingPunct="1">
+              <a:lnSpc>
+                <a:spcPct val="90000"/>
+              </a:lnSpc>
+              <a:spcBef>
+                <a:spcPts val="500"/>
+              </a:spcBef>
+              <a:buFont typeface="Arial" panose="020B0604020202020204" pitchFamily="34" charset="0"/>
+              <a:buChar char="•"/>
+              <a:defRPr lang="it-IT" sz="1600" b="0" i="0" kern="1200" baseline="0">
+                <a:solidFill>
+                  <a:schemeClr val="tx1"/>
+                </a:solidFill>
+                <a:latin typeface="+mn-lt"/>
+                <a:ea typeface="+mn-ea"/>
+                <a:cs typeface="+mn-cs"/>
+              </a:defRPr>
+            </a:lvl4pPr>
+            <a:lvl5pPr marL="2057400" indent="-228600" algn="l" defTabSz="914400" rtl="0" eaLnBrk="1" latinLnBrk="0" hangingPunct="1">
+              <a:lnSpc>
+                <a:spcPct val="90000"/>
+              </a:lnSpc>
+              <a:spcBef>
+                <a:spcPts val="500"/>
+              </a:spcBef>
+              <a:buFont typeface="Arial" panose="020B0604020202020204" pitchFamily="34" charset="0"/>
+              <a:buChar char="•"/>
+              <a:defRPr lang="it-IT" sz="1400" b="0" i="0" kern="1200" baseline="0">
+                <a:solidFill>
+                  <a:schemeClr val="tx1"/>
+                </a:solidFill>
+                <a:latin typeface="+mn-lt"/>
+                <a:ea typeface="+mn-ea"/>
+                <a:cs typeface="+mn-cs"/>
+              </a:defRPr>
+            </a:lvl5pPr>
+            <a:lvl6pPr marL="2514600" indent="-228600" algn="l" defTabSz="914400" rtl="0" eaLnBrk="1" latinLnBrk="0" hangingPunct="1">
+              <a:lnSpc>
+                <a:spcPct val="90000"/>
+              </a:lnSpc>
+              <a:spcBef>
+                <a:spcPts val="500"/>
+              </a:spcBef>
+              <a:buFont typeface="Arial" panose="020B0604020202020204" pitchFamily="34" charset="0"/>
+              <a:buChar char="•"/>
+              <a:defRPr lang="it-IT" sz="1800" kern="1200">
+                <a:solidFill>
+                  <a:schemeClr val="tx1"/>
+                </a:solidFill>
+                <a:latin typeface="+mn-lt"/>
+                <a:ea typeface="+mn-ea"/>
+                <a:cs typeface="+mn-cs"/>
+              </a:defRPr>
+            </a:lvl6pPr>
+            <a:lvl7pPr marL="2971800" indent="-228600" algn="l" defTabSz="914400" rtl="0" eaLnBrk="1" latinLnBrk="0" hangingPunct="1">
+              <a:lnSpc>
+                <a:spcPct val="90000"/>
+              </a:lnSpc>
+              <a:spcBef>
+                <a:spcPts val="500"/>
+              </a:spcBef>
+              <a:buFont typeface="Arial" panose="020B0604020202020204" pitchFamily="34" charset="0"/>
+              <a:buChar char="•"/>
+              <a:defRPr lang="it-IT" sz="1800" kern="1200">
+                <a:solidFill>
+                  <a:schemeClr val="tx1"/>
+                </a:solidFill>
+                <a:latin typeface="+mn-lt"/>
+                <a:ea typeface="+mn-ea"/>
+                <a:cs typeface="+mn-cs"/>
+              </a:defRPr>
+            </a:lvl7pPr>
+            <a:lvl8pPr marL="3429000" indent="-228600" algn="l" defTabSz="914400" rtl="0" eaLnBrk="1" latinLnBrk="0" hangingPunct="1">
+              <a:lnSpc>
+                <a:spcPct val="90000"/>
+              </a:lnSpc>
+              <a:spcBef>
+                <a:spcPts val="500"/>
+              </a:spcBef>
+              <a:buFont typeface="Arial" panose="020B0604020202020204" pitchFamily="34" charset="0"/>
+              <a:buChar char="•"/>
+              <a:defRPr lang="it-IT" sz="1800" kern="1200">
+                <a:solidFill>
+                  <a:schemeClr val="tx1"/>
+                </a:solidFill>
+                <a:latin typeface="+mn-lt"/>
+                <a:ea typeface="+mn-ea"/>
+                <a:cs typeface="+mn-cs"/>
+              </a:defRPr>
+            </a:lvl8pPr>
+            <a:lvl9pPr marL="3886200" indent="-228600" algn="l" defTabSz="914400" rtl="0" eaLnBrk="1" latinLnBrk="0" hangingPunct="1">
+              <a:lnSpc>
+                <a:spcPct val="90000"/>
+              </a:lnSpc>
+              <a:spcBef>
+                <a:spcPts val="500"/>
+              </a:spcBef>
+              <a:buFont typeface="Arial" panose="020B0604020202020204" pitchFamily="34" charset="0"/>
+              <a:buChar char="•"/>
+              <a:defRPr lang="it-IT" sz="1800" kern="1200">
+                <a:solidFill>
+                  <a:schemeClr val="tx1"/>
+                </a:solidFill>
+                <a:latin typeface="+mn-lt"/>
+                <a:ea typeface="+mn-ea"/>
+                <a:cs typeface="+mn-cs"/>
+              </a:defRPr>
+            </a:lvl9pPr>
+          </a:lstStyle>
+          <a:p>
+            <a:pPr>
+              <a:lnSpc>
+                <a:spcPct val="100000"/>
+              </a:lnSpc>
+              <a:spcBef>
+                <a:spcPts val="600"/>
+              </a:spcBef>
+              <a:buSzPct val="95000"/>
+            </a:pPr>
+            <a:endParaRPr lang="it-IT" sz="2200" dirty="0"/>
+          </a:p>
+        </p:txBody>
+      </p:sp>
+      <p:sp>
+        <p:nvSpPr>
+          <p:cNvPr id="2" name="Segnaposto testo 6">
+            <a:extLst>
+              <a:ext uri="{FF2B5EF4-FFF2-40B4-BE49-F238E27FC236}">
+                <a16:creationId xmlns:a16="http://schemas.microsoft.com/office/drawing/2014/main" id="{28CF2A40-97CF-7FA6-D1BA-5504DFC9FD6E}"/>
+              </a:ext>
+            </a:extLst>
+          </p:cNvPr>
+          <p:cNvSpPr txBox="1">
+            <a:spLocks/>
+          </p:cNvSpPr>
+          <p:nvPr/>
+        </p:nvSpPr>
+        <p:spPr>
+          <a:xfrm>
+            <a:off x="2728047" y="681487"/>
+            <a:ext cx="9305802" cy="4189582"/>
+          </a:xfrm>
+          <a:prstGeom prst="rect">
+            <a:avLst/>
+          </a:prstGeom>
+        </p:spPr>
+        <p:txBody>
+          <a:bodyPr vert="horz" lIns="0" tIns="0" rIns="0" bIns="0" rtlCol="0" anchor="t">
+            <a:noAutofit/>
+          </a:bodyPr>
+          <a:lstStyle>
+            <a:defPPr>
+              <a:defRPr lang="it-IT"/>
+            </a:defPPr>
+            <a:lvl1pPr marL="0" indent="0" algn="l" defTabSz="914400" rtl="0" eaLnBrk="1" latinLnBrk="0" hangingPunct="1">
+              <a:lnSpc>
+                <a:spcPts val="1580"/>
+              </a:lnSpc>
+              <a:spcBef>
+                <a:spcPts val="0"/>
+              </a:spcBef>
+              <a:buFont typeface="Arial" panose="020B0604020202020204" pitchFamily="34" charset="0"/>
+              <a:buNone/>
+              <a:defRPr lang="it-IT" sz="1400" b="0" i="0" kern="1200" baseline="0">
+                <a:solidFill>
+                  <a:schemeClr val="tx1"/>
+                </a:solidFill>
+                <a:latin typeface="+mn-lt"/>
+                <a:ea typeface="+mn-ea"/>
+                <a:cs typeface="+mn-cs"/>
+              </a:defRPr>
+            </a:lvl1pPr>
+            <a:lvl2pPr marL="685800" indent="-228600" algn="l" defTabSz="914400" rtl="0" eaLnBrk="1" latinLnBrk="0" hangingPunct="1">
+              <a:lnSpc>
+                <a:spcPct val="90000"/>
+              </a:lnSpc>
+              <a:spcBef>
+                <a:spcPts val="500"/>
+              </a:spcBef>
+              <a:buFont typeface="Arial" panose="020B0604020202020204" pitchFamily="34" charset="0"/>
+              <a:buChar char="•"/>
+              <a:defRPr lang="it-IT" sz="2000" b="0" i="0" kern="1200" baseline="0">
+                <a:solidFill>
+                  <a:schemeClr val="tx1"/>
+                </a:solidFill>
+                <a:latin typeface="+mn-lt"/>
+                <a:ea typeface="+mn-ea"/>
+                <a:cs typeface="+mn-cs"/>
+              </a:defRPr>
+            </a:lvl2pPr>
+            <a:lvl3pPr marL="1143000" indent="-228600" algn="l" defTabSz="914400" rtl="0" eaLnBrk="1" latinLnBrk="0" hangingPunct="1">
+              <a:lnSpc>
+                <a:spcPct val="90000"/>
+              </a:lnSpc>
+              <a:spcBef>
+                <a:spcPts val="500"/>
+              </a:spcBef>
+              <a:buFont typeface="Arial" panose="020B0604020202020204" pitchFamily="34" charset="0"/>
+              <a:buChar char="•"/>
+              <a:defRPr lang="it-IT" sz="1800" b="0" i="0" kern="1200" baseline="0">
+                <a:solidFill>
+                  <a:schemeClr val="tx1"/>
+                </a:solidFill>
+                <a:latin typeface="+mn-lt"/>
+                <a:ea typeface="+mn-ea"/>
+                <a:cs typeface="+mn-cs"/>
+              </a:defRPr>
+            </a:lvl3pPr>
+            <a:lvl4pPr marL="1600200" indent="-228600" algn="l" defTabSz="914400" rtl="0" eaLnBrk="1" latinLnBrk="0" hangingPunct="1">
+              <a:lnSpc>
+                <a:spcPct val="90000"/>
+              </a:lnSpc>
+              <a:spcBef>
+                <a:spcPts val="500"/>
+              </a:spcBef>
+              <a:buFont typeface="Arial" panose="020B0604020202020204" pitchFamily="34" charset="0"/>
+              <a:buChar char="•"/>
+              <a:defRPr lang="it-IT" sz="1600" b="0" i="0" kern="1200" baseline="0">
+                <a:solidFill>
+                  <a:schemeClr val="tx1"/>
+                </a:solidFill>
+                <a:latin typeface="+mn-lt"/>
+                <a:ea typeface="+mn-ea"/>
+                <a:cs typeface="+mn-cs"/>
+              </a:defRPr>
+            </a:lvl4pPr>
+            <a:lvl5pPr marL="2057400" indent="-228600" algn="l" defTabSz="914400" rtl="0" eaLnBrk="1" latinLnBrk="0" hangingPunct="1">
+              <a:lnSpc>
+                <a:spcPct val="90000"/>
+              </a:lnSpc>
+              <a:spcBef>
+                <a:spcPts val="500"/>
+              </a:spcBef>
+              <a:buFont typeface="Arial" panose="020B0604020202020204" pitchFamily="34" charset="0"/>
+              <a:buChar char="•"/>
+              <a:defRPr lang="it-IT" sz="1400" b="0" i="0" kern="1200" baseline="0">
+                <a:solidFill>
+                  <a:schemeClr val="tx1"/>
+                </a:solidFill>
+                <a:latin typeface="+mn-lt"/>
+                <a:ea typeface="+mn-ea"/>
+                <a:cs typeface="+mn-cs"/>
+              </a:defRPr>
+            </a:lvl5pPr>
+            <a:lvl6pPr marL="2514600" indent="-228600" algn="l" defTabSz="914400" rtl="0" eaLnBrk="1" latinLnBrk="0" hangingPunct="1">
+              <a:lnSpc>
+                <a:spcPct val="90000"/>
+              </a:lnSpc>
+              <a:spcBef>
+                <a:spcPts val="500"/>
+              </a:spcBef>
+              <a:buFont typeface="Arial" panose="020B0604020202020204" pitchFamily="34" charset="0"/>
+              <a:buChar char="•"/>
+              <a:defRPr lang="it-IT" sz="1800" kern="1200">
+                <a:solidFill>
+                  <a:schemeClr val="tx1"/>
+                </a:solidFill>
+                <a:latin typeface="+mn-lt"/>
+                <a:ea typeface="+mn-ea"/>
+                <a:cs typeface="+mn-cs"/>
+              </a:defRPr>
+            </a:lvl6pPr>
+            <a:lvl7pPr marL="2971800" indent="-228600" algn="l" defTabSz="914400" rtl="0" eaLnBrk="1" latinLnBrk="0" hangingPunct="1">
+              <a:lnSpc>
+                <a:spcPct val="90000"/>
+              </a:lnSpc>
+              <a:spcBef>
+                <a:spcPts val="500"/>
+              </a:spcBef>
+              <a:buFont typeface="Arial" panose="020B0604020202020204" pitchFamily="34" charset="0"/>
+              <a:buChar char="•"/>
+              <a:defRPr lang="it-IT" sz="1800" kern="1200">
+                <a:solidFill>
+                  <a:schemeClr val="tx1"/>
+                </a:solidFill>
+                <a:latin typeface="+mn-lt"/>
+                <a:ea typeface="+mn-ea"/>
+                <a:cs typeface="+mn-cs"/>
+              </a:defRPr>
+            </a:lvl7pPr>
+            <a:lvl8pPr marL="3429000" indent="-228600" algn="l" defTabSz="914400" rtl="0" eaLnBrk="1" latinLnBrk="0" hangingPunct="1">
+              <a:lnSpc>
+                <a:spcPct val="90000"/>
+              </a:lnSpc>
+              <a:spcBef>
+                <a:spcPts val="500"/>
+              </a:spcBef>
+              <a:buFont typeface="Arial" panose="020B0604020202020204" pitchFamily="34" charset="0"/>
+              <a:buChar char="•"/>
+              <a:defRPr lang="it-IT" sz="1800" kern="1200">
+                <a:solidFill>
+                  <a:schemeClr val="tx1"/>
+                </a:solidFill>
+                <a:latin typeface="+mn-lt"/>
+                <a:ea typeface="+mn-ea"/>
+                <a:cs typeface="+mn-cs"/>
+              </a:defRPr>
+            </a:lvl8pPr>
+            <a:lvl9pPr marL="3886200" indent="-228600" algn="l" defTabSz="914400" rtl="0" eaLnBrk="1" latinLnBrk="0" hangingPunct="1">
+              <a:lnSpc>
+                <a:spcPct val="90000"/>
+              </a:lnSpc>
+              <a:spcBef>
+                <a:spcPts val="500"/>
+              </a:spcBef>
+              <a:buFont typeface="Arial" panose="020B0604020202020204" pitchFamily="34" charset="0"/>
+              <a:buChar char="•"/>
+              <a:defRPr lang="it-IT" sz="1800" kern="1200">
+                <a:solidFill>
+                  <a:schemeClr val="tx1"/>
+                </a:solidFill>
+                <a:latin typeface="+mn-lt"/>
+                <a:ea typeface="+mn-ea"/>
+                <a:cs typeface="+mn-cs"/>
+              </a:defRPr>
+            </a:lvl9pPr>
+          </a:lstStyle>
+          <a:p>
+            <a:pPr>
+              <a:lnSpc>
+                <a:spcPct val="100000"/>
+              </a:lnSpc>
+              <a:spcBef>
+                <a:spcPts val="600"/>
+              </a:spcBef>
+              <a:buSzPct val="95000"/>
+            </a:pPr>
+            <a:r>
+              <a:rPr lang="it-IT" sz="1600" dirty="0"/>
+              <a:t>Nell’esempio si possono apprezzare la </a:t>
+            </a:r>
+            <a:r>
+              <a:rPr lang="it-IT" sz="1600" dirty="0" err="1"/>
+              <a:t>std</a:t>
+            </a:r>
+            <a:r>
+              <a:rPr lang="it-IT" sz="1600" dirty="0"/>
+              <a:t> </a:t>
+            </a:r>
+            <a:r>
+              <a:rPr lang="it-IT" sz="1600" dirty="0" err="1"/>
+              <a:t>map</a:t>
+            </a:r>
+            <a:r>
+              <a:rPr lang="it-IT" sz="1600" dirty="0"/>
+              <a:t> (in alto) e l’</a:t>
+            </a:r>
+            <a:r>
+              <a:rPr lang="it-IT" sz="1600" dirty="0" err="1"/>
+              <a:t>entropy</a:t>
+            </a:r>
+            <a:r>
+              <a:rPr lang="it-IT" sz="1600" dirty="0"/>
+              <a:t> </a:t>
+            </a:r>
+            <a:r>
+              <a:rPr lang="it-IT" sz="1600" dirty="0" err="1"/>
+              <a:t>map</a:t>
+            </a:r>
+            <a:r>
+              <a:rPr lang="it-IT" sz="1600" dirty="0"/>
+              <a:t> (in basso). Nell’ultima colonna, la maschera manuale e le mappe vengono moltiplicate tra di loro: è da questa matrice che vengono calcolate le metriche, sommando i valori non nulli di ciascuna delle due.</a:t>
+            </a:r>
+          </a:p>
+        </p:txBody>
+      </p:sp>
+      <p:pic>
+        <p:nvPicPr>
+          <p:cNvPr id="3" name="Immagine 2">
+            <a:extLst>
+              <a:ext uri="{FF2B5EF4-FFF2-40B4-BE49-F238E27FC236}">
+                <a16:creationId xmlns:a16="http://schemas.microsoft.com/office/drawing/2014/main" id="{6551270D-1FCF-5D63-6806-0876CBB147D4}"/>
+              </a:ext>
+            </a:extLst>
+          </p:cNvPr>
+          <p:cNvPicPr>
+            <a:picLocks noChangeAspect="1"/>
+          </p:cNvPicPr>
+          <p:nvPr/>
+        </p:nvPicPr>
+        <p:blipFill rotWithShape="1">
+          <a:blip r:embed="rId3"/>
+          <a:srcRect l="9873" t="10555" r="8317" b="9430"/>
+          <a:stretch/>
+        </p:blipFill>
+        <p:spPr>
+          <a:xfrm>
+            <a:off x="1499118" y="1522190"/>
+            <a:ext cx="9974424" cy="5149197"/>
+          </a:xfrm>
+          <a:prstGeom prst="rect">
+            <a:avLst/>
+          </a:prstGeom>
+        </p:spPr>
+      </p:pic>
+    </p:spTree>
+    <p:extLst>
+      <p:ext uri="{BB962C8B-B14F-4D97-AF65-F5344CB8AC3E}">
+        <p14:creationId xmlns:p14="http://schemas.microsoft.com/office/powerpoint/2010/main" val="194226917"/>
+      </p:ext>
+    </p:extLst>
+  </p:cSld>
+  <p:clrMapOvr>
+    <a:masterClrMapping/>
+  </p:clrMapOvr>
+</p:sld>
+</file>
+
+<file path=ppt/slides/slide7.xml><?xml version="1.0" encoding="utf-8"?>
 <p:sld xmlns:a="http://schemas.openxmlformats.org/drawingml/2006/main" xmlns:r="http://schemas.openxmlformats.org/officeDocument/2006/relationships" xmlns:p="http://schemas.openxmlformats.org/presentationml/2006/main">
   <p:cSld>
     <p:spTree>
@@ -21110,2267 +21662,6 @@
             <a:fld id="{75DF2D63-3FF5-D547-96B9-BE9CCD1ABA58}" type="slidenum">
               <a:rPr lang="it-IT" smtClean="0"/>
               <a:pPr rtl="0"/>
-              <a:t>4</a:t>
-            </a:fld>
-            <a:endParaRPr lang="it-IT"/>
-          </a:p>
-        </p:txBody>
-      </p:sp>
-      <p:sp>
-        <p:nvSpPr>
-          <p:cNvPr id="6" name="Segnaposto testo 5">
-            <a:extLst>
-              <a:ext uri="{FF2B5EF4-FFF2-40B4-BE49-F238E27FC236}">
-                <a16:creationId xmlns:a16="http://schemas.microsoft.com/office/drawing/2014/main" id="{9117B42F-EC79-9DD2-3EBB-0C7381B7E0B0}"/>
-              </a:ext>
-            </a:extLst>
-          </p:cNvPr>
-          <p:cNvSpPr>
-            <a:spLocks noGrp="1"/>
-          </p:cNvSpPr>
-          <p:nvPr>
-            <p:ph type="body" sz="quarter" idx="16"/>
-          </p:nvPr>
-        </p:nvSpPr>
-        <p:spPr>
-          <a:xfrm>
-            <a:off x="1563937" y="427374"/>
-            <a:ext cx="10313932" cy="393317"/>
-          </a:xfrm>
-        </p:spPr>
-        <p:txBody>
-          <a:bodyPr rtlCol="0"/>
-          <a:lstStyle>
-            <a:defPPr>
-              <a:defRPr lang="it-IT"/>
-            </a:defPPr>
-          </a:lstStyle>
-          <a:p>
-            <a:pPr rtl="0"/>
-            <a:r>
-              <a:rPr lang="it-IT" sz="2000" b="1" spc="0" dirty="0"/>
-              <a:t>Metrica basata </a:t>
-            </a:r>
-            <a:r>
-              <a:rPr lang="it-IT" sz="2000" b="1" spc="0" dirty="0" err="1"/>
-              <a:t>sulL’ENTROPIA</a:t>
-            </a:r>
-            <a:r>
-              <a:rPr lang="it-IT" sz="2000" b="1" spc="0" dirty="0"/>
-              <a:t> - ENTROPY</a:t>
-            </a:r>
-          </a:p>
-        </p:txBody>
-      </p:sp>
-      <p:sp>
-        <p:nvSpPr>
-          <p:cNvPr id="30" name="Segnaposto testo 6">
-            <a:extLst>
-              <a:ext uri="{FF2B5EF4-FFF2-40B4-BE49-F238E27FC236}">
-                <a16:creationId xmlns:a16="http://schemas.microsoft.com/office/drawing/2014/main" id="{CCE4D350-FC14-221D-B6D3-C43425CB5C0E}"/>
-              </a:ext>
-            </a:extLst>
-          </p:cNvPr>
-          <p:cNvSpPr txBox="1">
-            <a:spLocks/>
-          </p:cNvSpPr>
-          <p:nvPr/>
-        </p:nvSpPr>
-        <p:spPr>
-          <a:xfrm>
-            <a:off x="885999" y="913999"/>
-            <a:ext cx="6405530" cy="4698365"/>
-          </a:xfrm>
-          <a:prstGeom prst="rect">
-            <a:avLst/>
-          </a:prstGeom>
-        </p:spPr>
-        <p:txBody>
-          <a:bodyPr vert="horz" lIns="0" tIns="0" rIns="0" bIns="0" rtlCol="0" anchor="t">
-            <a:noAutofit/>
-          </a:bodyPr>
-          <a:lstStyle>
-            <a:defPPr>
-              <a:defRPr lang="it-IT"/>
-            </a:defPPr>
-            <a:lvl1pPr marL="0" indent="0" algn="l" defTabSz="914400" rtl="0" eaLnBrk="1" latinLnBrk="0" hangingPunct="1">
-              <a:lnSpc>
-                <a:spcPts val="1580"/>
-              </a:lnSpc>
-              <a:spcBef>
-                <a:spcPts val="0"/>
-              </a:spcBef>
-              <a:buFont typeface="Arial" panose="020B0604020202020204" pitchFamily="34" charset="0"/>
-              <a:buNone/>
-              <a:defRPr lang="it-IT" sz="1400" b="0" i="0" kern="1200" baseline="0">
-                <a:solidFill>
-                  <a:schemeClr val="tx1"/>
-                </a:solidFill>
-                <a:latin typeface="+mn-lt"/>
-                <a:ea typeface="+mn-ea"/>
-                <a:cs typeface="+mn-cs"/>
-              </a:defRPr>
-            </a:lvl1pPr>
-            <a:lvl2pPr marL="685800" indent="-228600" algn="l" defTabSz="914400" rtl="0" eaLnBrk="1" latinLnBrk="0" hangingPunct="1">
-              <a:lnSpc>
-                <a:spcPct val="90000"/>
-              </a:lnSpc>
-              <a:spcBef>
-                <a:spcPts val="500"/>
-              </a:spcBef>
-              <a:buFont typeface="Arial" panose="020B0604020202020204" pitchFamily="34" charset="0"/>
-              <a:buChar char="•"/>
-              <a:defRPr lang="it-IT" sz="2000" b="0" i="0" kern="1200" baseline="0">
-                <a:solidFill>
-                  <a:schemeClr val="tx1"/>
-                </a:solidFill>
-                <a:latin typeface="+mn-lt"/>
-                <a:ea typeface="+mn-ea"/>
-                <a:cs typeface="+mn-cs"/>
-              </a:defRPr>
-            </a:lvl2pPr>
-            <a:lvl3pPr marL="1143000" indent="-228600" algn="l" defTabSz="914400" rtl="0" eaLnBrk="1" latinLnBrk="0" hangingPunct="1">
-              <a:lnSpc>
-                <a:spcPct val="90000"/>
-              </a:lnSpc>
-              <a:spcBef>
-                <a:spcPts val="500"/>
-              </a:spcBef>
-              <a:buFont typeface="Arial" panose="020B0604020202020204" pitchFamily="34" charset="0"/>
-              <a:buChar char="•"/>
-              <a:defRPr lang="it-IT" sz="1800" b="0" i="0" kern="1200" baseline="0">
-                <a:solidFill>
-                  <a:schemeClr val="tx1"/>
-                </a:solidFill>
-                <a:latin typeface="+mn-lt"/>
-                <a:ea typeface="+mn-ea"/>
-                <a:cs typeface="+mn-cs"/>
-              </a:defRPr>
-            </a:lvl3pPr>
-            <a:lvl4pPr marL="1600200" indent="-228600" algn="l" defTabSz="914400" rtl="0" eaLnBrk="1" latinLnBrk="0" hangingPunct="1">
-              <a:lnSpc>
-                <a:spcPct val="90000"/>
-              </a:lnSpc>
-              <a:spcBef>
-                <a:spcPts val="500"/>
-              </a:spcBef>
-              <a:buFont typeface="Arial" panose="020B0604020202020204" pitchFamily="34" charset="0"/>
-              <a:buChar char="•"/>
-              <a:defRPr lang="it-IT" sz="1600" b="0" i="0" kern="1200" baseline="0">
-                <a:solidFill>
-                  <a:schemeClr val="tx1"/>
-                </a:solidFill>
-                <a:latin typeface="+mn-lt"/>
-                <a:ea typeface="+mn-ea"/>
-                <a:cs typeface="+mn-cs"/>
-              </a:defRPr>
-            </a:lvl4pPr>
-            <a:lvl5pPr marL="2057400" indent="-228600" algn="l" defTabSz="914400" rtl="0" eaLnBrk="1" latinLnBrk="0" hangingPunct="1">
-              <a:lnSpc>
-                <a:spcPct val="90000"/>
-              </a:lnSpc>
-              <a:spcBef>
-                <a:spcPts val="500"/>
-              </a:spcBef>
-              <a:buFont typeface="Arial" panose="020B0604020202020204" pitchFamily="34" charset="0"/>
-              <a:buChar char="•"/>
-              <a:defRPr lang="it-IT" sz="1400" b="0" i="0" kern="1200" baseline="0">
-                <a:solidFill>
-                  <a:schemeClr val="tx1"/>
-                </a:solidFill>
-                <a:latin typeface="+mn-lt"/>
-                <a:ea typeface="+mn-ea"/>
-                <a:cs typeface="+mn-cs"/>
-              </a:defRPr>
-            </a:lvl5pPr>
-            <a:lvl6pPr marL="2514600" indent="-228600" algn="l" defTabSz="914400" rtl="0" eaLnBrk="1" latinLnBrk="0" hangingPunct="1">
-              <a:lnSpc>
-                <a:spcPct val="90000"/>
-              </a:lnSpc>
-              <a:spcBef>
-                <a:spcPts val="500"/>
-              </a:spcBef>
-              <a:buFont typeface="Arial" panose="020B0604020202020204" pitchFamily="34" charset="0"/>
-              <a:buChar char="•"/>
-              <a:defRPr lang="it-IT" sz="1800" kern="1200">
-                <a:solidFill>
-                  <a:schemeClr val="tx1"/>
-                </a:solidFill>
-                <a:latin typeface="+mn-lt"/>
-                <a:ea typeface="+mn-ea"/>
-                <a:cs typeface="+mn-cs"/>
-              </a:defRPr>
-            </a:lvl6pPr>
-            <a:lvl7pPr marL="2971800" indent="-228600" algn="l" defTabSz="914400" rtl="0" eaLnBrk="1" latinLnBrk="0" hangingPunct="1">
-              <a:lnSpc>
-                <a:spcPct val="90000"/>
-              </a:lnSpc>
-              <a:spcBef>
-                <a:spcPts val="500"/>
-              </a:spcBef>
-              <a:buFont typeface="Arial" panose="020B0604020202020204" pitchFamily="34" charset="0"/>
-              <a:buChar char="•"/>
-              <a:defRPr lang="it-IT" sz="1800" kern="1200">
-                <a:solidFill>
-                  <a:schemeClr val="tx1"/>
-                </a:solidFill>
-                <a:latin typeface="+mn-lt"/>
-                <a:ea typeface="+mn-ea"/>
-                <a:cs typeface="+mn-cs"/>
-              </a:defRPr>
-            </a:lvl7pPr>
-            <a:lvl8pPr marL="3429000" indent="-228600" algn="l" defTabSz="914400" rtl="0" eaLnBrk="1" latinLnBrk="0" hangingPunct="1">
-              <a:lnSpc>
-                <a:spcPct val="90000"/>
-              </a:lnSpc>
-              <a:spcBef>
-                <a:spcPts val="500"/>
-              </a:spcBef>
-              <a:buFont typeface="Arial" panose="020B0604020202020204" pitchFamily="34" charset="0"/>
-              <a:buChar char="•"/>
-              <a:defRPr lang="it-IT" sz="1800" kern="1200">
-                <a:solidFill>
-                  <a:schemeClr val="tx1"/>
-                </a:solidFill>
-                <a:latin typeface="+mn-lt"/>
-                <a:ea typeface="+mn-ea"/>
-                <a:cs typeface="+mn-cs"/>
-              </a:defRPr>
-            </a:lvl8pPr>
-            <a:lvl9pPr marL="3886200" indent="-228600" algn="l" defTabSz="914400" rtl="0" eaLnBrk="1" latinLnBrk="0" hangingPunct="1">
-              <a:lnSpc>
-                <a:spcPct val="90000"/>
-              </a:lnSpc>
-              <a:spcBef>
-                <a:spcPts val="500"/>
-              </a:spcBef>
-              <a:buFont typeface="Arial" panose="020B0604020202020204" pitchFamily="34" charset="0"/>
-              <a:buChar char="•"/>
-              <a:defRPr lang="it-IT" sz="1800" kern="1200">
-                <a:solidFill>
-                  <a:schemeClr val="tx1"/>
-                </a:solidFill>
-                <a:latin typeface="+mn-lt"/>
-                <a:ea typeface="+mn-ea"/>
-                <a:cs typeface="+mn-cs"/>
-              </a:defRPr>
-            </a:lvl9pPr>
-          </a:lstStyle>
-          <a:p>
-            <a:pPr>
-              <a:lnSpc>
-                <a:spcPct val="100000"/>
-              </a:lnSpc>
-              <a:spcBef>
-                <a:spcPts val="600"/>
-              </a:spcBef>
-              <a:buSzPct val="95000"/>
-            </a:pPr>
-            <a:r>
-              <a:rPr lang="it-IT" sz="1600" dirty="0"/>
-              <a:t>Per calcolare questa metrica, sono stati svolti i seguenti passaggi preliminari:</a:t>
-            </a:r>
-            <a:endParaRPr lang="it-IT" sz="2200" dirty="0"/>
-          </a:p>
-          <a:p>
-            <a:pPr marL="285750" indent="-285750">
-              <a:lnSpc>
-                <a:spcPct val="100000"/>
-              </a:lnSpc>
-              <a:spcBef>
-                <a:spcPts val="600"/>
-              </a:spcBef>
-              <a:buSzPct val="95000"/>
-              <a:buFont typeface="Arial" panose="020B0604020202020204" pitchFamily="34" charset="0"/>
-              <a:buChar char="•"/>
-            </a:pPr>
-            <a:r>
-              <a:rPr lang="it-IT" sz="1600" dirty="0"/>
-              <a:t>Creazione di una matrice quadridimensionale in cui salvare i dati delle 20 </a:t>
-            </a:r>
-            <a:r>
-              <a:rPr lang="it-IT" sz="1600" dirty="0" err="1"/>
-              <a:t>softmax</a:t>
-            </a:r>
-            <a:r>
-              <a:rPr lang="it-IT" sz="1600" dirty="0"/>
-              <a:t> generate dalle 20 </a:t>
-            </a:r>
-            <a:r>
-              <a:rPr lang="it-IT" sz="1600" dirty="0" err="1"/>
-              <a:t>inference</a:t>
-            </a:r>
-            <a:r>
-              <a:rPr lang="it-IT" sz="1600" dirty="0"/>
-              <a:t> </a:t>
-            </a:r>
-            <a:r>
-              <a:rPr lang="it-IT" sz="1600" dirty="0" err="1"/>
-              <a:t>MonteCarlo</a:t>
-            </a:r>
-            <a:r>
-              <a:rPr lang="it-IT" sz="1600" dirty="0"/>
-              <a:t> sulla stessa immagine di partenza (denominata </a:t>
-            </a:r>
-            <a:r>
-              <a:rPr lang="it-IT" sz="1600" i="1" dirty="0" err="1"/>
-              <a:t>softmax_matrix</a:t>
-            </a:r>
-            <a:r>
-              <a:rPr lang="it-IT" sz="1600" dirty="0"/>
-              <a:t>)</a:t>
-            </a:r>
-          </a:p>
-          <a:p>
-            <a:pPr marL="285750" indent="-285750">
-              <a:lnSpc>
-                <a:spcPct val="100000"/>
-              </a:lnSpc>
-              <a:spcBef>
-                <a:spcPts val="600"/>
-              </a:spcBef>
-              <a:buSzPct val="95000"/>
-              <a:buFont typeface="Arial" panose="020B0604020202020204" pitchFamily="34" charset="0"/>
-              <a:buChar char="•"/>
-            </a:pPr>
-            <a:r>
-              <a:rPr lang="it-IT" sz="1600" dirty="0"/>
-              <a:t>Alla matrice, per la classe selezionata (in questo caso: 1), viene applicata una funzione (in basso in questa slide) che crea una </a:t>
-            </a:r>
-            <a:r>
-              <a:rPr lang="it-IT" sz="1600" i="1" dirty="0" err="1"/>
-              <a:t>entropy</a:t>
-            </a:r>
-            <a:r>
-              <a:rPr lang="it-IT" sz="1600" i="1" dirty="0"/>
-              <a:t> </a:t>
-            </a:r>
-            <a:r>
-              <a:rPr lang="it-IT" sz="1600" i="1" dirty="0" err="1"/>
-              <a:t>map</a:t>
-            </a:r>
-            <a:r>
-              <a:rPr lang="it-IT" sz="1600" i="1" dirty="0"/>
-              <a:t> </a:t>
-            </a:r>
-            <a:r>
-              <a:rPr lang="it-IT" sz="1600" dirty="0"/>
-              <a:t>bidimensionale,</a:t>
-            </a:r>
-            <a:r>
-              <a:rPr lang="it-IT" sz="1600" i="1" dirty="0"/>
-              <a:t> </a:t>
-            </a:r>
-            <a:r>
-              <a:rPr lang="it-IT" sz="1600" dirty="0"/>
-              <a:t>della quale ogni punto </a:t>
-            </a:r>
-            <a:r>
-              <a:rPr lang="it-IT" sz="1600" dirty="0" err="1"/>
-              <a:t>i,j</a:t>
-            </a:r>
-            <a:r>
-              <a:rPr lang="it-IT" sz="1600" dirty="0"/>
-              <a:t> è l’entropia del valore dei 20 corrispondenti punti </a:t>
-            </a:r>
-            <a:r>
-              <a:rPr lang="it-IT" sz="1600" dirty="0" err="1"/>
-              <a:t>i,j</a:t>
-            </a:r>
-            <a:r>
-              <a:rPr lang="it-IT" sz="1600" dirty="0"/>
-              <a:t> delle 20 </a:t>
-            </a:r>
-            <a:r>
-              <a:rPr lang="it-IT" sz="1600" dirty="0" err="1"/>
-              <a:t>softmax</a:t>
-            </a:r>
-            <a:r>
-              <a:rPr lang="it-IT" sz="1600" dirty="0"/>
-              <a:t>. L’entropia implementata è l’entropia di </a:t>
-            </a:r>
-            <a:r>
-              <a:rPr lang="it-IT" sz="1600" i="1" dirty="0"/>
-              <a:t>Shannon</a:t>
-            </a:r>
-            <a:r>
-              <a:rPr lang="it-IT" sz="1600" dirty="0"/>
-              <a:t>.</a:t>
-            </a:r>
-          </a:p>
-          <a:p>
-            <a:pPr marL="285750" indent="-285750">
-              <a:lnSpc>
-                <a:spcPct val="100000"/>
-              </a:lnSpc>
-              <a:spcBef>
-                <a:spcPts val="600"/>
-              </a:spcBef>
-              <a:buSzPct val="95000"/>
-              <a:buFont typeface="Arial" panose="020B0604020202020204" pitchFamily="34" charset="0"/>
-              <a:buChar char="•"/>
-            </a:pPr>
-            <a:r>
-              <a:rPr lang="it-IT" sz="1600" dirty="0"/>
-              <a:t>Il risultato della </a:t>
-            </a:r>
-            <a:r>
-              <a:rPr lang="it-IT" sz="1600" dirty="0" err="1"/>
-              <a:t>entropy</a:t>
-            </a:r>
-            <a:r>
-              <a:rPr lang="it-IT" sz="1600" dirty="0"/>
-              <a:t> </a:t>
-            </a:r>
-            <a:r>
-              <a:rPr lang="it-IT" sz="1600" dirty="0" err="1"/>
-              <a:t>map</a:t>
-            </a:r>
-            <a:r>
-              <a:rPr lang="it-IT" sz="1600" dirty="0"/>
-              <a:t> è una mappa di entropia, come ad esempio l’immagine a destra</a:t>
-            </a:r>
-          </a:p>
-          <a:p>
-            <a:pPr marL="285750" indent="-285750">
-              <a:lnSpc>
-                <a:spcPct val="100000"/>
-              </a:lnSpc>
-              <a:spcBef>
-                <a:spcPts val="600"/>
-              </a:spcBef>
-              <a:buSzPct val="95000"/>
-              <a:buFont typeface="Arial" panose="020B0604020202020204" pitchFamily="34" charset="0"/>
-              <a:buChar char="•"/>
-            </a:pPr>
-            <a:r>
-              <a:rPr lang="it-IT" sz="1600" dirty="0"/>
-              <a:t>Il valore associato ad ogni immagine del test set sarà la somma dei valori della </a:t>
-            </a:r>
-            <a:r>
-              <a:rPr lang="it-IT" sz="1600" dirty="0" err="1"/>
-              <a:t>entropy</a:t>
-            </a:r>
-            <a:r>
-              <a:rPr lang="it-IT" sz="1600" dirty="0"/>
-              <a:t> </a:t>
-            </a:r>
-            <a:r>
-              <a:rPr lang="it-IT" sz="1600" dirty="0" err="1"/>
-              <a:t>map</a:t>
-            </a:r>
-            <a:r>
-              <a:rPr lang="it-IT" sz="1600" dirty="0"/>
-              <a:t>, moltiplicato per la maschera manuale (ground truth)</a:t>
-            </a:r>
-          </a:p>
-        </p:txBody>
-      </p:sp>
-      <p:pic>
-        <p:nvPicPr>
-          <p:cNvPr id="3" name="Immagine 2">
-            <a:extLst>
-              <a:ext uri="{FF2B5EF4-FFF2-40B4-BE49-F238E27FC236}">
-                <a16:creationId xmlns:a16="http://schemas.microsoft.com/office/drawing/2014/main" id="{148BDBE3-EFA7-5A1F-AAD7-5EEE708F3632}"/>
-              </a:ext>
-            </a:extLst>
-          </p:cNvPr>
-          <p:cNvPicPr>
-            <a:picLocks noChangeAspect="1"/>
-          </p:cNvPicPr>
-          <p:nvPr/>
-        </p:nvPicPr>
-        <p:blipFill rotWithShape="1">
-          <a:blip r:embed="rId4"/>
-          <a:srcRect t="56598"/>
-          <a:stretch/>
-        </p:blipFill>
-        <p:spPr>
-          <a:xfrm>
-            <a:off x="1138334" y="4980176"/>
-            <a:ext cx="7506748" cy="1219665"/>
-          </a:xfrm>
-          <a:prstGeom prst="rect">
-            <a:avLst/>
-          </a:prstGeom>
-        </p:spPr>
-      </p:pic>
-      <p:pic>
-        <p:nvPicPr>
-          <p:cNvPr id="11" name="Immagine 10">
-            <a:extLst>
-              <a:ext uri="{FF2B5EF4-FFF2-40B4-BE49-F238E27FC236}">
-                <a16:creationId xmlns:a16="http://schemas.microsoft.com/office/drawing/2014/main" id="{FC465C5A-E5DB-D60A-C056-8C4569A9EBCA}"/>
-              </a:ext>
-            </a:extLst>
-          </p:cNvPr>
-          <p:cNvPicPr>
-            <a:picLocks noChangeAspect="1"/>
-          </p:cNvPicPr>
-          <p:nvPr/>
-        </p:nvPicPr>
-        <p:blipFill>
-          <a:blip r:embed="rId5"/>
-          <a:stretch>
-            <a:fillRect/>
-          </a:stretch>
-        </p:blipFill>
-        <p:spPr>
-          <a:xfrm>
-            <a:off x="7509581" y="1173193"/>
-            <a:ext cx="4368288" cy="3693512"/>
-          </a:xfrm>
-          <a:prstGeom prst="rect">
-            <a:avLst/>
-          </a:prstGeom>
-        </p:spPr>
-      </p:pic>
-    </p:spTree>
-    <p:extLst>
-      <p:ext uri="{BB962C8B-B14F-4D97-AF65-F5344CB8AC3E}">
-        <p14:creationId xmlns:p14="http://schemas.microsoft.com/office/powerpoint/2010/main" val="273259520"/>
-      </p:ext>
-    </p:extLst>
-  </p:cSld>
-  <p:clrMapOvr>
-    <a:masterClrMapping/>
-  </p:clrMapOvr>
-</p:sld>
-</file>
-
-<file path=ppt/slides/slide5.xml><?xml version="1.0" encoding="utf-8"?>
-<p:sld xmlns:a="http://schemas.openxmlformats.org/drawingml/2006/main" xmlns:r="http://schemas.openxmlformats.org/officeDocument/2006/relationships" xmlns:p="http://schemas.openxmlformats.org/presentationml/2006/main">
-  <p:cSld>
-    <p:spTree>
-      <p:nvGrpSpPr>
-        <p:cNvPr id="1" name=""/>
-        <p:cNvGrpSpPr/>
-        <p:nvPr/>
-      </p:nvGrpSpPr>
-      <p:grpSpPr>
-        <a:xfrm>
-          <a:off x="0" y="0"/>
-          <a:ext cx="0" cy="0"/>
-          <a:chOff x="0" y="0"/>
-          <a:chExt cx="0" cy="0"/>
-        </a:xfrm>
-      </p:grpSpPr>
-      <p:sp>
-        <p:nvSpPr>
-          <p:cNvPr id="19" name="Rettangolo 18">
-            <a:extLst>
-              <a:ext uri="{FF2B5EF4-FFF2-40B4-BE49-F238E27FC236}">
-                <a16:creationId xmlns:a16="http://schemas.microsoft.com/office/drawing/2014/main" id="{C2A42D7A-456D-B130-10D7-636ED349C8E8}"/>
-              </a:ext>
-            </a:extLst>
-          </p:cNvPr>
-          <p:cNvSpPr/>
-          <p:nvPr/>
-        </p:nvSpPr>
-        <p:spPr>
-          <a:xfrm>
-            <a:off x="1138334" y="3380597"/>
-            <a:ext cx="8845421" cy="289249"/>
-          </a:xfrm>
-          <a:prstGeom prst="rect">
-            <a:avLst/>
-          </a:prstGeom>
-          <a:ln>
-            <a:noFill/>
-          </a:ln>
-        </p:spPr>
-        <p:style>
-          <a:lnRef idx="2">
-            <a:schemeClr val="accent6"/>
-          </a:lnRef>
-          <a:fillRef idx="1">
-            <a:schemeClr val="lt1"/>
-          </a:fillRef>
-          <a:effectRef idx="0">
-            <a:schemeClr val="accent6"/>
-          </a:effectRef>
-          <a:fontRef idx="minor">
-            <a:schemeClr val="dk1"/>
-          </a:fontRef>
-        </p:style>
-        <p:txBody>
-          <a:bodyPr rtlCol="0" anchor="ctr"/>
-          <a:lstStyle/>
-          <a:p>
-            <a:pPr algn="ctr"/>
-            <a:endParaRPr lang="it-IT" sz="3600"/>
-          </a:p>
-        </p:txBody>
-      </p:sp>
-      <p:sp>
-        <p:nvSpPr>
-          <p:cNvPr id="5" name="Segnaposto piè di pagina 4">
-            <a:extLst>
-              <a:ext uri="{FF2B5EF4-FFF2-40B4-BE49-F238E27FC236}">
-                <a16:creationId xmlns:a16="http://schemas.microsoft.com/office/drawing/2014/main" id="{F0D8A8D9-0655-E1FF-7DED-F2EC492D6EE1}"/>
-              </a:ext>
-            </a:extLst>
-          </p:cNvPr>
-          <p:cNvSpPr>
-            <a:spLocks noGrp="1"/>
-          </p:cNvSpPr>
-          <p:nvPr>
-            <p:ph type="ftr" sz="quarter" idx="11"/>
-          </p:nvPr>
-        </p:nvSpPr>
-        <p:spPr/>
-        <p:txBody>
-          <a:bodyPr rtlCol="0"/>
-          <a:lstStyle>
-            <a:defPPr>
-              <a:defRPr lang="it-IT"/>
-            </a:defPPr>
-          </a:lstStyle>
-          <a:p>
-            <a:pPr rtl="0"/>
-            <a:r>
-              <a:rPr lang="it-IT" dirty="0"/>
-              <a:t>Explainability in deep learning</a:t>
-            </a:r>
-          </a:p>
-        </p:txBody>
-      </p:sp>
-      <p:pic>
-        <p:nvPicPr>
-          <p:cNvPr id="16" name="Segnaposto contenuto 25" descr="Vista al microscopio di un materiale in sospensione simile a una bolla con acqua al suo interno">
-            <a:extLst>
-              <a:ext uri="{FF2B5EF4-FFF2-40B4-BE49-F238E27FC236}">
-                <a16:creationId xmlns:a16="http://schemas.microsoft.com/office/drawing/2014/main" id="{B083ED63-584D-2579-2721-B716F3BC8F6B}"/>
-              </a:ext>
-            </a:extLst>
-          </p:cNvPr>
-          <p:cNvPicPr>
-            <a:picLocks noGrp="1" noChangeAspect="1"/>
-          </p:cNvPicPr>
-          <p:nvPr>
-            <p:ph type="pic" sz="quarter" idx="30"/>
-          </p:nvPr>
-        </p:nvPicPr>
-        <p:blipFill>
-          <a:blip r:embed="rId3">
-            <a:alphaModFix amt="70000"/>
-            <a:duotone>
-              <a:schemeClr val="accent3">
-                <a:shade val="45000"/>
-                <a:satMod val="135000"/>
-              </a:schemeClr>
-              <a:prstClr val="white"/>
-            </a:duotone>
-            <a:extLst>
-              <a:ext uri="{28A0092B-C50C-407E-A947-70E740481C1C}">
-                <a14:useLocalDpi xmlns:a14="http://schemas.microsoft.com/office/drawing/2010/main" val="0"/>
-              </a:ext>
-            </a:extLst>
-          </a:blip>
-          <a:srcRect/>
-          <a:stretch/>
-        </p:blipFill>
-        <p:spPr>
-          <a:xfrm>
-            <a:off x="0" y="5175250"/>
-            <a:ext cx="12188825" cy="1682750"/>
-          </a:xfrm>
-          <a:custGeom>
-            <a:avLst/>
-            <a:gdLst>
-              <a:gd name="connsiteX0" fmla="*/ 0 w 12192000"/>
-              <a:gd name="connsiteY0" fmla="*/ 0 h 1588010"/>
-              <a:gd name="connsiteX1" fmla="*/ 12192000 w 12192000"/>
-              <a:gd name="connsiteY1" fmla="*/ 0 h 1588010"/>
-              <a:gd name="connsiteX2" fmla="*/ 12192000 w 12192000"/>
-              <a:gd name="connsiteY2" fmla="*/ 1588010 h 1588010"/>
-              <a:gd name="connsiteX3" fmla="*/ 0 w 12192000"/>
-              <a:gd name="connsiteY3" fmla="*/ 1588010 h 1588010"/>
-            </a:gdLst>
-            <a:ahLst/>
-            <a:cxnLst>
-              <a:cxn ang="0">
-                <a:pos x="connsiteX0" y="connsiteY0"/>
-              </a:cxn>
-              <a:cxn ang="0">
-                <a:pos x="connsiteX1" y="connsiteY1"/>
-              </a:cxn>
-              <a:cxn ang="0">
-                <a:pos x="connsiteX2" y="connsiteY2"/>
-              </a:cxn>
-              <a:cxn ang="0">
-                <a:pos x="connsiteX3" y="connsiteY3"/>
-              </a:cxn>
-            </a:cxnLst>
-            <a:rect l="l" t="t" r="r" b="b"/>
-            <a:pathLst>
-              <a:path w="12192000" h="1588010">
-                <a:moveTo>
-                  <a:pt x="0" y="0"/>
-                </a:moveTo>
-                <a:lnTo>
-                  <a:pt x="12192000" y="0"/>
-                </a:lnTo>
-                <a:lnTo>
-                  <a:pt x="12192000" y="1588010"/>
-                </a:lnTo>
-                <a:lnTo>
-                  <a:pt x="0" y="1588010"/>
-                </a:lnTo>
-                <a:close/>
-              </a:path>
-            </a:pathLst>
-          </a:custGeom>
-          <a:solidFill>
-            <a:schemeClr val="accent2"/>
-          </a:solidFill>
-        </p:spPr>
-      </p:pic>
-      <p:cxnSp>
-        <p:nvCxnSpPr>
-          <p:cNvPr id="17" name="Connettore diritto 16">
-            <a:extLst>
-              <a:ext uri="{FF2B5EF4-FFF2-40B4-BE49-F238E27FC236}">
-                <a16:creationId xmlns:a16="http://schemas.microsoft.com/office/drawing/2014/main" id="{8488A0F8-E720-D31B-750D-634FA849B5A9}"/>
-              </a:ext>
-              <a:ext uri="{C183D7F6-B498-43B3-948B-1728B52AA6E4}">
-                <adec:decorative xmlns:adec="http://schemas.microsoft.com/office/drawing/2017/decorative" val="1"/>
-              </a:ext>
-            </a:extLst>
-          </p:cNvPr>
-          <p:cNvCxnSpPr>
-            <a:cxnSpLocks/>
-          </p:cNvCxnSpPr>
-          <p:nvPr/>
-        </p:nvCxnSpPr>
-        <p:spPr>
-          <a:xfrm>
-            <a:off x="649224" y="5172458"/>
-            <a:ext cx="0" cy="618742"/>
-          </a:xfrm>
-          <a:prstGeom prst="line">
-            <a:avLst/>
-          </a:prstGeom>
-          <a:ln w="12700">
-            <a:solidFill>
-              <a:schemeClr val="bg1"/>
-            </a:solidFill>
-          </a:ln>
-        </p:spPr>
-        <p:style>
-          <a:lnRef idx="1">
-            <a:schemeClr val="accent1"/>
-          </a:lnRef>
-          <a:fillRef idx="0">
-            <a:schemeClr val="accent1"/>
-          </a:fillRef>
-          <a:effectRef idx="0">
-            <a:schemeClr val="accent1"/>
-          </a:effectRef>
-          <a:fontRef idx="minor">
-            <a:schemeClr val="tx1"/>
-          </a:fontRef>
-        </p:style>
-      </p:cxnSp>
-      <p:sp>
-        <p:nvSpPr>
-          <p:cNvPr id="4" name="Segnaposto numero diapositiva 3">
-            <a:extLst>
-              <a:ext uri="{FF2B5EF4-FFF2-40B4-BE49-F238E27FC236}">
-                <a16:creationId xmlns:a16="http://schemas.microsoft.com/office/drawing/2014/main" id="{B63EE887-A172-F01E-98D1-8781769CBEDE}"/>
-              </a:ext>
-            </a:extLst>
-          </p:cNvPr>
-          <p:cNvSpPr>
-            <a:spLocks noGrp="1"/>
-          </p:cNvSpPr>
-          <p:nvPr>
-            <p:ph type="sldNum" sz="quarter" idx="10"/>
-          </p:nvPr>
-        </p:nvSpPr>
-        <p:spPr/>
-        <p:txBody>
-          <a:bodyPr rtlCol="0"/>
-          <a:lstStyle>
-            <a:defPPr>
-              <a:defRPr lang="it-IT"/>
-            </a:defPPr>
-          </a:lstStyle>
-          <a:p>
-            <a:pPr rtl="0"/>
-            <a:fld id="{75DF2D63-3FF5-D547-96B9-BE9CCD1ABA58}" type="slidenum">
-              <a:rPr lang="it-IT" smtClean="0"/>
-              <a:pPr rtl="0"/>
-              <a:t>5</a:t>
-            </a:fld>
-            <a:endParaRPr lang="it-IT"/>
-          </a:p>
-        </p:txBody>
-      </p:sp>
-      <p:sp>
-        <p:nvSpPr>
-          <p:cNvPr id="6" name="Segnaposto testo 5">
-            <a:extLst>
-              <a:ext uri="{FF2B5EF4-FFF2-40B4-BE49-F238E27FC236}">
-                <a16:creationId xmlns:a16="http://schemas.microsoft.com/office/drawing/2014/main" id="{9117B42F-EC79-9DD2-3EBB-0C7381B7E0B0}"/>
-              </a:ext>
-            </a:extLst>
-          </p:cNvPr>
-          <p:cNvSpPr>
-            <a:spLocks noGrp="1"/>
-          </p:cNvSpPr>
-          <p:nvPr>
-            <p:ph type="body" sz="quarter" idx="16"/>
-          </p:nvPr>
-        </p:nvSpPr>
-        <p:spPr>
-          <a:xfrm>
-            <a:off x="1563937" y="427374"/>
-            <a:ext cx="10313932" cy="393317"/>
-          </a:xfrm>
-        </p:spPr>
-        <p:txBody>
-          <a:bodyPr rtlCol="0"/>
-          <a:lstStyle>
-            <a:defPPr>
-              <a:defRPr lang="it-IT"/>
-            </a:defPPr>
-          </a:lstStyle>
-          <a:p>
-            <a:pPr rtl="0"/>
-            <a:r>
-              <a:rPr lang="it-IT" sz="2000" b="1" spc="0" dirty="0"/>
-              <a:t>Metrica basata sui dice – dice </a:t>
-            </a:r>
-            <a:r>
-              <a:rPr lang="it-IT" sz="2000" b="1" spc="0" dirty="0" err="1"/>
-              <a:t>mat</a:t>
-            </a:r>
-            <a:endParaRPr lang="it-IT" sz="2000" b="1" spc="0" dirty="0"/>
-          </a:p>
-        </p:txBody>
-      </p:sp>
-      <p:sp>
-        <p:nvSpPr>
-          <p:cNvPr id="30" name="Segnaposto testo 6">
-            <a:extLst>
-              <a:ext uri="{FF2B5EF4-FFF2-40B4-BE49-F238E27FC236}">
-                <a16:creationId xmlns:a16="http://schemas.microsoft.com/office/drawing/2014/main" id="{CCE4D350-FC14-221D-B6D3-C43425CB5C0E}"/>
-              </a:ext>
-            </a:extLst>
-          </p:cNvPr>
-          <p:cNvSpPr txBox="1">
-            <a:spLocks/>
-          </p:cNvSpPr>
-          <p:nvPr/>
-        </p:nvSpPr>
-        <p:spPr>
-          <a:xfrm>
-            <a:off x="885999" y="913999"/>
-            <a:ext cx="6405530" cy="4698365"/>
-          </a:xfrm>
-          <a:prstGeom prst="rect">
-            <a:avLst/>
-          </a:prstGeom>
-        </p:spPr>
-        <p:txBody>
-          <a:bodyPr vert="horz" lIns="0" tIns="0" rIns="0" bIns="0" rtlCol="0" anchor="t">
-            <a:noAutofit/>
-          </a:bodyPr>
-          <a:lstStyle>
-            <a:defPPr>
-              <a:defRPr lang="it-IT"/>
-            </a:defPPr>
-            <a:lvl1pPr marL="0" indent="0" algn="l" defTabSz="914400" rtl="0" eaLnBrk="1" latinLnBrk="0" hangingPunct="1">
-              <a:lnSpc>
-                <a:spcPts val="1580"/>
-              </a:lnSpc>
-              <a:spcBef>
-                <a:spcPts val="0"/>
-              </a:spcBef>
-              <a:buFont typeface="Arial" panose="020B0604020202020204" pitchFamily="34" charset="0"/>
-              <a:buNone/>
-              <a:defRPr lang="it-IT" sz="1400" b="0" i="0" kern="1200" baseline="0">
-                <a:solidFill>
-                  <a:schemeClr val="tx1"/>
-                </a:solidFill>
-                <a:latin typeface="+mn-lt"/>
-                <a:ea typeface="+mn-ea"/>
-                <a:cs typeface="+mn-cs"/>
-              </a:defRPr>
-            </a:lvl1pPr>
-            <a:lvl2pPr marL="685800" indent="-228600" algn="l" defTabSz="914400" rtl="0" eaLnBrk="1" latinLnBrk="0" hangingPunct="1">
-              <a:lnSpc>
-                <a:spcPct val="90000"/>
-              </a:lnSpc>
-              <a:spcBef>
-                <a:spcPts val="500"/>
-              </a:spcBef>
-              <a:buFont typeface="Arial" panose="020B0604020202020204" pitchFamily="34" charset="0"/>
-              <a:buChar char="•"/>
-              <a:defRPr lang="it-IT" sz="2000" b="0" i="0" kern="1200" baseline="0">
-                <a:solidFill>
-                  <a:schemeClr val="tx1"/>
-                </a:solidFill>
-                <a:latin typeface="+mn-lt"/>
-                <a:ea typeface="+mn-ea"/>
-                <a:cs typeface="+mn-cs"/>
-              </a:defRPr>
-            </a:lvl2pPr>
-            <a:lvl3pPr marL="1143000" indent="-228600" algn="l" defTabSz="914400" rtl="0" eaLnBrk="1" latinLnBrk="0" hangingPunct="1">
-              <a:lnSpc>
-                <a:spcPct val="90000"/>
-              </a:lnSpc>
-              <a:spcBef>
-                <a:spcPts val="500"/>
-              </a:spcBef>
-              <a:buFont typeface="Arial" panose="020B0604020202020204" pitchFamily="34" charset="0"/>
-              <a:buChar char="•"/>
-              <a:defRPr lang="it-IT" sz="1800" b="0" i="0" kern="1200" baseline="0">
-                <a:solidFill>
-                  <a:schemeClr val="tx1"/>
-                </a:solidFill>
-                <a:latin typeface="+mn-lt"/>
-                <a:ea typeface="+mn-ea"/>
-                <a:cs typeface="+mn-cs"/>
-              </a:defRPr>
-            </a:lvl3pPr>
-            <a:lvl4pPr marL="1600200" indent="-228600" algn="l" defTabSz="914400" rtl="0" eaLnBrk="1" latinLnBrk="0" hangingPunct="1">
-              <a:lnSpc>
-                <a:spcPct val="90000"/>
-              </a:lnSpc>
-              <a:spcBef>
-                <a:spcPts val="500"/>
-              </a:spcBef>
-              <a:buFont typeface="Arial" panose="020B0604020202020204" pitchFamily="34" charset="0"/>
-              <a:buChar char="•"/>
-              <a:defRPr lang="it-IT" sz="1600" b="0" i="0" kern="1200" baseline="0">
-                <a:solidFill>
-                  <a:schemeClr val="tx1"/>
-                </a:solidFill>
-                <a:latin typeface="+mn-lt"/>
-                <a:ea typeface="+mn-ea"/>
-                <a:cs typeface="+mn-cs"/>
-              </a:defRPr>
-            </a:lvl4pPr>
-            <a:lvl5pPr marL="2057400" indent="-228600" algn="l" defTabSz="914400" rtl="0" eaLnBrk="1" latinLnBrk="0" hangingPunct="1">
-              <a:lnSpc>
-                <a:spcPct val="90000"/>
-              </a:lnSpc>
-              <a:spcBef>
-                <a:spcPts val="500"/>
-              </a:spcBef>
-              <a:buFont typeface="Arial" panose="020B0604020202020204" pitchFamily="34" charset="0"/>
-              <a:buChar char="•"/>
-              <a:defRPr lang="it-IT" sz="1400" b="0" i="0" kern="1200" baseline="0">
-                <a:solidFill>
-                  <a:schemeClr val="tx1"/>
-                </a:solidFill>
-                <a:latin typeface="+mn-lt"/>
-                <a:ea typeface="+mn-ea"/>
-                <a:cs typeface="+mn-cs"/>
-              </a:defRPr>
-            </a:lvl5pPr>
-            <a:lvl6pPr marL="2514600" indent="-228600" algn="l" defTabSz="914400" rtl="0" eaLnBrk="1" latinLnBrk="0" hangingPunct="1">
-              <a:lnSpc>
-                <a:spcPct val="90000"/>
-              </a:lnSpc>
-              <a:spcBef>
-                <a:spcPts val="500"/>
-              </a:spcBef>
-              <a:buFont typeface="Arial" panose="020B0604020202020204" pitchFamily="34" charset="0"/>
-              <a:buChar char="•"/>
-              <a:defRPr lang="it-IT" sz="1800" kern="1200">
-                <a:solidFill>
-                  <a:schemeClr val="tx1"/>
-                </a:solidFill>
-                <a:latin typeface="+mn-lt"/>
-                <a:ea typeface="+mn-ea"/>
-                <a:cs typeface="+mn-cs"/>
-              </a:defRPr>
-            </a:lvl6pPr>
-            <a:lvl7pPr marL="2971800" indent="-228600" algn="l" defTabSz="914400" rtl="0" eaLnBrk="1" latinLnBrk="0" hangingPunct="1">
-              <a:lnSpc>
-                <a:spcPct val="90000"/>
-              </a:lnSpc>
-              <a:spcBef>
-                <a:spcPts val="500"/>
-              </a:spcBef>
-              <a:buFont typeface="Arial" panose="020B0604020202020204" pitchFamily="34" charset="0"/>
-              <a:buChar char="•"/>
-              <a:defRPr lang="it-IT" sz="1800" kern="1200">
-                <a:solidFill>
-                  <a:schemeClr val="tx1"/>
-                </a:solidFill>
-                <a:latin typeface="+mn-lt"/>
-                <a:ea typeface="+mn-ea"/>
-                <a:cs typeface="+mn-cs"/>
-              </a:defRPr>
-            </a:lvl7pPr>
-            <a:lvl8pPr marL="3429000" indent="-228600" algn="l" defTabSz="914400" rtl="0" eaLnBrk="1" latinLnBrk="0" hangingPunct="1">
-              <a:lnSpc>
-                <a:spcPct val="90000"/>
-              </a:lnSpc>
-              <a:spcBef>
-                <a:spcPts val="500"/>
-              </a:spcBef>
-              <a:buFont typeface="Arial" panose="020B0604020202020204" pitchFamily="34" charset="0"/>
-              <a:buChar char="•"/>
-              <a:defRPr lang="it-IT" sz="1800" kern="1200">
-                <a:solidFill>
-                  <a:schemeClr val="tx1"/>
-                </a:solidFill>
-                <a:latin typeface="+mn-lt"/>
-                <a:ea typeface="+mn-ea"/>
-                <a:cs typeface="+mn-cs"/>
-              </a:defRPr>
-            </a:lvl8pPr>
-            <a:lvl9pPr marL="3886200" indent="-228600" algn="l" defTabSz="914400" rtl="0" eaLnBrk="1" latinLnBrk="0" hangingPunct="1">
-              <a:lnSpc>
-                <a:spcPct val="90000"/>
-              </a:lnSpc>
-              <a:spcBef>
-                <a:spcPts val="500"/>
-              </a:spcBef>
-              <a:buFont typeface="Arial" panose="020B0604020202020204" pitchFamily="34" charset="0"/>
-              <a:buChar char="•"/>
-              <a:defRPr lang="it-IT" sz="1800" kern="1200">
-                <a:solidFill>
-                  <a:schemeClr val="tx1"/>
-                </a:solidFill>
-                <a:latin typeface="+mn-lt"/>
-                <a:ea typeface="+mn-ea"/>
-                <a:cs typeface="+mn-cs"/>
-              </a:defRPr>
-            </a:lvl9pPr>
-          </a:lstStyle>
-          <a:p>
-            <a:pPr>
-              <a:lnSpc>
-                <a:spcPct val="100000"/>
-              </a:lnSpc>
-              <a:spcBef>
-                <a:spcPts val="600"/>
-              </a:spcBef>
-              <a:buSzPct val="95000"/>
-            </a:pPr>
-            <a:r>
-              <a:rPr lang="it-IT" sz="1600" dirty="0"/>
-              <a:t>Per calcolare questa metrica, sono stati svolti i seguenti passaggi preliminari:</a:t>
-            </a:r>
-            <a:endParaRPr lang="it-IT" sz="2200" dirty="0"/>
-          </a:p>
-          <a:p>
-            <a:pPr marL="285750" indent="-285750">
-              <a:lnSpc>
-                <a:spcPct val="100000"/>
-              </a:lnSpc>
-              <a:spcBef>
-                <a:spcPts val="600"/>
-              </a:spcBef>
-              <a:buSzPct val="95000"/>
-              <a:buFont typeface="Arial" panose="020B0604020202020204" pitchFamily="34" charset="0"/>
-              <a:buChar char="•"/>
-            </a:pPr>
-            <a:r>
-              <a:rPr lang="it-IT" sz="1600" dirty="0"/>
-              <a:t>Creazione di una matrice tridimensionale in cui salvare i dati delle 20 segmentazioni generate dalle 20 </a:t>
-            </a:r>
-            <a:r>
-              <a:rPr lang="it-IT" sz="1600" dirty="0" err="1"/>
-              <a:t>inference</a:t>
-            </a:r>
-            <a:r>
-              <a:rPr lang="it-IT" sz="1600" dirty="0"/>
-              <a:t> </a:t>
-            </a:r>
-            <a:r>
-              <a:rPr lang="it-IT" sz="1600" dirty="0" err="1"/>
-              <a:t>MonteCarlo</a:t>
-            </a:r>
-            <a:r>
-              <a:rPr lang="it-IT" sz="1600" dirty="0"/>
-              <a:t> sulla stessa immagine di partenza (denominata </a:t>
-            </a:r>
-            <a:r>
-              <a:rPr lang="it-IT" sz="1600" i="1" dirty="0" err="1"/>
-              <a:t>seg_matrix</a:t>
-            </a:r>
-            <a:r>
-              <a:rPr lang="it-IT" sz="1600" dirty="0"/>
-              <a:t>)</a:t>
-            </a:r>
-          </a:p>
-          <a:p>
-            <a:pPr marL="285750" indent="-285750">
-              <a:lnSpc>
-                <a:spcPct val="100000"/>
-              </a:lnSpc>
-              <a:spcBef>
-                <a:spcPts val="600"/>
-              </a:spcBef>
-              <a:buSzPct val="95000"/>
-              <a:buFont typeface="Arial" panose="020B0604020202020204" pitchFamily="34" charset="0"/>
-              <a:buChar char="•"/>
-            </a:pPr>
-            <a:r>
-              <a:rPr lang="it-IT" sz="1600" dirty="0"/>
-              <a:t>Alla matrice viene applicata una funzione (in basso in questa slide) che crea una matrice diagonale alta,</a:t>
-            </a:r>
-            <a:r>
-              <a:rPr lang="it-IT" sz="1600" i="1" dirty="0"/>
-              <a:t> </a:t>
-            </a:r>
-            <a:r>
-              <a:rPr lang="it-IT" sz="1600" dirty="0"/>
-              <a:t>della quale ogni punto </a:t>
-            </a:r>
-            <a:r>
-              <a:rPr lang="it-IT" sz="1600" dirty="0" err="1"/>
-              <a:t>i,j</a:t>
-            </a:r>
-            <a:r>
-              <a:rPr lang="it-IT" sz="1600" dirty="0"/>
-              <a:t> è il coefficiente di Sorensen-Dice tra la segmentazione i e la segmentazione j selezionate tra le 20 maschere di segmentazione derivanti dall’applicazione del </a:t>
-            </a:r>
-            <a:r>
-              <a:rPr lang="it-IT" sz="1600" dirty="0" err="1"/>
-              <a:t>MonteCarlo</a:t>
-            </a:r>
-            <a:r>
-              <a:rPr lang="it-IT" sz="1600" dirty="0"/>
-              <a:t> Dropout.</a:t>
-            </a:r>
-          </a:p>
-          <a:p>
-            <a:pPr marL="285750" indent="-285750">
-              <a:lnSpc>
-                <a:spcPct val="100000"/>
-              </a:lnSpc>
-              <a:spcBef>
-                <a:spcPts val="600"/>
-              </a:spcBef>
-              <a:buSzPct val="95000"/>
-              <a:buFont typeface="Arial" panose="020B0604020202020204" pitchFamily="34" charset="0"/>
-              <a:buChar char="•"/>
-            </a:pPr>
-            <a:r>
-              <a:rPr lang="it-IT" sz="1600" dirty="0"/>
-              <a:t>Il valore associato ad ogni immagine del test set sarà la </a:t>
-            </a:r>
-            <a:r>
-              <a:rPr lang="it-IT" sz="1600" i="1" dirty="0"/>
-              <a:t>standard </a:t>
-            </a:r>
-            <a:r>
-              <a:rPr lang="it-IT" sz="1600" i="1" dirty="0" err="1"/>
-              <a:t>deviation</a:t>
-            </a:r>
-            <a:r>
-              <a:rPr lang="it-IT" sz="1600" i="1" dirty="0"/>
-              <a:t> </a:t>
-            </a:r>
-            <a:r>
-              <a:rPr lang="it-IT" sz="1600" dirty="0"/>
-              <a:t>dei valori della matrice triangolare alta (dice </a:t>
-            </a:r>
-            <a:r>
-              <a:rPr lang="it-IT" sz="1600" dirty="0" err="1"/>
-              <a:t>matrix</a:t>
-            </a:r>
-            <a:r>
-              <a:rPr lang="it-IT" sz="1600" dirty="0"/>
-              <a:t>)</a:t>
-            </a:r>
-          </a:p>
-          <a:p>
-            <a:pPr marL="971550" lvl="1" indent="-285750">
-              <a:lnSpc>
-                <a:spcPct val="100000"/>
-              </a:lnSpc>
-              <a:spcBef>
-                <a:spcPts val="600"/>
-              </a:spcBef>
-              <a:buSzPct val="95000"/>
-            </a:pPr>
-            <a:r>
-              <a:rPr lang="it-IT" sz="1600" dirty="0"/>
-              <a:t>È importante notare come questa metrica sia </a:t>
-            </a:r>
-            <a:r>
-              <a:rPr lang="it-IT" sz="1600" b="1" dirty="0"/>
-              <a:t>l’unica delle tre metriche proposte a NON dipendere dal ground truth</a:t>
-            </a:r>
-            <a:r>
-              <a:rPr lang="it-IT" sz="1600" dirty="0"/>
-              <a:t>, derivando unicamente dalle 20 immagini </a:t>
-            </a:r>
-            <a:r>
-              <a:rPr lang="it-IT" sz="1600" dirty="0" err="1"/>
-              <a:t>MonteCarlo</a:t>
-            </a:r>
-            <a:endParaRPr lang="it-IT" sz="2200" dirty="0"/>
-          </a:p>
-        </p:txBody>
-      </p:sp>
-      <p:pic>
-        <p:nvPicPr>
-          <p:cNvPr id="7" name="Immagine 6">
-            <a:extLst>
-              <a:ext uri="{FF2B5EF4-FFF2-40B4-BE49-F238E27FC236}">
-                <a16:creationId xmlns:a16="http://schemas.microsoft.com/office/drawing/2014/main" id="{8A5F52EC-5D94-8379-CB1E-1513B11E979F}"/>
-              </a:ext>
-            </a:extLst>
-          </p:cNvPr>
-          <p:cNvPicPr>
-            <a:picLocks noChangeAspect="1"/>
-          </p:cNvPicPr>
-          <p:nvPr/>
-        </p:nvPicPr>
-        <p:blipFill>
-          <a:blip r:embed="rId4"/>
-          <a:srcRect/>
-          <a:stretch/>
-        </p:blipFill>
-        <p:spPr>
-          <a:xfrm>
-            <a:off x="1138334" y="4617751"/>
-            <a:ext cx="6183792" cy="1405406"/>
-          </a:xfrm>
-          <a:prstGeom prst="rect">
-            <a:avLst/>
-          </a:prstGeom>
-        </p:spPr>
-      </p:pic>
-      <p:pic>
-        <p:nvPicPr>
-          <p:cNvPr id="3" name="Immagine 2" descr="Immagine che contiene testo, schermata, diagramma, linea&#10;&#10;Descrizione generata automaticamente">
-            <a:extLst>
-              <a:ext uri="{FF2B5EF4-FFF2-40B4-BE49-F238E27FC236}">
-                <a16:creationId xmlns:a16="http://schemas.microsoft.com/office/drawing/2014/main" id="{F9013385-6E02-F4FB-ED9E-692D91109A28}"/>
-              </a:ext>
-            </a:extLst>
-          </p:cNvPr>
-          <p:cNvPicPr>
-            <a:picLocks noChangeAspect="1"/>
-          </p:cNvPicPr>
-          <p:nvPr/>
-        </p:nvPicPr>
-        <p:blipFill>
-          <a:blip r:embed="rId5"/>
-          <a:stretch>
-            <a:fillRect/>
-          </a:stretch>
-        </p:blipFill>
-        <p:spPr>
-          <a:xfrm>
-            <a:off x="7874466" y="1761905"/>
-            <a:ext cx="4003403" cy="3002552"/>
-          </a:xfrm>
-          <a:prstGeom prst="rect">
-            <a:avLst/>
-          </a:prstGeom>
-        </p:spPr>
-      </p:pic>
-    </p:spTree>
-    <p:extLst>
-      <p:ext uri="{BB962C8B-B14F-4D97-AF65-F5344CB8AC3E}">
-        <p14:creationId xmlns:p14="http://schemas.microsoft.com/office/powerpoint/2010/main" val="204946040"/>
-      </p:ext>
-    </p:extLst>
-  </p:cSld>
-  <p:clrMapOvr>
-    <a:masterClrMapping/>
-  </p:clrMapOvr>
-</p:sld>
-</file>
-
-<file path=ppt/slides/slide6.xml><?xml version="1.0" encoding="utf-8"?>
-<p:sld xmlns:a="http://schemas.openxmlformats.org/drawingml/2006/main" xmlns:r="http://schemas.openxmlformats.org/officeDocument/2006/relationships" xmlns:p="http://schemas.openxmlformats.org/presentationml/2006/main">
-  <p:cSld>
-    <p:spTree>
-      <p:nvGrpSpPr>
-        <p:cNvPr id="1" name=""/>
-        <p:cNvGrpSpPr/>
-        <p:nvPr/>
-      </p:nvGrpSpPr>
-      <p:grpSpPr>
-        <a:xfrm>
-          <a:off x="0" y="0"/>
-          <a:ext cx="0" cy="0"/>
-          <a:chOff x="0" y="0"/>
-          <a:chExt cx="0" cy="0"/>
-        </a:xfrm>
-      </p:grpSpPr>
-      <p:sp>
-        <p:nvSpPr>
-          <p:cNvPr id="19" name="Rettangolo 18">
-            <a:extLst>
-              <a:ext uri="{FF2B5EF4-FFF2-40B4-BE49-F238E27FC236}">
-                <a16:creationId xmlns:a16="http://schemas.microsoft.com/office/drawing/2014/main" id="{C2A42D7A-456D-B130-10D7-636ED349C8E8}"/>
-              </a:ext>
-            </a:extLst>
-          </p:cNvPr>
-          <p:cNvSpPr/>
-          <p:nvPr/>
-        </p:nvSpPr>
-        <p:spPr>
-          <a:xfrm>
-            <a:off x="1138334" y="3380597"/>
-            <a:ext cx="8845421" cy="289249"/>
-          </a:xfrm>
-          <a:prstGeom prst="rect">
-            <a:avLst/>
-          </a:prstGeom>
-          <a:ln>
-            <a:noFill/>
-          </a:ln>
-        </p:spPr>
-        <p:style>
-          <a:lnRef idx="2">
-            <a:schemeClr val="accent6"/>
-          </a:lnRef>
-          <a:fillRef idx="1">
-            <a:schemeClr val="lt1"/>
-          </a:fillRef>
-          <a:effectRef idx="0">
-            <a:schemeClr val="accent6"/>
-          </a:effectRef>
-          <a:fontRef idx="minor">
-            <a:schemeClr val="dk1"/>
-          </a:fontRef>
-        </p:style>
-        <p:txBody>
-          <a:bodyPr rtlCol="0" anchor="ctr"/>
-          <a:lstStyle/>
-          <a:p>
-            <a:pPr algn="ctr"/>
-            <a:endParaRPr lang="it-IT" sz="3600"/>
-          </a:p>
-        </p:txBody>
-      </p:sp>
-      <p:sp>
-        <p:nvSpPr>
-          <p:cNvPr id="5" name="Segnaposto piè di pagina 4">
-            <a:extLst>
-              <a:ext uri="{FF2B5EF4-FFF2-40B4-BE49-F238E27FC236}">
-                <a16:creationId xmlns:a16="http://schemas.microsoft.com/office/drawing/2014/main" id="{F0D8A8D9-0655-E1FF-7DED-F2EC492D6EE1}"/>
-              </a:ext>
-            </a:extLst>
-          </p:cNvPr>
-          <p:cNvSpPr>
-            <a:spLocks noGrp="1"/>
-          </p:cNvSpPr>
-          <p:nvPr>
-            <p:ph type="ftr" sz="quarter" idx="11"/>
-          </p:nvPr>
-        </p:nvSpPr>
-        <p:spPr/>
-        <p:txBody>
-          <a:bodyPr rtlCol="0"/>
-          <a:lstStyle>
-            <a:defPPr>
-              <a:defRPr lang="it-IT"/>
-            </a:defPPr>
-          </a:lstStyle>
-          <a:p>
-            <a:pPr rtl="0"/>
-            <a:r>
-              <a:rPr lang="it-IT" dirty="0"/>
-              <a:t>Explainability in deep learning</a:t>
-            </a:r>
-          </a:p>
-        </p:txBody>
-      </p:sp>
-      <p:cxnSp>
-        <p:nvCxnSpPr>
-          <p:cNvPr id="17" name="Connettore diritto 16">
-            <a:extLst>
-              <a:ext uri="{FF2B5EF4-FFF2-40B4-BE49-F238E27FC236}">
-                <a16:creationId xmlns:a16="http://schemas.microsoft.com/office/drawing/2014/main" id="{8488A0F8-E720-D31B-750D-634FA849B5A9}"/>
-              </a:ext>
-              <a:ext uri="{C183D7F6-B498-43B3-948B-1728B52AA6E4}">
-                <adec:decorative xmlns:adec="http://schemas.microsoft.com/office/drawing/2017/decorative" val="1"/>
-              </a:ext>
-            </a:extLst>
-          </p:cNvPr>
-          <p:cNvCxnSpPr>
-            <a:cxnSpLocks/>
-          </p:cNvCxnSpPr>
-          <p:nvPr/>
-        </p:nvCxnSpPr>
-        <p:spPr>
-          <a:xfrm>
-            <a:off x="649224" y="5172458"/>
-            <a:ext cx="0" cy="618742"/>
-          </a:xfrm>
-          <a:prstGeom prst="line">
-            <a:avLst/>
-          </a:prstGeom>
-          <a:ln w="12700">
-            <a:solidFill>
-              <a:schemeClr val="bg1"/>
-            </a:solidFill>
-          </a:ln>
-        </p:spPr>
-        <p:style>
-          <a:lnRef idx="1">
-            <a:schemeClr val="accent1"/>
-          </a:lnRef>
-          <a:fillRef idx="0">
-            <a:schemeClr val="accent1"/>
-          </a:fillRef>
-          <a:effectRef idx="0">
-            <a:schemeClr val="accent1"/>
-          </a:effectRef>
-          <a:fontRef idx="minor">
-            <a:schemeClr val="tx1"/>
-          </a:fontRef>
-        </p:style>
-      </p:cxnSp>
-      <p:sp>
-        <p:nvSpPr>
-          <p:cNvPr id="4" name="Segnaposto numero diapositiva 3">
-            <a:extLst>
-              <a:ext uri="{FF2B5EF4-FFF2-40B4-BE49-F238E27FC236}">
-                <a16:creationId xmlns:a16="http://schemas.microsoft.com/office/drawing/2014/main" id="{B63EE887-A172-F01E-98D1-8781769CBEDE}"/>
-              </a:ext>
-            </a:extLst>
-          </p:cNvPr>
-          <p:cNvSpPr>
-            <a:spLocks noGrp="1"/>
-          </p:cNvSpPr>
-          <p:nvPr>
-            <p:ph type="sldNum" sz="quarter" idx="10"/>
-          </p:nvPr>
-        </p:nvSpPr>
-        <p:spPr/>
-        <p:txBody>
-          <a:bodyPr rtlCol="0"/>
-          <a:lstStyle>
-            <a:defPPr>
-              <a:defRPr lang="it-IT"/>
-            </a:defPPr>
-          </a:lstStyle>
-          <a:p>
-            <a:pPr rtl="0"/>
-            <a:fld id="{75DF2D63-3FF5-D547-96B9-BE9CCD1ABA58}" type="slidenum">
-              <a:rPr lang="it-IT" smtClean="0"/>
-              <a:pPr rtl="0"/>
-              <a:t>6</a:t>
-            </a:fld>
-            <a:endParaRPr lang="it-IT"/>
-          </a:p>
-        </p:txBody>
-      </p:sp>
-      <p:sp>
-        <p:nvSpPr>
-          <p:cNvPr id="6" name="Segnaposto testo 5">
-            <a:extLst>
-              <a:ext uri="{FF2B5EF4-FFF2-40B4-BE49-F238E27FC236}">
-                <a16:creationId xmlns:a16="http://schemas.microsoft.com/office/drawing/2014/main" id="{9117B42F-EC79-9DD2-3EBB-0C7381B7E0B0}"/>
-              </a:ext>
-            </a:extLst>
-          </p:cNvPr>
-          <p:cNvSpPr>
-            <a:spLocks noGrp="1"/>
-          </p:cNvSpPr>
-          <p:nvPr>
-            <p:ph type="body" sz="quarter" idx="16"/>
-          </p:nvPr>
-        </p:nvSpPr>
-        <p:spPr>
-          <a:xfrm>
-            <a:off x="885999" y="571556"/>
-            <a:ext cx="1605274" cy="1145277"/>
-          </a:xfrm>
-        </p:spPr>
-        <p:txBody>
-          <a:bodyPr rtlCol="0" anchor="t"/>
-          <a:lstStyle>
-            <a:defPPr>
-              <a:defRPr lang="it-IT"/>
-            </a:defPPr>
-          </a:lstStyle>
-          <a:p>
-            <a:pPr rtl="0"/>
-            <a:r>
-              <a:rPr lang="it-IT" sz="2000" b="1" spc="0" dirty="0"/>
-              <a:t>Esempio:</a:t>
-            </a:r>
-          </a:p>
-          <a:p>
-            <a:pPr rtl="0"/>
-            <a:r>
-              <a:rPr lang="it-IT" sz="2000" spc="0" dirty="0"/>
-              <a:t>Immagine</a:t>
-            </a:r>
-          </a:p>
-          <a:p>
-            <a:pPr rtl="0"/>
-            <a:r>
-              <a:rPr lang="it-IT" sz="2000" spc="0" dirty="0"/>
-              <a:t>1004289_35</a:t>
-            </a:r>
-          </a:p>
-        </p:txBody>
-      </p:sp>
-      <p:sp>
-        <p:nvSpPr>
-          <p:cNvPr id="30" name="Segnaposto testo 6">
-            <a:extLst>
-              <a:ext uri="{FF2B5EF4-FFF2-40B4-BE49-F238E27FC236}">
-                <a16:creationId xmlns:a16="http://schemas.microsoft.com/office/drawing/2014/main" id="{CCE4D350-FC14-221D-B6D3-C43425CB5C0E}"/>
-              </a:ext>
-            </a:extLst>
-          </p:cNvPr>
-          <p:cNvSpPr txBox="1">
-            <a:spLocks/>
-          </p:cNvSpPr>
-          <p:nvPr/>
-        </p:nvSpPr>
-        <p:spPr>
-          <a:xfrm>
-            <a:off x="885999" y="913999"/>
-            <a:ext cx="6405530" cy="4698365"/>
-          </a:xfrm>
-          <a:prstGeom prst="rect">
-            <a:avLst/>
-          </a:prstGeom>
-        </p:spPr>
-        <p:txBody>
-          <a:bodyPr vert="horz" lIns="0" tIns="0" rIns="0" bIns="0" rtlCol="0" anchor="t">
-            <a:noAutofit/>
-          </a:bodyPr>
-          <a:lstStyle>
-            <a:defPPr>
-              <a:defRPr lang="it-IT"/>
-            </a:defPPr>
-            <a:lvl1pPr marL="0" indent="0" algn="l" defTabSz="914400" rtl="0" eaLnBrk="1" latinLnBrk="0" hangingPunct="1">
-              <a:lnSpc>
-                <a:spcPts val="1580"/>
-              </a:lnSpc>
-              <a:spcBef>
-                <a:spcPts val="0"/>
-              </a:spcBef>
-              <a:buFont typeface="Arial" panose="020B0604020202020204" pitchFamily="34" charset="0"/>
-              <a:buNone/>
-              <a:defRPr lang="it-IT" sz="1400" b="0" i="0" kern="1200" baseline="0">
-                <a:solidFill>
-                  <a:schemeClr val="tx1"/>
-                </a:solidFill>
-                <a:latin typeface="+mn-lt"/>
-                <a:ea typeface="+mn-ea"/>
-                <a:cs typeface="+mn-cs"/>
-              </a:defRPr>
-            </a:lvl1pPr>
-            <a:lvl2pPr marL="685800" indent="-228600" algn="l" defTabSz="914400" rtl="0" eaLnBrk="1" latinLnBrk="0" hangingPunct="1">
-              <a:lnSpc>
-                <a:spcPct val="90000"/>
-              </a:lnSpc>
-              <a:spcBef>
-                <a:spcPts val="500"/>
-              </a:spcBef>
-              <a:buFont typeface="Arial" panose="020B0604020202020204" pitchFamily="34" charset="0"/>
-              <a:buChar char="•"/>
-              <a:defRPr lang="it-IT" sz="2000" b="0" i="0" kern="1200" baseline="0">
-                <a:solidFill>
-                  <a:schemeClr val="tx1"/>
-                </a:solidFill>
-                <a:latin typeface="+mn-lt"/>
-                <a:ea typeface="+mn-ea"/>
-                <a:cs typeface="+mn-cs"/>
-              </a:defRPr>
-            </a:lvl2pPr>
-            <a:lvl3pPr marL="1143000" indent="-228600" algn="l" defTabSz="914400" rtl="0" eaLnBrk="1" latinLnBrk="0" hangingPunct="1">
-              <a:lnSpc>
-                <a:spcPct val="90000"/>
-              </a:lnSpc>
-              <a:spcBef>
-                <a:spcPts val="500"/>
-              </a:spcBef>
-              <a:buFont typeface="Arial" panose="020B0604020202020204" pitchFamily="34" charset="0"/>
-              <a:buChar char="•"/>
-              <a:defRPr lang="it-IT" sz="1800" b="0" i="0" kern="1200" baseline="0">
-                <a:solidFill>
-                  <a:schemeClr val="tx1"/>
-                </a:solidFill>
-                <a:latin typeface="+mn-lt"/>
-                <a:ea typeface="+mn-ea"/>
-                <a:cs typeface="+mn-cs"/>
-              </a:defRPr>
-            </a:lvl3pPr>
-            <a:lvl4pPr marL="1600200" indent="-228600" algn="l" defTabSz="914400" rtl="0" eaLnBrk="1" latinLnBrk="0" hangingPunct="1">
-              <a:lnSpc>
-                <a:spcPct val="90000"/>
-              </a:lnSpc>
-              <a:spcBef>
-                <a:spcPts val="500"/>
-              </a:spcBef>
-              <a:buFont typeface="Arial" panose="020B0604020202020204" pitchFamily="34" charset="0"/>
-              <a:buChar char="•"/>
-              <a:defRPr lang="it-IT" sz="1600" b="0" i="0" kern="1200" baseline="0">
-                <a:solidFill>
-                  <a:schemeClr val="tx1"/>
-                </a:solidFill>
-                <a:latin typeface="+mn-lt"/>
-                <a:ea typeface="+mn-ea"/>
-                <a:cs typeface="+mn-cs"/>
-              </a:defRPr>
-            </a:lvl4pPr>
-            <a:lvl5pPr marL="2057400" indent="-228600" algn="l" defTabSz="914400" rtl="0" eaLnBrk="1" latinLnBrk="0" hangingPunct="1">
-              <a:lnSpc>
-                <a:spcPct val="90000"/>
-              </a:lnSpc>
-              <a:spcBef>
-                <a:spcPts val="500"/>
-              </a:spcBef>
-              <a:buFont typeface="Arial" panose="020B0604020202020204" pitchFamily="34" charset="0"/>
-              <a:buChar char="•"/>
-              <a:defRPr lang="it-IT" sz="1400" b="0" i="0" kern="1200" baseline="0">
-                <a:solidFill>
-                  <a:schemeClr val="tx1"/>
-                </a:solidFill>
-                <a:latin typeface="+mn-lt"/>
-                <a:ea typeface="+mn-ea"/>
-                <a:cs typeface="+mn-cs"/>
-              </a:defRPr>
-            </a:lvl5pPr>
-            <a:lvl6pPr marL="2514600" indent="-228600" algn="l" defTabSz="914400" rtl="0" eaLnBrk="1" latinLnBrk="0" hangingPunct="1">
-              <a:lnSpc>
-                <a:spcPct val="90000"/>
-              </a:lnSpc>
-              <a:spcBef>
-                <a:spcPts val="500"/>
-              </a:spcBef>
-              <a:buFont typeface="Arial" panose="020B0604020202020204" pitchFamily="34" charset="0"/>
-              <a:buChar char="•"/>
-              <a:defRPr lang="it-IT" sz="1800" kern="1200">
-                <a:solidFill>
-                  <a:schemeClr val="tx1"/>
-                </a:solidFill>
-                <a:latin typeface="+mn-lt"/>
-                <a:ea typeface="+mn-ea"/>
-                <a:cs typeface="+mn-cs"/>
-              </a:defRPr>
-            </a:lvl6pPr>
-            <a:lvl7pPr marL="2971800" indent="-228600" algn="l" defTabSz="914400" rtl="0" eaLnBrk="1" latinLnBrk="0" hangingPunct="1">
-              <a:lnSpc>
-                <a:spcPct val="90000"/>
-              </a:lnSpc>
-              <a:spcBef>
-                <a:spcPts val="500"/>
-              </a:spcBef>
-              <a:buFont typeface="Arial" panose="020B0604020202020204" pitchFamily="34" charset="0"/>
-              <a:buChar char="•"/>
-              <a:defRPr lang="it-IT" sz="1800" kern="1200">
-                <a:solidFill>
-                  <a:schemeClr val="tx1"/>
-                </a:solidFill>
-                <a:latin typeface="+mn-lt"/>
-                <a:ea typeface="+mn-ea"/>
-                <a:cs typeface="+mn-cs"/>
-              </a:defRPr>
-            </a:lvl7pPr>
-            <a:lvl8pPr marL="3429000" indent="-228600" algn="l" defTabSz="914400" rtl="0" eaLnBrk="1" latinLnBrk="0" hangingPunct="1">
-              <a:lnSpc>
-                <a:spcPct val="90000"/>
-              </a:lnSpc>
-              <a:spcBef>
-                <a:spcPts val="500"/>
-              </a:spcBef>
-              <a:buFont typeface="Arial" panose="020B0604020202020204" pitchFamily="34" charset="0"/>
-              <a:buChar char="•"/>
-              <a:defRPr lang="it-IT" sz="1800" kern="1200">
-                <a:solidFill>
-                  <a:schemeClr val="tx1"/>
-                </a:solidFill>
-                <a:latin typeface="+mn-lt"/>
-                <a:ea typeface="+mn-ea"/>
-                <a:cs typeface="+mn-cs"/>
-              </a:defRPr>
-            </a:lvl8pPr>
-            <a:lvl9pPr marL="3886200" indent="-228600" algn="l" defTabSz="914400" rtl="0" eaLnBrk="1" latinLnBrk="0" hangingPunct="1">
-              <a:lnSpc>
-                <a:spcPct val="90000"/>
-              </a:lnSpc>
-              <a:spcBef>
-                <a:spcPts val="500"/>
-              </a:spcBef>
-              <a:buFont typeface="Arial" panose="020B0604020202020204" pitchFamily="34" charset="0"/>
-              <a:buChar char="•"/>
-              <a:defRPr lang="it-IT" sz="1800" kern="1200">
-                <a:solidFill>
-                  <a:schemeClr val="tx1"/>
-                </a:solidFill>
-                <a:latin typeface="+mn-lt"/>
-                <a:ea typeface="+mn-ea"/>
-                <a:cs typeface="+mn-cs"/>
-              </a:defRPr>
-            </a:lvl9pPr>
-          </a:lstStyle>
-          <a:p>
-            <a:pPr>
-              <a:lnSpc>
-                <a:spcPct val="100000"/>
-              </a:lnSpc>
-              <a:spcBef>
-                <a:spcPts val="600"/>
-              </a:spcBef>
-              <a:buSzPct val="95000"/>
-            </a:pPr>
-            <a:endParaRPr lang="it-IT" sz="2200" dirty="0"/>
-          </a:p>
-        </p:txBody>
-      </p:sp>
-      <p:sp>
-        <p:nvSpPr>
-          <p:cNvPr id="2" name="Segnaposto testo 6">
-            <a:extLst>
-              <a:ext uri="{FF2B5EF4-FFF2-40B4-BE49-F238E27FC236}">
-                <a16:creationId xmlns:a16="http://schemas.microsoft.com/office/drawing/2014/main" id="{28CF2A40-97CF-7FA6-D1BA-5504DFC9FD6E}"/>
-              </a:ext>
-            </a:extLst>
-          </p:cNvPr>
-          <p:cNvSpPr txBox="1">
-            <a:spLocks/>
-          </p:cNvSpPr>
-          <p:nvPr/>
-        </p:nvSpPr>
-        <p:spPr>
-          <a:xfrm>
-            <a:off x="2728047" y="681487"/>
-            <a:ext cx="9305802" cy="4189582"/>
-          </a:xfrm>
-          <a:prstGeom prst="rect">
-            <a:avLst/>
-          </a:prstGeom>
-        </p:spPr>
-        <p:txBody>
-          <a:bodyPr vert="horz" lIns="0" tIns="0" rIns="0" bIns="0" rtlCol="0" anchor="t">
-            <a:noAutofit/>
-          </a:bodyPr>
-          <a:lstStyle>
-            <a:defPPr>
-              <a:defRPr lang="it-IT"/>
-            </a:defPPr>
-            <a:lvl1pPr marL="0" indent="0" algn="l" defTabSz="914400" rtl="0" eaLnBrk="1" latinLnBrk="0" hangingPunct="1">
-              <a:lnSpc>
-                <a:spcPts val="1580"/>
-              </a:lnSpc>
-              <a:spcBef>
-                <a:spcPts val="0"/>
-              </a:spcBef>
-              <a:buFont typeface="Arial" panose="020B0604020202020204" pitchFamily="34" charset="0"/>
-              <a:buNone/>
-              <a:defRPr lang="it-IT" sz="1400" b="0" i="0" kern="1200" baseline="0">
-                <a:solidFill>
-                  <a:schemeClr val="tx1"/>
-                </a:solidFill>
-                <a:latin typeface="+mn-lt"/>
-                <a:ea typeface="+mn-ea"/>
-                <a:cs typeface="+mn-cs"/>
-              </a:defRPr>
-            </a:lvl1pPr>
-            <a:lvl2pPr marL="685800" indent="-228600" algn="l" defTabSz="914400" rtl="0" eaLnBrk="1" latinLnBrk="0" hangingPunct="1">
-              <a:lnSpc>
-                <a:spcPct val="90000"/>
-              </a:lnSpc>
-              <a:spcBef>
-                <a:spcPts val="500"/>
-              </a:spcBef>
-              <a:buFont typeface="Arial" panose="020B0604020202020204" pitchFamily="34" charset="0"/>
-              <a:buChar char="•"/>
-              <a:defRPr lang="it-IT" sz="2000" b="0" i="0" kern="1200" baseline="0">
-                <a:solidFill>
-                  <a:schemeClr val="tx1"/>
-                </a:solidFill>
-                <a:latin typeface="+mn-lt"/>
-                <a:ea typeface="+mn-ea"/>
-                <a:cs typeface="+mn-cs"/>
-              </a:defRPr>
-            </a:lvl2pPr>
-            <a:lvl3pPr marL="1143000" indent="-228600" algn="l" defTabSz="914400" rtl="0" eaLnBrk="1" latinLnBrk="0" hangingPunct="1">
-              <a:lnSpc>
-                <a:spcPct val="90000"/>
-              </a:lnSpc>
-              <a:spcBef>
-                <a:spcPts val="500"/>
-              </a:spcBef>
-              <a:buFont typeface="Arial" panose="020B0604020202020204" pitchFamily="34" charset="0"/>
-              <a:buChar char="•"/>
-              <a:defRPr lang="it-IT" sz="1800" b="0" i="0" kern="1200" baseline="0">
-                <a:solidFill>
-                  <a:schemeClr val="tx1"/>
-                </a:solidFill>
-                <a:latin typeface="+mn-lt"/>
-                <a:ea typeface="+mn-ea"/>
-                <a:cs typeface="+mn-cs"/>
-              </a:defRPr>
-            </a:lvl3pPr>
-            <a:lvl4pPr marL="1600200" indent="-228600" algn="l" defTabSz="914400" rtl="0" eaLnBrk="1" latinLnBrk="0" hangingPunct="1">
-              <a:lnSpc>
-                <a:spcPct val="90000"/>
-              </a:lnSpc>
-              <a:spcBef>
-                <a:spcPts val="500"/>
-              </a:spcBef>
-              <a:buFont typeface="Arial" panose="020B0604020202020204" pitchFamily="34" charset="0"/>
-              <a:buChar char="•"/>
-              <a:defRPr lang="it-IT" sz="1600" b="0" i="0" kern="1200" baseline="0">
-                <a:solidFill>
-                  <a:schemeClr val="tx1"/>
-                </a:solidFill>
-                <a:latin typeface="+mn-lt"/>
-                <a:ea typeface="+mn-ea"/>
-                <a:cs typeface="+mn-cs"/>
-              </a:defRPr>
-            </a:lvl4pPr>
-            <a:lvl5pPr marL="2057400" indent="-228600" algn="l" defTabSz="914400" rtl="0" eaLnBrk="1" latinLnBrk="0" hangingPunct="1">
-              <a:lnSpc>
-                <a:spcPct val="90000"/>
-              </a:lnSpc>
-              <a:spcBef>
-                <a:spcPts val="500"/>
-              </a:spcBef>
-              <a:buFont typeface="Arial" panose="020B0604020202020204" pitchFamily="34" charset="0"/>
-              <a:buChar char="•"/>
-              <a:defRPr lang="it-IT" sz="1400" b="0" i="0" kern="1200" baseline="0">
-                <a:solidFill>
-                  <a:schemeClr val="tx1"/>
-                </a:solidFill>
-                <a:latin typeface="+mn-lt"/>
-                <a:ea typeface="+mn-ea"/>
-                <a:cs typeface="+mn-cs"/>
-              </a:defRPr>
-            </a:lvl5pPr>
-            <a:lvl6pPr marL="2514600" indent="-228600" algn="l" defTabSz="914400" rtl="0" eaLnBrk="1" latinLnBrk="0" hangingPunct="1">
-              <a:lnSpc>
-                <a:spcPct val="90000"/>
-              </a:lnSpc>
-              <a:spcBef>
-                <a:spcPts val="500"/>
-              </a:spcBef>
-              <a:buFont typeface="Arial" panose="020B0604020202020204" pitchFamily="34" charset="0"/>
-              <a:buChar char="•"/>
-              <a:defRPr lang="it-IT" sz="1800" kern="1200">
-                <a:solidFill>
-                  <a:schemeClr val="tx1"/>
-                </a:solidFill>
-                <a:latin typeface="+mn-lt"/>
-                <a:ea typeface="+mn-ea"/>
-                <a:cs typeface="+mn-cs"/>
-              </a:defRPr>
-            </a:lvl6pPr>
-            <a:lvl7pPr marL="2971800" indent="-228600" algn="l" defTabSz="914400" rtl="0" eaLnBrk="1" latinLnBrk="0" hangingPunct="1">
-              <a:lnSpc>
-                <a:spcPct val="90000"/>
-              </a:lnSpc>
-              <a:spcBef>
-                <a:spcPts val="500"/>
-              </a:spcBef>
-              <a:buFont typeface="Arial" panose="020B0604020202020204" pitchFamily="34" charset="0"/>
-              <a:buChar char="•"/>
-              <a:defRPr lang="it-IT" sz="1800" kern="1200">
-                <a:solidFill>
-                  <a:schemeClr val="tx1"/>
-                </a:solidFill>
-                <a:latin typeface="+mn-lt"/>
-                <a:ea typeface="+mn-ea"/>
-                <a:cs typeface="+mn-cs"/>
-              </a:defRPr>
-            </a:lvl7pPr>
-            <a:lvl8pPr marL="3429000" indent="-228600" algn="l" defTabSz="914400" rtl="0" eaLnBrk="1" latinLnBrk="0" hangingPunct="1">
-              <a:lnSpc>
-                <a:spcPct val="90000"/>
-              </a:lnSpc>
-              <a:spcBef>
-                <a:spcPts val="500"/>
-              </a:spcBef>
-              <a:buFont typeface="Arial" panose="020B0604020202020204" pitchFamily="34" charset="0"/>
-              <a:buChar char="•"/>
-              <a:defRPr lang="it-IT" sz="1800" kern="1200">
-                <a:solidFill>
-                  <a:schemeClr val="tx1"/>
-                </a:solidFill>
-                <a:latin typeface="+mn-lt"/>
-                <a:ea typeface="+mn-ea"/>
-                <a:cs typeface="+mn-cs"/>
-              </a:defRPr>
-            </a:lvl8pPr>
-            <a:lvl9pPr marL="3886200" indent="-228600" algn="l" defTabSz="914400" rtl="0" eaLnBrk="1" latinLnBrk="0" hangingPunct="1">
-              <a:lnSpc>
-                <a:spcPct val="90000"/>
-              </a:lnSpc>
-              <a:spcBef>
-                <a:spcPts val="500"/>
-              </a:spcBef>
-              <a:buFont typeface="Arial" panose="020B0604020202020204" pitchFamily="34" charset="0"/>
-              <a:buChar char="•"/>
-              <a:defRPr lang="it-IT" sz="1800" kern="1200">
-                <a:solidFill>
-                  <a:schemeClr val="tx1"/>
-                </a:solidFill>
-                <a:latin typeface="+mn-lt"/>
-                <a:ea typeface="+mn-ea"/>
-                <a:cs typeface="+mn-cs"/>
-              </a:defRPr>
-            </a:lvl9pPr>
-          </a:lstStyle>
-          <a:p>
-            <a:pPr>
-              <a:lnSpc>
-                <a:spcPct val="100000"/>
-              </a:lnSpc>
-              <a:spcBef>
-                <a:spcPts val="600"/>
-              </a:spcBef>
-              <a:buSzPct val="95000"/>
-            </a:pPr>
-            <a:r>
-              <a:rPr lang="it-IT" sz="1600" dirty="0"/>
-              <a:t>Nell’esempio si possono apprezzare la </a:t>
-            </a:r>
-            <a:r>
-              <a:rPr lang="it-IT" sz="1600" dirty="0" err="1"/>
-              <a:t>std</a:t>
-            </a:r>
-            <a:r>
-              <a:rPr lang="it-IT" sz="1600" dirty="0"/>
-              <a:t> </a:t>
-            </a:r>
-            <a:r>
-              <a:rPr lang="it-IT" sz="1600" dirty="0" err="1"/>
-              <a:t>map</a:t>
-            </a:r>
-            <a:r>
-              <a:rPr lang="it-IT" sz="1600" dirty="0"/>
-              <a:t> (in alto) e l’</a:t>
-            </a:r>
-            <a:r>
-              <a:rPr lang="it-IT" sz="1600" dirty="0" err="1"/>
-              <a:t>entropy</a:t>
-            </a:r>
-            <a:r>
-              <a:rPr lang="it-IT" sz="1600" dirty="0"/>
-              <a:t> </a:t>
-            </a:r>
-            <a:r>
-              <a:rPr lang="it-IT" sz="1600" dirty="0" err="1"/>
-              <a:t>map</a:t>
-            </a:r>
-            <a:r>
-              <a:rPr lang="it-IT" sz="1600" dirty="0"/>
-              <a:t> (in basso). Nell’ultima colonna, la maschera manuale e le mappe vengono moltiplicate tra di loro: è da questa matrice che vengono calcolate le metriche, sommando i valori non nulli di ciascuna delle due.</a:t>
-            </a:r>
-          </a:p>
-        </p:txBody>
-      </p:sp>
-      <p:pic>
-        <p:nvPicPr>
-          <p:cNvPr id="16" name="Immagine 15" descr="Immagine che contiene schermata, Policromia, Lilac, viola&#10;&#10;Descrizione generata automaticamente">
-            <a:extLst>
-              <a:ext uri="{FF2B5EF4-FFF2-40B4-BE49-F238E27FC236}">
-                <a16:creationId xmlns:a16="http://schemas.microsoft.com/office/drawing/2014/main" id="{A01DF218-B736-3262-448A-5F1C9FCDE711}"/>
-              </a:ext>
-            </a:extLst>
-          </p:cNvPr>
-          <p:cNvPicPr>
-            <a:picLocks noChangeAspect="1"/>
-          </p:cNvPicPr>
-          <p:nvPr/>
-        </p:nvPicPr>
-        <p:blipFill rotWithShape="1">
-          <a:blip r:embed="rId3"/>
-          <a:srcRect l="11108" t="8937" r="8160" b="6785"/>
-          <a:stretch/>
-        </p:blipFill>
-        <p:spPr>
-          <a:xfrm>
-            <a:off x="860125" y="1716834"/>
-            <a:ext cx="11331876" cy="4902224"/>
-          </a:xfrm>
-          <a:prstGeom prst="rect">
-            <a:avLst/>
-          </a:prstGeom>
-        </p:spPr>
-      </p:pic>
-    </p:spTree>
-    <p:extLst>
-      <p:ext uri="{BB962C8B-B14F-4D97-AF65-F5344CB8AC3E}">
-        <p14:creationId xmlns:p14="http://schemas.microsoft.com/office/powerpoint/2010/main" val="194226917"/>
-      </p:ext>
-    </p:extLst>
-  </p:cSld>
-  <p:clrMapOvr>
-    <a:masterClrMapping/>
-  </p:clrMapOvr>
-</p:sld>
-</file>
-
-<file path=ppt/slides/slide7.xml><?xml version="1.0" encoding="utf-8"?>
-<p:sld xmlns:a="http://schemas.openxmlformats.org/drawingml/2006/main" xmlns:r="http://schemas.openxmlformats.org/officeDocument/2006/relationships" xmlns:p="http://schemas.openxmlformats.org/presentationml/2006/main">
-  <p:cSld>
-    <p:spTree>
-      <p:nvGrpSpPr>
-        <p:cNvPr id="1" name=""/>
-        <p:cNvGrpSpPr/>
-        <p:nvPr/>
-      </p:nvGrpSpPr>
-      <p:grpSpPr>
-        <a:xfrm>
-          <a:off x="0" y="0"/>
-          <a:ext cx="0" cy="0"/>
-          <a:chOff x="0" y="0"/>
-          <a:chExt cx="0" cy="0"/>
-        </a:xfrm>
-      </p:grpSpPr>
-      <p:sp>
-        <p:nvSpPr>
-          <p:cNvPr id="19" name="Rettangolo 18">
-            <a:extLst>
-              <a:ext uri="{FF2B5EF4-FFF2-40B4-BE49-F238E27FC236}">
-                <a16:creationId xmlns:a16="http://schemas.microsoft.com/office/drawing/2014/main" id="{C2A42D7A-456D-B130-10D7-636ED349C8E8}"/>
-              </a:ext>
-            </a:extLst>
-          </p:cNvPr>
-          <p:cNvSpPr/>
-          <p:nvPr/>
-        </p:nvSpPr>
-        <p:spPr>
-          <a:xfrm>
-            <a:off x="1138334" y="3380597"/>
-            <a:ext cx="8845421" cy="289249"/>
-          </a:xfrm>
-          <a:prstGeom prst="rect">
-            <a:avLst/>
-          </a:prstGeom>
-          <a:ln>
-            <a:noFill/>
-          </a:ln>
-        </p:spPr>
-        <p:style>
-          <a:lnRef idx="2">
-            <a:schemeClr val="accent6"/>
-          </a:lnRef>
-          <a:fillRef idx="1">
-            <a:schemeClr val="lt1"/>
-          </a:fillRef>
-          <a:effectRef idx="0">
-            <a:schemeClr val="accent6"/>
-          </a:effectRef>
-          <a:fontRef idx="minor">
-            <a:schemeClr val="dk1"/>
-          </a:fontRef>
-        </p:style>
-        <p:txBody>
-          <a:bodyPr rtlCol="0" anchor="ctr"/>
-          <a:lstStyle/>
-          <a:p>
-            <a:pPr algn="ctr"/>
-            <a:endParaRPr lang="it-IT" sz="3600"/>
-          </a:p>
-        </p:txBody>
-      </p:sp>
-      <p:sp>
-        <p:nvSpPr>
-          <p:cNvPr id="5" name="Segnaposto piè di pagina 4">
-            <a:extLst>
-              <a:ext uri="{FF2B5EF4-FFF2-40B4-BE49-F238E27FC236}">
-                <a16:creationId xmlns:a16="http://schemas.microsoft.com/office/drawing/2014/main" id="{F0D8A8D9-0655-E1FF-7DED-F2EC492D6EE1}"/>
-              </a:ext>
-            </a:extLst>
-          </p:cNvPr>
-          <p:cNvSpPr>
-            <a:spLocks noGrp="1"/>
-          </p:cNvSpPr>
-          <p:nvPr>
-            <p:ph type="ftr" sz="quarter" idx="11"/>
-          </p:nvPr>
-        </p:nvSpPr>
-        <p:spPr/>
-        <p:txBody>
-          <a:bodyPr rtlCol="0"/>
-          <a:lstStyle>
-            <a:defPPr>
-              <a:defRPr lang="it-IT"/>
-            </a:defPPr>
-          </a:lstStyle>
-          <a:p>
-            <a:pPr rtl="0"/>
-            <a:r>
-              <a:rPr lang="it-IT" dirty="0"/>
-              <a:t>Explainability in deep learning</a:t>
-            </a:r>
-          </a:p>
-        </p:txBody>
-      </p:sp>
-      <p:pic>
-        <p:nvPicPr>
-          <p:cNvPr id="16" name="Segnaposto contenuto 25" descr="Vista al microscopio di un materiale in sospensione simile a una bolla con acqua al suo interno">
-            <a:extLst>
-              <a:ext uri="{FF2B5EF4-FFF2-40B4-BE49-F238E27FC236}">
-                <a16:creationId xmlns:a16="http://schemas.microsoft.com/office/drawing/2014/main" id="{B083ED63-584D-2579-2721-B716F3BC8F6B}"/>
-              </a:ext>
-            </a:extLst>
-          </p:cNvPr>
-          <p:cNvPicPr>
-            <a:picLocks noGrp="1" noChangeAspect="1"/>
-          </p:cNvPicPr>
-          <p:nvPr>
-            <p:ph type="pic" sz="quarter" idx="30"/>
-          </p:nvPr>
-        </p:nvPicPr>
-        <p:blipFill>
-          <a:blip r:embed="rId3">
-            <a:alphaModFix amt="70000"/>
-            <a:duotone>
-              <a:schemeClr val="accent3">
-                <a:shade val="45000"/>
-                <a:satMod val="135000"/>
-              </a:schemeClr>
-              <a:prstClr val="white"/>
-            </a:duotone>
-            <a:extLst>
-              <a:ext uri="{28A0092B-C50C-407E-A947-70E740481C1C}">
-                <a14:useLocalDpi xmlns:a14="http://schemas.microsoft.com/office/drawing/2010/main" val="0"/>
-              </a:ext>
-            </a:extLst>
-          </a:blip>
-          <a:srcRect/>
-          <a:stretch/>
-        </p:blipFill>
-        <p:spPr>
-          <a:xfrm>
-            <a:off x="0" y="5175250"/>
-            <a:ext cx="12188825" cy="1682750"/>
-          </a:xfrm>
-          <a:custGeom>
-            <a:avLst/>
-            <a:gdLst>
-              <a:gd name="connsiteX0" fmla="*/ 0 w 12192000"/>
-              <a:gd name="connsiteY0" fmla="*/ 0 h 1588010"/>
-              <a:gd name="connsiteX1" fmla="*/ 12192000 w 12192000"/>
-              <a:gd name="connsiteY1" fmla="*/ 0 h 1588010"/>
-              <a:gd name="connsiteX2" fmla="*/ 12192000 w 12192000"/>
-              <a:gd name="connsiteY2" fmla="*/ 1588010 h 1588010"/>
-              <a:gd name="connsiteX3" fmla="*/ 0 w 12192000"/>
-              <a:gd name="connsiteY3" fmla="*/ 1588010 h 1588010"/>
-            </a:gdLst>
-            <a:ahLst/>
-            <a:cxnLst>
-              <a:cxn ang="0">
-                <a:pos x="connsiteX0" y="connsiteY0"/>
-              </a:cxn>
-              <a:cxn ang="0">
-                <a:pos x="connsiteX1" y="connsiteY1"/>
-              </a:cxn>
-              <a:cxn ang="0">
-                <a:pos x="connsiteX2" y="connsiteY2"/>
-              </a:cxn>
-              <a:cxn ang="0">
-                <a:pos x="connsiteX3" y="connsiteY3"/>
-              </a:cxn>
-            </a:cxnLst>
-            <a:rect l="l" t="t" r="r" b="b"/>
-            <a:pathLst>
-              <a:path w="12192000" h="1588010">
-                <a:moveTo>
-                  <a:pt x="0" y="0"/>
-                </a:moveTo>
-                <a:lnTo>
-                  <a:pt x="12192000" y="0"/>
-                </a:lnTo>
-                <a:lnTo>
-                  <a:pt x="12192000" y="1588010"/>
-                </a:lnTo>
-                <a:lnTo>
-                  <a:pt x="0" y="1588010"/>
-                </a:lnTo>
-                <a:close/>
-              </a:path>
-            </a:pathLst>
-          </a:custGeom>
-          <a:solidFill>
-            <a:schemeClr val="accent2"/>
-          </a:solidFill>
-        </p:spPr>
-      </p:pic>
-      <p:cxnSp>
-        <p:nvCxnSpPr>
-          <p:cNvPr id="17" name="Connettore diritto 16">
-            <a:extLst>
-              <a:ext uri="{FF2B5EF4-FFF2-40B4-BE49-F238E27FC236}">
-                <a16:creationId xmlns:a16="http://schemas.microsoft.com/office/drawing/2014/main" id="{8488A0F8-E720-D31B-750D-634FA849B5A9}"/>
-              </a:ext>
-              <a:ext uri="{C183D7F6-B498-43B3-948B-1728B52AA6E4}">
-                <adec:decorative xmlns:adec="http://schemas.microsoft.com/office/drawing/2017/decorative" val="1"/>
-              </a:ext>
-            </a:extLst>
-          </p:cNvPr>
-          <p:cNvCxnSpPr>
-            <a:cxnSpLocks/>
-          </p:cNvCxnSpPr>
-          <p:nvPr/>
-        </p:nvCxnSpPr>
-        <p:spPr>
-          <a:xfrm>
-            <a:off x="649224" y="5172458"/>
-            <a:ext cx="0" cy="618742"/>
-          </a:xfrm>
-          <a:prstGeom prst="line">
-            <a:avLst/>
-          </a:prstGeom>
-          <a:ln w="12700">
-            <a:solidFill>
-              <a:schemeClr val="bg1"/>
-            </a:solidFill>
-          </a:ln>
-        </p:spPr>
-        <p:style>
-          <a:lnRef idx="1">
-            <a:schemeClr val="accent1"/>
-          </a:lnRef>
-          <a:fillRef idx="0">
-            <a:schemeClr val="accent1"/>
-          </a:fillRef>
-          <a:effectRef idx="0">
-            <a:schemeClr val="accent1"/>
-          </a:effectRef>
-          <a:fontRef idx="minor">
-            <a:schemeClr val="tx1"/>
-          </a:fontRef>
-        </p:style>
-      </p:cxnSp>
-      <p:sp>
-        <p:nvSpPr>
-          <p:cNvPr id="4" name="Segnaposto numero diapositiva 3">
-            <a:extLst>
-              <a:ext uri="{FF2B5EF4-FFF2-40B4-BE49-F238E27FC236}">
-                <a16:creationId xmlns:a16="http://schemas.microsoft.com/office/drawing/2014/main" id="{B63EE887-A172-F01E-98D1-8781769CBEDE}"/>
-              </a:ext>
-            </a:extLst>
-          </p:cNvPr>
-          <p:cNvSpPr>
-            <a:spLocks noGrp="1"/>
-          </p:cNvSpPr>
-          <p:nvPr>
-            <p:ph type="sldNum" sz="quarter" idx="10"/>
-          </p:nvPr>
-        </p:nvSpPr>
-        <p:spPr/>
-        <p:txBody>
-          <a:bodyPr rtlCol="0"/>
-          <a:lstStyle>
-            <a:defPPr>
-              <a:defRPr lang="it-IT"/>
-            </a:defPPr>
-          </a:lstStyle>
-          <a:p>
-            <a:pPr rtl="0"/>
-            <a:fld id="{75DF2D63-3FF5-D547-96B9-BE9CCD1ABA58}" type="slidenum">
-              <a:rPr lang="it-IT" smtClean="0"/>
-              <a:pPr rtl="0"/>
               <a:t>7</a:t>
             </a:fld>
             <a:endParaRPr lang="it-IT"/>
@@ -24501,7 +22792,7 @@
       </p:sp>
       <p:pic>
         <p:nvPicPr>
-          <p:cNvPr id="13" name="Immagine 12" descr="Immagine che contiene Policromia, Lilac, modello, schermata&#10;&#10;Descrizione generata automaticamente">
+          <p:cNvPr id="13" name="Immagine 12">
             <a:extLst>
               <a:ext uri="{FF2B5EF4-FFF2-40B4-BE49-F238E27FC236}">
                 <a16:creationId xmlns:a16="http://schemas.microsoft.com/office/drawing/2014/main" id="{6FCEF026-4F42-F245-ED52-CB60B2CA563D}"/>
@@ -24515,13 +22806,13 @@
         </p:nvPicPr>
         <p:blipFill rotWithShape="1">
           <a:blip r:embed="rId3"/>
-          <a:srcRect l="10754" t="8622" r="8231" b="7685"/>
+          <a:srcRect l="9553" t="9421" r="7754" b="9421"/>
           <a:stretch/>
         </p:blipFill>
         <p:spPr>
           <a:xfrm>
-            <a:off x="765201" y="1856293"/>
-            <a:ext cx="11426799" cy="4891875"/>
+            <a:off x="1614307" y="1514537"/>
+            <a:ext cx="10055282" cy="5205640"/>
           </a:xfrm>
           <a:prstGeom prst="rect">
             <a:avLst/>
@@ -26367,6 +24658,26 @@
 </file>
 
 <file path=customXml/item2.xml><?xml version="1.0" encoding="utf-8"?>
+<p:properties xmlns:p="http://schemas.microsoft.com/office/2006/metadata/properties" xmlns:xsi="http://www.w3.org/2001/XMLSchema-instance" xmlns:pc="http://schemas.microsoft.com/office/infopath/2007/PartnerControls">
+  <documentManagement>
+    <_ip_UnifiedCompliancePolicyUIAction xmlns="http://schemas.microsoft.com/sharepoint/v3" xsi:nil="true"/>
+    <Image xmlns="71af3243-3dd4-4a8d-8c0d-dd76da1f02a5">
+      <Url xsi:nil="true"/>
+      <Description xsi:nil="true"/>
+    </Image>
+    <Status xmlns="71af3243-3dd4-4a8d-8c0d-dd76da1f02a5">Not started</Status>
+    <Background xmlns="71af3243-3dd4-4a8d-8c0d-dd76da1f02a5">false</Background>
+    <_ip_UnifiedCompliancePolicyProperties xmlns="http://schemas.microsoft.com/sharepoint/v3" xsi:nil="true"/>
+    <ImageTagsTaxHTField xmlns="71af3243-3dd4-4a8d-8c0d-dd76da1f02a5">
+      <Terms xmlns="http://schemas.microsoft.com/office/infopath/2007/PartnerControls"/>
+    </ImageTagsTaxHTField>
+    <TaxCatchAll xmlns="230e9df3-be65-4c73-a93b-d1236ebd677e" xsi:nil="true"/>
+    <MediaServiceKeyPoints xmlns="71af3243-3dd4-4a8d-8c0d-dd76da1f02a5" xsi:nil="true"/>
+  </documentManagement>
+</p:properties>
+</file>
+
+<file path=customXml/item3.xml><?xml version="1.0" encoding="utf-8"?>
 <ct:contentTypeSchema xmlns:ct="http://schemas.microsoft.com/office/2006/metadata/contentType" xmlns:ma="http://schemas.microsoft.com/office/2006/metadata/properties/metaAttributes" ct:_="" ma:_="" ma:contentTypeName="Document" ma:contentTypeID="0x01010079F111ED35F8CC479449609E8A0923A6" ma:contentTypeVersion="25" ma:contentTypeDescription="Create a new document." ma:contentTypeScope="" ma:versionID="e02306daf00165b375dc6a58966960be">
   <xsd:schema xmlns:xsd="http://www.w3.org/2001/XMLSchema" xmlns:xs="http://www.w3.org/2001/XMLSchema" xmlns:p="http://schemas.microsoft.com/office/2006/metadata/properties" xmlns:ns1="http://schemas.microsoft.com/sharepoint/v3" xmlns:ns2="71af3243-3dd4-4a8d-8c0d-dd76da1f02a5" xmlns:ns3="16c05727-aa75-4e4a-9b5f-8a80a1165891" xmlns:ns4="230e9df3-be65-4c73-a93b-d1236ebd677e" targetNamespace="http://schemas.microsoft.com/office/2006/metadata/properties" ma:root="true" ma:fieldsID="df88fb76bf5f555224557953949c1ec9" ns1:_="" ns2:_="" ns3:_="" ns4:_="">
     <xsd:import namespace="http://schemas.microsoft.com/sharepoint/v3"/>
@@ -26660,26 +24971,6 @@
 </ct:contentTypeSchema>
 </file>
 
-<file path=customXml/item3.xml><?xml version="1.0" encoding="utf-8"?>
-<p:properties xmlns:p="http://schemas.microsoft.com/office/2006/metadata/properties" xmlns:xsi="http://www.w3.org/2001/XMLSchema-instance" xmlns:pc="http://schemas.microsoft.com/office/infopath/2007/PartnerControls">
-  <documentManagement>
-    <_ip_UnifiedCompliancePolicyUIAction xmlns="http://schemas.microsoft.com/sharepoint/v3" xsi:nil="true"/>
-    <Image xmlns="71af3243-3dd4-4a8d-8c0d-dd76da1f02a5">
-      <Url xsi:nil="true"/>
-      <Description xsi:nil="true"/>
-    </Image>
-    <Status xmlns="71af3243-3dd4-4a8d-8c0d-dd76da1f02a5">Not started</Status>
-    <Background xmlns="71af3243-3dd4-4a8d-8c0d-dd76da1f02a5">false</Background>
-    <_ip_UnifiedCompliancePolicyProperties xmlns="http://schemas.microsoft.com/sharepoint/v3" xsi:nil="true"/>
-    <ImageTagsTaxHTField xmlns="71af3243-3dd4-4a8d-8c0d-dd76da1f02a5">
-      <Terms xmlns="http://schemas.microsoft.com/office/infopath/2007/PartnerControls"/>
-    </ImageTagsTaxHTField>
-    <TaxCatchAll xmlns="230e9df3-be65-4c73-a93b-d1236ebd677e" xsi:nil="true"/>
-    <MediaServiceKeyPoints xmlns="71af3243-3dd4-4a8d-8c0d-dd76da1f02a5" xsi:nil="true"/>
-  </documentManagement>
-</p:properties>
-</file>
-
 <file path=customXml/itemProps1.xml><?xml version="1.0" encoding="utf-8"?>
 <ds:datastoreItem xmlns:ds="http://schemas.openxmlformats.org/officeDocument/2006/customXml" ds:itemID="{0E8B3377-22F1-4153-96F0-CC2E4BE41C57}">
   <ds:schemaRefs>
@@ -26689,6 +24980,25 @@
 </file>
 
 <file path=customXml/itemProps2.xml><?xml version="1.0" encoding="utf-8"?>
+<ds:datastoreItem xmlns:ds="http://schemas.openxmlformats.org/officeDocument/2006/customXml" ds:itemID="{99746342-5E84-430E-9251-61001F208E7A}">
+  <ds:schemaRefs>
+    <ds:schemaRef ds:uri="http://purl.org/dc/elements/1.1/"/>
+    <ds:schemaRef ds:uri="16c05727-aa75-4e4a-9b5f-8a80a1165891"/>
+    <ds:schemaRef ds:uri="71af3243-3dd4-4a8d-8c0d-dd76da1f02a5"/>
+    <ds:schemaRef ds:uri="http://schemas.openxmlformats.org/package/2006/metadata/core-properties"/>
+    <ds:schemaRef ds:uri="http://purl.org/dc/dcmitype/"/>
+    <ds:schemaRef ds:uri="http://purl.org/dc/terms/"/>
+    <ds:schemaRef ds:uri="230e9df3-be65-4c73-a93b-d1236ebd677e"/>
+    <ds:schemaRef ds:uri="http://schemas.microsoft.com/office/2006/documentManagement/types"/>
+    <ds:schemaRef ds:uri="http://schemas.microsoft.com/office/infopath/2007/PartnerControls"/>
+    <ds:schemaRef ds:uri="http://schemas.microsoft.com/sharepoint/v3"/>
+    <ds:schemaRef ds:uri="http://schemas.microsoft.com/office/2006/metadata/properties"/>
+    <ds:schemaRef ds:uri="http://www.w3.org/XML/1998/namespace"/>
+  </ds:schemaRefs>
+</ds:datastoreItem>
+</file>
+
+<file path=customXml/itemProps3.xml><?xml version="1.0" encoding="utf-8"?>
 <ds:datastoreItem xmlns:ds="http://schemas.openxmlformats.org/officeDocument/2006/customXml" ds:itemID="{2EB2FABB-45EC-440E-B647-8CA57BA45ACA}">
   <ds:schemaRefs>
     <ds:schemaRef ds:uri="http://schemas.microsoft.com/office/2006/metadata/contentType"/>
@@ -26709,25 +25019,6 @@
 </ds:datastoreItem>
 </file>
 
-<file path=customXml/itemProps3.xml><?xml version="1.0" encoding="utf-8"?>
-<ds:datastoreItem xmlns:ds="http://schemas.openxmlformats.org/officeDocument/2006/customXml" ds:itemID="{99746342-5E84-430E-9251-61001F208E7A}">
-  <ds:schemaRefs>
-    <ds:schemaRef ds:uri="http://purl.org/dc/elements/1.1/"/>
-    <ds:schemaRef ds:uri="16c05727-aa75-4e4a-9b5f-8a80a1165891"/>
-    <ds:schemaRef ds:uri="71af3243-3dd4-4a8d-8c0d-dd76da1f02a5"/>
-    <ds:schemaRef ds:uri="http://schemas.openxmlformats.org/package/2006/metadata/core-properties"/>
-    <ds:schemaRef ds:uri="http://purl.org/dc/dcmitype/"/>
-    <ds:schemaRef ds:uri="http://purl.org/dc/terms/"/>
-    <ds:schemaRef ds:uri="230e9df3-be65-4c73-a93b-d1236ebd677e"/>
-    <ds:schemaRef ds:uri="http://schemas.microsoft.com/office/2006/documentManagement/types"/>
-    <ds:schemaRef ds:uri="http://schemas.microsoft.com/office/infopath/2007/PartnerControls"/>
-    <ds:schemaRef ds:uri="http://schemas.microsoft.com/sharepoint/v3"/>
-    <ds:schemaRef ds:uri="http://schemas.microsoft.com/office/2006/metadata/properties"/>
-    <ds:schemaRef ds:uri="http://www.w3.org/XML/1998/namespace"/>
-  </ds:schemaRefs>
-</ds:datastoreItem>
-</file>
-
 <file path=docMetadata/LabelInfo.xml><?xml version="1.0" encoding="utf-8"?>
 <clbl:labelList xmlns:clbl="http://schemas.microsoft.com/office/2020/mipLabelMetadata"/>
 </file>
--- a/Presentations/Bassolino_Report_Marzo2024_v2.pptx
+++ b/Presentations/Bassolino_Report_Marzo2024_v2.pptx
@@ -13519,32 +13519,7 @@
             </a:r>
             <a:r>
               <a:rPr lang="it-IT" sz="1600" dirty="0"/>
-              <a:t> in relazione alla maschera Ground Truth) con, rispettivamente:</a:t>
-            </a:r>
-          </a:p>
-          <a:p>
-            <a:pPr marL="285750" indent="-285750">
-              <a:lnSpc>
-                <a:spcPct val="100000"/>
-              </a:lnSpc>
-              <a:spcBef>
-                <a:spcPts val="600"/>
-              </a:spcBef>
-              <a:buSzPct val="95000"/>
-              <a:buFont typeface="Arial" panose="020B0604020202020204" pitchFamily="34" charset="0"/>
-              <a:buChar char="•"/>
-            </a:pPr>
-            <a:r>
-              <a:rPr lang="it-IT" sz="1600" dirty="0"/>
-              <a:t>Metrica basata sulla standard </a:t>
-            </a:r>
-            <a:r>
-              <a:rPr lang="it-IT" sz="1600" dirty="0" err="1"/>
-              <a:t>deviation</a:t>
-            </a:r>
-            <a:r>
-              <a:rPr lang="it-IT" sz="1600" dirty="0"/>
-              <a:t> </a:t>
+              <a:t> in relazione alla maschera Ground Truth) con, rispettivamente: Metrica basata </a:t>
             </a:r>
             <a:r>
               <a:rPr lang="it-IT" sz="1600" dirty="0" err="1"/>
@@ -13552,51 +13527,53 @@
             </a:r>
             <a:r>
               <a:rPr lang="it-IT" sz="1600" dirty="0"/>
-              <a:t> (in blu)</a:t>
-            </a:r>
-          </a:p>
-          <a:p>
-            <a:pPr marL="285750" indent="-285750">
-              <a:lnSpc>
-                <a:spcPct val="100000"/>
-              </a:lnSpc>
-              <a:spcBef>
-                <a:spcPts val="600"/>
-              </a:spcBef>
-              <a:buSzPct val="95000"/>
-              <a:buFont typeface="Arial" panose="020B0604020202020204" pitchFamily="34" charset="0"/>
-              <a:buChar char="•"/>
-            </a:pPr>
+              <a:t> (in </a:t>
+            </a:r>
+            <a:r>
+              <a:rPr lang="it-IT" sz="1600" b="1" dirty="0">
+                <a:solidFill>
+                  <a:srgbClr val="0070C0"/>
+                </a:solidFill>
+              </a:rPr>
+              <a:t>blu</a:t>
+            </a:r>
             <a:r>
               <a:rPr lang="it-IT" sz="1600" dirty="0"/>
-              <a:t>Metrica basata sull’entropia (in arancione)</a:t>
-            </a:r>
-          </a:p>
-          <a:p>
-            <a:pPr marL="285750" indent="-285750">
-              <a:lnSpc>
-                <a:spcPct val="100000"/>
-              </a:lnSpc>
-              <a:spcBef>
-                <a:spcPts val="600"/>
-              </a:spcBef>
-              <a:buSzPct val="95000"/>
-              <a:buFont typeface="Arial" panose="020B0604020202020204" pitchFamily="34" charset="0"/>
-              <a:buChar char="•"/>
-            </a:pPr>
+              <a:t>), Metrica basata sull’entropia (in </a:t>
+            </a:r>
+            <a:r>
+              <a:rPr lang="it-IT" sz="1600" b="1" dirty="0">
+                <a:solidFill>
+                  <a:srgbClr val="FFC000"/>
+                </a:solidFill>
+              </a:rPr>
+              <a:t>arancione</a:t>
+            </a:r>
             <a:r>
               <a:rPr lang="it-IT" sz="1600" dirty="0"/>
-              <a:t>Metrica basata sulla matrice dei dice (in verde)</a:t>
+              <a:t>), Metrica basata sulla matrice dei dice (in </a:t>
+            </a:r>
+            <a:r>
+              <a:rPr lang="it-IT" sz="1600" b="1" dirty="0">
+                <a:solidFill>
+                  <a:srgbClr val="00B050"/>
+                </a:solidFill>
+              </a:rPr>
+              <a:t>verde</a:t>
+            </a:r>
+            <a:r>
+              <a:rPr lang="it-IT" sz="1600" dirty="0"/>
+              <a:t>)</a:t>
             </a:r>
           </a:p>
         </p:txBody>
       </p:sp>
       <p:pic>
         <p:nvPicPr>
-          <p:cNvPr id="3" name="Immagine 2" descr="Immagine che contiene testo, diagramma, linea, schermata&#10;&#10;Descrizione generata automaticamente">
-            <a:extLst>
-              <a:ext uri="{FF2B5EF4-FFF2-40B4-BE49-F238E27FC236}">
-                <a16:creationId xmlns:a16="http://schemas.microsoft.com/office/drawing/2014/main" id="{FF5F8FD5-AA2D-221D-6C39-066F0627CEB3}"/>
+          <p:cNvPr id="8" name="Immagine 7" descr="Immagine che contiene testo, diagramma, schermata, Diagramma&#10;&#10;Descrizione generata automaticamente">
+            <a:extLst>
+              <a:ext uri="{FF2B5EF4-FFF2-40B4-BE49-F238E27FC236}">
+                <a16:creationId xmlns:a16="http://schemas.microsoft.com/office/drawing/2014/main" id="{4C4C1AEC-ECE9-8C06-3EAB-D6BC7FCF938B}"/>
               </a:ext>
             </a:extLst>
           </p:cNvPr>
@@ -13605,15 +13582,16 @@
           </p:cNvPicPr>
           <p:nvPr/>
         </p:nvPicPr>
-        <p:blipFill rotWithShape="1">
+        <p:blipFill>
           <a:blip r:embed="rId4"/>
-          <a:srcRect l="9977" r="9337" b="4545"/>
-          <a:stretch/>
+          <a:stretch>
+            <a:fillRect/>
+          </a:stretch>
         </p:blipFill>
         <p:spPr>
           <a:xfrm>
-            <a:off x="65891" y="2488831"/>
-            <a:ext cx="12057042" cy="3565959"/>
+            <a:off x="993800" y="1505733"/>
+            <a:ext cx="10893397" cy="5251251"/>
           </a:xfrm>
           <a:prstGeom prst="rect">
             <a:avLst/>
@@ -14442,10 +14420,10 @@
       </p:sp>
       <p:pic>
         <p:nvPicPr>
-          <p:cNvPr id="3" name="Immagine 2" descr="Immagine che contiene testo, diagramma, linea, schermata&#10;&#10;Descrizione generata automaticamente">
-            <a:extLst>
-              <a:ext uri="{FF2B5EF4-FFF2-40B4-BE49-F238E27FC236}">
-                <a16:creationId xmlns:a16="http://schemas.microsoft.com/office/drawing/2014/main" id="{30F0B0A1-B20D-BC4A-29CC-9EC30242A11A}"/>
+          <p:cNvPr id="2" name="Immagine 1" descr="Immagine che contiene testo, diagramma, schermata, Diagramma&#10;&#10;Descrizione generata automaticamente">
+            <a:extLst>
+              <a:ext uri="{FF2B5EF4-FFF2-40B4-BE49-F238E27FC236}">
+                <a16:creationId xmlns:a16="http://schemas.microsoft.com/office/drawing/2014/main" id="{D7DCDDF9-0194-DB6B-3ED9-AC6A305B6C22}"/>
               </a:ext>
             </a:extLst>
           </p:cNvPr>
@@ -14456,13 +14434,13 @@
         </p:nvPicPr>
         <p:blipFill rotWithShape="1">
           <a:blip r:embed="rId4"/>
-          <a:srcRect l="10344" t="7488" r="70144" b="5482"/>
+          <a:srcRect l="8031" t="7414" r="70071" b="3114"/>
           <a:stretch/>
         </p:blipFill>
         <p:spPr>
           <a:xfrm>
-            <a:off x="7292528" y="707366"/>
-            <a:ext cx="4772935" cy="5322080"/>
+            <a:off x="8380243" y="270656"/>
+            <a:ext cx="3207024" cy="6316687"/>
           </a:xfrm>
           <a:prstGeom prst="rect">
             <a:avLst/>
@@ -15005,35 +14983,6 @@
           </a:p>
         </p:txBody>
       </p:sp>
-      <p:pic>
-        <p:nvPicPr>
-          <p:cNvPr id="12" name="Immagine 11">
-            <a:extLst>
-              <a:ext uri="{FF2B5EF4-FFF2-40B4-BE49-F238E27FC236}">
-                <a16:creationId xmlns:a16="http://schemas.microsoft.com/office/drawing/2014/main" id="{8CCCF590-C321-60FE-9306-B6C95AFB96A7}"/>
-              </a:ext>
-            </a:extLst>
-          </p:cNvPr>
-          <p:cNvPicPr>
-            <a:picLocks noChangeAspect="1"/>
-          </p:cNvPicPr>
-          <p:nvPr/>
-        </p:nvPicPr>
-        <p:blipFill rotWithShape="1">
-          <a:blip r:embed="rId4"/>
-          <a:srcRect l="26070" t="8384" r="50127"/>
-          <a:stretch/>
-        </p:blipFill>
-        <p:spPr>
-          <a:xfrm>
-            <a:off x="7252509" y="729849"/>
-            <a:ext cx="4880284" cy="5555684"/>
-          </a:xfrm>
-          <a:prstGeom prst="rect">
-            <a:avLst/>
-          </a:prstGeom>
-        </p:spPr>
-      </p:pic>
       <p:sp>
         <p:nvSpPr>
           <p:cNvPr id="9" name="Segnaposto testo 6">
@@ -15278,7 +15227,7 @@
             </a:pPr>
             <a:r>
               <a:rPr lang="it-IT" sz="1600" dirty="0"/>
-              <a:t>A livello di entropia, sembrerebbe poter esserci una tendenza ad avere valori più bassi quando i valori di dice aumentano (e sembrerebbe che questo comportamento sia più accentuato del comportamento della metrica precedente), con però dei picchi di entropia proprio dove il dice aumenta; c’è comunque una grande variabilità, non sembra esserci una relazione lineare.</a:t>
+              <a:t>A livello di entropia, sembrerebbe poter esserci una tendenza ad avere valori più bassi quando i valori di dice aumentano, con però dei picchi di entropia proprio dove il dice aumenta; c’è comunque una grande variabilità, non sembra esserci una relazione lineare.</a:t>
             </a:r>
           </a:p>
           <a:p>
@@ -15295,6 +15244,84 @@
               <a:rPr lang="it-IT" sz="1600" dirty="0"/>
               <a:t>In ogni caso, il campione di 50 immagini potrebbe essere non abbastanza elevato per trarre conclusioni certe.</a:t>
             </a:r>
+          </a:p>
+        </p:txBody>
+      </p:sp>
+      <p:pic>
+        <p:nvPicPr>
+          <p:cNvPr id="2" name="Immagine 1" descr="Immagine che contiene testo, diagramma, schermata, Diagramma&#10;&#10;Descrizione generata automaticamente">
+            <a:extLst>
+              <a:ext uri="{FF2B5EF4-FFF2-40B4-BE49-F238E27FC236}">
+                <a16:creationId xmlns:a16="http://schemas.microsoft.com/office/drawing/2014/main" id="{6495416E-BB43-312B-5C07-12E15279A8A1}"/>
+              </a:ext>
+            </a:extLst>
+          </p:cNvPr>
+          <p:cNvPicPr>
+            <a:picLocks noChangeAspect="1"/>
+          </p:cNvPicPr>
+          <p:nvPr/>
+        </p:nvPicPr>
+        <p:blipFill rotWithShape="1">
+          <a:blip r:embed="rId4"/>
+          <a:srcRect l="29492" t="7703" r="49998" b="4980"/>
+          <a:stretch/>
+        </p:blipFill>
+        <p:spPr>
+          <a:xfrm>
+            <a:off x="8808721" y="194682"/>
+            <a:ext cx="3177208" cy="6520492"/>
+          </a:xfrm>
+          <a:prstGeom prst="rect">
+            <a:avLst/>
+          </a:prstGeom>
+        </p:spPr>
+      </p:pic>
+      <p:sp>
+        <p:nvSpPr>
+          <p:cNvPr id="3" name="Rettangolo 2">
+            <a:extLst>
+              <a:ext uri="{FF2B5EF4-FFF2-40B4-BE49-F238E27FC236}">
+                <a16:creationId xmlns:a16="http://schemas.microsoft.com/office/drawing/2014/main" id="{609AF0E2-BEF4-77D2-5DA8-334D29D47ABF}"/>
+              </a:ext>
+            </a:extLst>
+          </p:cNvPr>
+          <p:cNvSpPr/>
+          <p:nvPr/>
+        </p:nvSpPr>
+        <p:spPr>
+          <a:xfrm>
+            <a:off x="11752580" y="2486660"/>
+            <a:ext cx="147320" cy="1828800"/>
+          </a:xfrm>
+          <a:prstGeom prst="rect">
+            <a:avLst/>
+          </a:prstGeom>
+          <a:ln>
+            <a:solidFill>
+              <a:schemeClr val="bg1"/>
+            </a:solidFill>
+          </a:ln>
+        </p:spPr>
+        <p:style>
+          <a:lnRef idx="2">
+            <a:schemeClr val="accent6"/>
+          </a:lnRef>
+          <a:fillRef idx="1">
+            <a:schemeClr val="lt1"/>
+          </a:fillRef>
+          <a:effectRef idx="0">
+            <a:schemeClr val="accent6"/>
+          </a:effectRef>
+          <a:fontRef idx="minor">
+            <a:schemeClr val="dk1"/>
+          </a:fontRef>
+        </p:style>
+        <p:txBody>
+          <a:bodyPr rtlCol="0" anchor="ctr"/>
+          <a:lstStyle/>
+          <a:p>
+            <a:pPr algn="ctr"/>
+            <a:endParaRPr lang="en-US"/>
           </a:p>
         </p:txBody>
       </p:sp>
@@ -15834,35 +15861,6 @@
           </a:p>
         </p:txBody>
       </p:sp>
-      <p:pic>
-        <p:nvPicPr>
-          <p:cNvPr id="12" name="Immagine 11">
-            <a:extLst>
-              <a:ext uri="{FF2B5EF4-FFF2-40B4-BE49-F238E27FC236}">
-                <a16:creationId xmlns:a16="http://schemas.microsoft.com/office/drawing/2014/main" id="{8CCCF590-C321-60FE-9306-B6C95AFB96A7}"/>
-              </a:ext>
-            </a:extLst>
-          </p:cNvPr>
-          <p:cNvPicPr>
-            <a:picLocks noChangeAspect="1"/>
-          </p:cNvPicPr>
-          <p:nvPr/>
-        </p:nvPicPr>
-        <p:blipFill rotWithShape="1">
-          <a:blip r:embed="rId4"/>
-          <a:srcRect l="50177" t="7100" r="29884" b="6107"/>
-          <a:stretch/>
-        </p:blipFill>
-        <p:spPr>
-          <a:xfrm>
-            <a:off x="7636800" y="282834"/>
-            <a:ext cx="4325043" cy="6267256"/>
-          </a:xfrm>
-          <a:prstGeom prst="rect">
-            <a:avLst/>
-          </a:prstGeom>
-        </p:spPr>
-      </p:pic>
       <p:sp>
         <p:nvSpPr>
           <p:cNvPr id="9" name="Segnaposto testo 6">
@@ -16171,6 +16169,35 @@
           </a:p>
         </p:txBody>
       </p:sp>
+      <p:pic>
+        <p:nvPicPr>
+          <p:cNvPr id="2" name="Immagine 1" descr="Immagine che contiene testo, diagramma, schermata, Diagramma&#10;&#10;Descrizione generata automaticamente">
+            <a:extLst>
+              <a:ext uri="{FF2B5EF4-FFF2-40B4-BE49-F238E27FC236}">
+                <a16:creationId xmlns:a16="http://schemas.microsoft.com/office/drawing/2014/main" id="{32A23621-A08A-2AEC-F32F-167789444541}"/>
+              </a:ext>
+            </a:extLst>
+          </p:cNvPr>
+          <p:cNvPicPr>
+            <a:picLocks noChangeAspect="1"/>
+          </p:cNvPicPr>
+          <p:nvPr/>
+        </p:nvPicPr>
+        <p:blipFill rotWithShape="1">
+          <a:blip r:embed="rId4"/>
+          <a:srcRect l="49915" t="7894" r="29659" b="5042"/>
+          <a:stretch/>
+        </p:blipFill>
+        <p:spPr>
+          <a:xfrm>
+            <a:off x="8407256" y="187894"/>
+            <a:ext cx="3154678" cy="6482212"/>
+          </a:xfrm>
+          <a:prstGeom prst="rect">
+            <a:avLst/>
+          </a:prstGeom>
+        </p:spPr>
+      </p:pic>
     </p:spTree>
     <p:extLst>
       <p:ext uri="{BB962C8B-B14F-4D97-AF65-F5344CB8AC3E}">
@@ -16937,7 +16964,7 @@
             </a:r>
             <a:r>
               <a:rPr lang="it-IT" sz="1600" dirty="0"/>
-              <a:t> e entropia, mentre per la metrica basata sulla dice </a:t>
+              <a:t> e entropia, mentre la metrica basata sulla dice </a:t>
             </a:r>
             <a:r>
               <a:rPr lang="it-IT" sz="1600" dirty="0" err="1"/>
@@ -16952,10 +16979,10 @@
       </p:sp>
       <p:pic>
         <p:nvPicPr>
-          <p:cNvPr id="3" name="Immagine 2" descr="Immagine che contiene testo, diagramma, linea, schermata&#10;&#10;Descrizione generata automaticamente">
-            <a:extLst>
-              <a:ext uri="{FF2B5EF4-FFF2-40B4-BE49-F238E27FC236}">
-                <a16:creationId xmlns:a16="http://schemas.microsoft.com/office/drawing/2014/main" id="{17895F46-7E08-091B-8668-EB5E04B127B9}"/>
+          <p:cNvPr id="7" name="Immagine 6" descr="Immagine che contiene testo, diagramma, schermata, linea&#10;&#10;Descrizione generata automaticamente">
+            <a:extLst>
+              <a:ext uri="{FF2B5EF4-FFF2-40B4-BE49-F238E27FC236}">
+                <a16:creationId xmlns:a16="http://schemas.microsoft.com/office/drawing/2014/main" id="{7834548B-7034-8DFB-6DEB-E2BEF9FCD50F}"/>
               </a:ext>
             </a:extLst>
           </p:cNvPr>
@@ -16966,13 +16993,13 @@
         </p:nvPicPr>
         <p:blipFill rotWithShape="1">
           <a:blip r:embed="rId4"/>
-          <a:srcRect l="10068" r="8822"/>
+          <a:srcRect l="8258" t="7935" r="8250" b="4930"/>
           <a:stretch/>
         </p:blipFill>
         <p:spPr>
           <a:xfrm>
-            <a:off x="799203" y="1673525"/>
-            <a:ext cx="11329777" cy="5021052"/>
+            <a:off x="1006796" y="1960959"/>
+            <a:ext cx="10707790" cy="4698365"/>
           </a:xfrm>
           <a:prstGeom prst="rect">
             <a:avLst/>
@@ -22082,7 +22109,7 @@
             </a:pPr>
             <a:r>
               <a:rPr lang="it-IT" sz="1600" dirty="0"/>
-              <a:t>Nell’immagine a destra, si può apprezzare come le immagini 14 e 15 derivanti dal </a:t>
+              <a:t>Nell’immagine a destra, si può apprezzare come l’immagine 3 derivante dal </a:t>
             </a:r>
             <a:r>
               <a:rPr lang="it-IT" sz="1600" dirty="0" err="1"/>
@@ -22090,7 +22117,7 @@
             </a:r>
             <a:r>
               <a:rPr lang="it-IT" sz="1600" dirty="0"/>
-              <a:t> abbiano risultati leggermente diversi dalle altre 18 segmentazioni con Dropout.</a:t>
+              <a:t> abbia risultato leggermente diverso dalle altre 19 segmentazioni con Dropout.</a:t>
             </a:r>
           </a:p>
         </p:txBody>
